--- a/Java Урок 10.1 String. Random.pptx
+++ b/Java Урок 10.1 String. Random.pptx
@@ -218,7 +218,7 @@
           <a:p>
             <a:fld id="{790B794E-751A-4E07-B5B4-B69A0141DF43}" type="datetimeFigureOut">
               <a:rPr lang="uk-UA" smtClean="0"/>
-              <a:t>07.02.2024</a:t>
+              <a:t>10.02.2024</a:t>
             </a:fld>
             <a:endParaRPr lang="uk-UA"/>
           </a:p>
@@ -1155,7 +1155,7 @@
           <a:p>
             <a:fld id="{7339DC7A-DEAA-47BA-B575-6138C53BD45C}" type="datetimeFigureOut">
               <a:rPr lang="uk-UA" smtClean="0"/>
-              <a:t>07.02.2024</a:t>
+              <a:t>10.02.2024</a:t>
             </a:fld>
             <a:endParaRPr lang="uk-UA"/>
           </a:p>
@@ -1355,7 +1355,7 @@
           <a:p>
             <a:fld id="{7339DC7A-DEAA-47BA-B575-6138C53BD45C}" type="datetimeFigureOut">
               <a:rPr lang="uk-UA" smtClean="0"/>
-              <a:t>07.02.2024</a:t>
+              <a:t>10.02.2024</a:t>
             </a:fld>
             <a:endParaRPr lang="uk-UA"/>
           </a:p>
@@ -1565,7 +1565,7 @@
           <a:p>
             <a:fld id="{7339DC7A-DEAA-47BA-B575-6138C53BD45C}" type="datetimeFigureOut">
               <a:rPr lang="uk-UA" smtClean="0"/>
-              <a:t>07.02.2024</a:t>
+              <a:t>10.02.2024</a:t>
             </a:fld>
             <a:endParaRPr lang="uk-UA"/>
           </a:p>
@@ -1888,7 +1888,7 @@
           <a:p>
             <a:fld id="{7339DC7A-DEAA-47BA-B575-6138C53BD45C}" type="datetimeFigureOut">
               <a:rPr lang="uk-UA" smtClean="0"/>
-              <a:t>07.02.2024</a:t>
+              <a:t>10.02.2024</a:t>
             </a:fld>
             <a:endParaRPr lang="uk-UA"/>
           </a:p>
@@ -2164,7 +2164,7 @@
           <a:p>
             <a:fld id="{7339DC7A-DEAA-47BA-B575-6138C53BD45C}" type="datetimeFigureOut">
               <a:rPr lang="uk-UA" smtClean="0"/>
-              <a:t>07.02.2024</a:t>
+              <a:t>10.02.2024</a:t>
             </a:fld>
             <a:endParaRPr lang="uk-UA"/>
           </a:p>
@@ -2432,7 +2432,7 @@
           <a:p>
             <a:fld id="{7339DC7A-DEAA-47BA-B575-6138C53BD45C}" type="datetimeFigureOut">
               <a:rPr lang="uk-UA" smtClean="0"/>
-              <a:t>07.02.2024</a:t>
+              <a:t>10.02.2024</a:t>
             </a:fld>
             <a:endParaRPr lang="uk-UA"/>
           </a:p>
@@ -2847,7 +2847,7 @@
           <a:p>
             <a:fld id="{7339DC7A-DEAA-47BA-B575-6138C53BD45C}" type="datetimeFigureOut">
               <a:rPr lang="uk-UA" smtClean="0"/>
-              <a:t>07.02.2024</a:t>
+              <a:t>10.02.2024</a:t>
             </a:fld>
             <a:endParaRPr lang="uk-UA"/>
           </a:p>
@@ -2989,7 +2989,7 @@
           <a:p>
             <a:fld id="{7339DC7A-DEAA-47BA-B575-6138C53BD45C}" type="datetimeFigureOut">
               <a:rPr lang="uk-UA" smtClean="0"/>
-              <a:t>07.02.2024</a:t>
+              <a:t>10.02.2024</a:t>
             </a:fld>
             <a:endParaRPr lang="uk-UA"/>
           </a:p>
@@ -3102,7 +3102,7 @@
           <a:p>
             <a:fld id="{7339DC7A-DEAA-47BA-B575-6138C53BD45C}" type="datetimeFigureOut">
               <a:rPr lang="uk-UA" smtClean="0"/>
-              <a:t>07.02.2024</a:t>
+              <a:t>10.02.2024</a:t>
             </a:fld>
             <a:endParaRPr lang="uk-UA"/>
           </a:p>
@@ -3415,7 +3415,7 @@
           <a:p>
             <a:fld id="{7339DC7A-DEAA-47BA-B575-6138C53BD45C}" type="datetimeFigureOut">
               <a:rPr lang="uk-UA" smtClean="0"/>
-              <a:t>07.02.2024</a:t>
+              <a:t>10.02.2024</a:t>
             </a:fld>
             <a:endParaRPr lang="uk-UA"/>
           </a:p>
@@ -3704,7 +3704,7 @@
           <a:p>
             <a:fld id="{7339DC7A-DEAA-47BA-B575-6138C53BD45C}" type="datetimeFigureOut">
               <a:rPr lang="uk-UA" smtClean="0"/>
-              <a:t>07.02.2024</a:t>
+              <a:t>10.02.2024</a:t>
             </a:fld>
             <a:endParaRPr lang="uk-UA"/>
           </a:p>
@@ -3947,7 +3947,7 @@
           <a:p>
             <a:fld id="{7339DC7A-DEAA-47BA-B575-6138C53BD45C}" type="datetimeFigureOut">
               <a:rPr lang="uk-UA" smtClean="0"/>
-              <a:t>07.02.2024</a:t>
+              <a:t>10.02.2024</a:t>
             </a:fld>
             <a:endParaRPr lang="uk-UA"/>
           </a:p>
@@ -7719,13 +7719,22 @@
             <p:ph type="title"/>
           </p:nvPr>
         </p:nvSpPr>
-        <p:spPr/>
+        <p:spPr>
+          <a:xfrm>
+            <a:off x="0" y="1"/>
+            <a:ext cx="12192000" cy="829558"/>
+          </a:xfrm>
+        </p:spPr>
         <p:txBody>
           <a:bodyPr/>
           <a:lstStyle/>
           <a:p>
-            <a:r>
-              <a:rPr lang="uk-UA" altLang="ru-RU" dirty="0"/>
+            <a:pPr algn="ctr"/>
+            <a:r>
+              <a:rPr lang="uk-UA" altLang="ru-RU" dirty="0">
+                <a:latin typeface="Times New Roman" panose="02020603050405020304" pitchFamily="18" charset="0"/>
+                <a:cs typeface="Times New Roman" panose="02020603050405020304" pitchFamily="18" charset="0"/>
+              </a:rPr>
               <a:t>Форматування рядків</a:t>
             </a:r>
           </a:p>
@@ -7747,7 +7756,7 @@
           <a:graphicData uri="http://schemas.openxmlformats.org/presentationml/2006/ole">
             <mc:AlternateContent xmlns:mc="http://schemas.openxmlformats.org/markup-compatibility/2006">
               <mc:Choice xmlns:v="urn:schemas-microsoft-com:vml" Requires="v">
-                <p:oleObj spid="_x0000_s1046" name="Visio" r:id="rId3" imgW="6010393" imgH="1609767" progId="Visio.Drawing.11">
+                <p:oleObj spid="_x0000_s1050" name="Visio" r:id="rId3" imgW="6010393" imgH="1609767" progId="Visio.Drawing.11">
                   <p:embed/>
                 </p:oleObj>
               </mc:Choice>

--- a/Java Урок 10.1 String. Random.pptx
+++ b/Java Урок 10.1 String. Random.pptx
@@ -16,20 +16,20 @@
     <p:sldId id="312" r:id="rId7"/>
     <p:sldId id="313" r:id="rId8"/>
     <p:sldId id="314" r:id="rId9"/>
-    <p:sldId id="315" r:id="rId10"/>
-    <p:sldId id="316" r:id="rId11"/>
-    <p:sldId id="317" r:id="rId12"/>
-    <p:sldId id="318" r:id="rId13"/>
-    <p:sldId id="700" r:id="rId14"/>
-    <p:sldId id="319" r:id="rId15"/>
-    <p:sldId id="320" r:id="rId16"/>
-    <p:sldId id="321" r:id="rId17"/>
-    <p:sldId id="322" r:id="rId18"/>
-    <p:sldId id="323" r:id="rId19"/>
-    <p:sldId id="324" r:id="rId20"/>
-    <p:sldId id="703" r:id="rId21"/>
-    <p:sldId id="705" r:id="rId22"/>
-    <p:sldId id="890" r:id="rId23"/>
+    <p:sldId id="316" r:id="rId10"/>
+    <p:sldId id="318" r:id="rId11"/>
+    <p:sldId id="700" r:id="rId12"/>
+    <p:sldId id="320" r:id="rId13"/>
+    <p:sldId id="321" r:id="rId14"/>
+    <p:sldId id="322" r:id="rId15"/>
+    <p:sldId id="323" r:id="rId16"/>
+    <p:sldId id="324" r:id="rId17"/>
+    <p:sldId id="703" r:id="rId18"/>
+    <p:sldId id="705" r:id="rId19"/>
+    <p:sldId id="890" r:id="rId20"/>
+    <p:sldId id="319" r:id="rId21"/>
+    <p:sldId id="317" r:id="rId22"/>
+    <p:sldId id="315" r:id="rId23"/>
   </p:sldIdLst>
   <p:sldSz cx="12192000" cy="6858000"/>
   <p:notesSz cx="6858000" cy="9144000"/>
@@ -218,7 +218,7 @@
           <a:p>
             <a:fld id="{790B794E-751A-4E07-B5B4-B69A0141DF43}" type="datetimeFigureOut">
               <a:rPr lang="uk-UA" smtClean="0"/>
-              <a:t>10.02.2024</a:t>
+              <a:t>28.02.2024</a:t>
             </a:fld>
             <a:endParaRPr lang="uk-UA"/>
           </a:p>
@@ -551,7 +551,7 @@
           <a:p>
             <a:fld id="{8A7CDEED-A887-427E-A397-84F74B158BFA}" type="slidenum">
               <a:rPr lang="uk-UA" smtClean="0"/>
-              <a:t>15</a:t>
+              <a:t>12</a:t>
             </a:fld>
             <a:endParaRPr lang="uk-UA"/>
           </a:p>
@@ -769,7 +769,7 @@
             <a:fld id="{127EFA45-6ABC-4B24-9793-CACCE6C6FF62}" type="slidenum">
               <a:rPr lang="de-DE" altLang="ru-RU" sz="1200"/>
               <a:pPr eaLnBrk="1" hangingPunct="1"/>
-              <a:t>20</a:t>
+              <a:t>17</a:t>
             </a:fld>
             <a:endParaRPr lang="de-DE" altLang="ru-RU" sz="1200"/>
           </a:p>
@@ -987,7 +987,7 @@
             <a:fld id="{DE5EDCE4-1719-4898-BD3E-6EADD558E425}" type="slidenum">
               <a:rPr lang="de-DE" altLang="ru-RU" sz="1200"/>
               <a:pPr eaLnBrk="1" hangingPunct="1"/>
-              <a:t>21</a:t>
+              <a:t>18</a:t>
             </a:fld>
             <a:endParaRPr lang="de-DE" altLang="ru-RU" sz="1200"/>
           </a:p>
@@ -1155,7 +1155,7 @@
           <a:p>
             <a:fld id="{7339DC7A-DEAA-47BA-B575-6138C53BD45C}" type="datetimeFigureOut">
               <a:rPr lang="uk-UA" smtClean="0"/>
-              <a:t>10.02.2024</a:t>
+              <a:t>28.02.2024</a:t>
             </a:fld>
             <a:endParaRPr lang="uk-UA"/>
           </a:p>
@@ -1355,7 +1355,7 @@
           <a:p>
             <a:fld id="{7339DC7A-DEAA-47BA-B575-6138C53BD45C}" type="datetimeFigureOut">
               <a:rPr lang="uk-UA" smtClean="0"/>
-              <a:t>10.02.2024</a:t>
+              <a:t>28.02.2024</a:t>
             </a:fld>
             <a:endParaRPr lang="uk-UA"/>
           </a:p>
@@ -1565,7 +1565,7 @@
           <a:p>
             <a:fld id="{7339DC7A-DEAA-47BA-B575-6138C53BD45C}" type="datetimeFigureOut">
               <a:rPr lang="uk-UA" smtClean="0"/>
-              <a:t>10.02.2024</a:t>
+              <a:t>28.02.2024</a:t>
             </a:fld>
             <a:endParaRPr lang="uk-UA"/>
           </a:p>
@@ -1888,7 +1888,7 @@
           <a:p>
             <a:fld id="{7339DC7A-DEAA-47BA-B575-6138C53BD45C}" type="datetimeFigureOut">
               <a:rPr lang="uk-UA" smtClean="0"/>
-              <a:t>10.02.2024</a:t>
+              <a:t>28.02.2024</a:t>
             </a:fld>
             <a:endParaRPr lang="uk-UA"/>
           </a:p>
@@ -2164,7 +2164,7 @@
           <a:p>
             <a:fld id="{7339DC7A-DEAA-47BA-B575-6138C53BD45C}" type="datetimeFigureOut">
               <a:rPr lang="uk-UA" smtClean="0"/>
-              <a:t>10.02.2024</a:t>
+              <a:t>28.02.2024</a:t>
             </a:fld>
             <a:endParaRPr lang="uk-UA"/>
           </a:p>
@@ -2432,7 +2432,7 @@
           <a:p>
             <a:fld id="{7339DC7A-DEAA-47BA-B575-6138C53BD45C}" type="datetimeFigureOut">
               <a:rPr lang="uk-UA" smtClean="0"/>
-              <a:t>10.02.2024</a:t>
+              <a:t>28.02.2024</a:t>
             </a:fld>
             <a:endParaRPr lang="uk-UA"/>
           </a:p>
@@ -2847,7 +2847,7 @@
           <a:p>
             <a:fld id="{7339DC7A-DEAA-47BA-B575-6138C53BD45C}" type="datetimeFigureOut">
               <a:rPr lang="uk-UA" smtClean="0"/>
-              <a:t>10.02.2024</a:t>
+              <a:t>28.02.2024</a:t>
             </a:fld>
             <a:endParaRPr lang="uk-UA"/>
           </a:p>
@@ -2989,7 +2989,7 @@
           <a:p>
             <a:fld id="{7339DC7A-DEAA-47BA-B575-6138C53BD45C}" type="datetimeFigureOut">
               <a:rPr lang="uk-UA" smtClean="0"/>
-              <a:t>10.02.2024</a:t>
+              <a:t>28.02.2024</a:t>
             </a:fld>
             <a:endParaRPr lang="uk-UA"/>
           </a:p>
@@ -3102,7 +3102,7 @@
           <a:p>
             <a:fld id="{7339DC7A-DEAA-47BA-B575-6138C53BD45C}" type="datetimeFigureOut">
               <a:rPr lang="uk-UA" smtClean="0"/>
-              <a:t>10.02.2024</a:t>
+              <a:t>28.02.2024</a:t>
             </a:fld>
             <a:endParaRPr lang="uk-UA"/>
           </a:p>
@@ -3415,7 +3415,7 @@
           <a:p>
             <a:fld id="{7339DC7A-DEAA-47BA-B575-6138C53BD45C}" type="datetimeFigureOut">
               <a:rPr lang="uk-UA" smtClean="0"/>
-              <a:t>10.02.2024</a:t>
+              <a:t>28.02.2024</a:t>
             </a:fld>
             <a:endParaRPr lang="uk-UA"/>
           </a:p>
@@ -3704,7 +3704,7 @@
           <a:p>
             <a:fld id="{7339DC7A-DEAA-47BA-B575-6138C53BD45C}" type="datetimeFigureOut">
               <a:rPr lang="uk-UA" smtClean="0"/>
-              <a:t>10.02.2024</a:t>
+              <a:t>28.02.2024</a:t>
             </a:fld>
             <a:endParaRPr lang="uk-UA"/>
           </a:p>
@@ -3947,7 +3947,7 @@
           <a:p>
             <a:fld id="{7339DC7A-DEAA-47BA-B575-6138C53BD45C}" type="datetimeFigureOut">
               <a:rPr lang="uk-UA" smtClean="0"/>
-              <a:t>10.02.2024</a:t>
+              <a:t>28.02.2024</a:t>
             </a:fld>
             <a:endParaRPr lang="uk-UA"/>
           </a:p>
@@ -4487,2561 +4487,6 @@
       </p:grpSpPr>
       <p:sp>
         <p:nvSpPr>
-          <p:cNvPr id="3" name="TextBox 2">
-            <a:extLst>
-              <a:ext uri="{FF2B5EF4-FFF2-40B4-BE49-F238E27FC236}">
-                <a16:creationId xmlns:a16="http://schemas.microsoft.com/office/drawing/2014/main" id="{3EAA7D44-2E15-467B-B925-1B027419BAF8}"/>
-              </a:ext>
-            </a:extLst>
-          </p:cNvPr>
-          <p:cNvSpPr txBox="1"/>
-          <p:nvPr/>
-        </p:nvSpPr>
-        <p:spPr>
-          <a:xfrm>
-            <a:off x="0" y="145272"/>
-            <a:ext cx="12192000" cy="707886"/>
-          </a:xfrm>
-          <a:prstGeom prst="rect">
-            <a:avLst/>
-          </a:prstGeom>
-          <a:noFill/>
-        </p:spPr>
-        <p:txBody>
-          <a:bodyPr wrap="square">
-            <a:spAutoFit/>
-          </a:bodyPr>
-          <a:lstStyle/>
-          <a:p>
-            <a:pPr algn="ctr"/>
-            <a:r>
-              <a:rPr lang="uk-UA" sz="4000" dirty="0">
-                <a:latin typeface="Times New Roman" panose="02020603050405020304" pitchFamily="18" charset="0"/>
-                <a:cs typeface="Times New Roman" panose="02020603050405020304" pitchFamily="18" charset="0"/>
-              </a:rPr>
-              <a:t>Клас </a:t>
-            </a:r>
-            <a:r>
-              <a:rPr lang="en-US" sz="4000" dirty="0">
-                <a:latin typeface="Times New Roman" panose="02020603050405020304" pitchFamily="18" charset="0"/>
-                <a:cs typeface="Times New Roman" panose="02020603050405020304" pitchFamily="18" charset="0"/>
-              </a:rPr>
-              <a:t>String</a:t>
-            </a:r>
-            <a:r>
-              <a:rPr lang="uk-UA" sz="4000" dirty="0">
-                <a:latin typeface="Times New Roman" panose="02020603050405020304" pitchFamily="18" charset="0"/>
-                <a:cs typeface="Times New Roman" panose="02020603050405020304" pitchFamily="18" charset="0"/>
-              </a:rPr>
-              <a:t>. Порівняння рядків</a:t>
-            </a:r>
-            <a:r>
-              <a:rPr lang="en-US" sz="4000" dirty="0">
-                <a:latin typeface="Times New Roman" panose="02020603050405020304" pitchFamily="18" charset="0"/>
-                <a:cs typeface="Times New Roman" panose="02020603050405020304" pitchFamily="18" charset="0"/>
-              </a:rPr>
-              <a:t> </a:t>
-            </a:r>
-            <a:endParaRPr lang="uk-UA" sz="4000" dirty="0">
-              <a:latin typeface="Times New Roman" panose="02020603050405020304" pitchFamily="18" charset="0"/>
-              <a:cs typeface="Times New Roman" panose="02020603050405020304" pitchFamily="18" charset="0"/>
-            </a:endParaRPr>
-          </a:p>
-        </p:txBody>
-      </p:sp>
-      <p:sp>
-        <p:nvSpPr>
-          <p:cNvPr id="2" name="TextBox 1">
-            <a:extLst>
-              <a:ext uri="{FF2B5EF4-FFF2-40B4-BE49-F238E27FC236}">
-                <a16:creationId xmlns:a16="http://schemas.microsoft.com/office/drawing/2014/main" id="{37253A66-33EB-4FB3-82D0-4959C77D3989}"/>
-              </a:ext>
-            </a:extLst>
-          </p:cNvPr>
-          <p:cNvSpPr txBox="1"/>
-          <p:nvPr/>
-        </p:nvSpPr>
-        <p:spPr>
-          <a:xfrm>
-            <a:off x="641023" y="1030509"/>
-            <a:ext cx="5646655" cy="707886"/>
-          </a:xfrm>
-          <a:prstGeom prst="rect">
-            <a:avLst/>
-          </a:prstGeom>
-          <a:noFill/>
-        </p:spPr>
-        <p:txBody>
-          <a:bodyPr wrap="square" rtlCol="0">
-            <a:spAutoFit/>
-          </a:bodyPr>
-          <a:lstStyle/>
-          <a:p>
-            <a:r>
-              <a:rPr lang="ru-RU" sz="2000" dirty="0">
-                <a:latin typeface="Times New Roman" panose="02020603050405020304" pitchFamily="18" charset="0"/>
-                <a:cs typeface="Times New Roman" panose="02020603050405020304" pitchFamily="18" charset="0"/>
-              </a:rPr>
-              <a:t>Для </a:t>
-            </a:r>
-            <a:r>
-              <a:rPr lang="ru-RU" sz="2000" dirty="0" err="1">
-                <a:latin typeface="Times New Roman" panose="02020603050405020304" pitchFamily="18" charset="0"/>
-                <a:cs typeface="Times New Roman" panose="02020603050405020304" pitchFamily="18" charset="0"/>
-              </a:rPr>
-              <a:t>порівняння</a:t>
-            </a:r>
-            <a:r>
-              <a:rPr lang="ru-RU" sz="2000" dirty="0">
-                <a:latin typeface="Times New Roman" panose="02020603050405020304" pitchFamily="18" charset="0"/>
-                <a:cs typeface="Times New Roman" panose="02020603050405020304" pitchFamily="18" charset="0"/>
-              </a:rPr>
-              <a:t> </a:t>
-            </a:r>
-            <a:r>
-              <a:rPr lang="ru-RU" sz="2000" dirty="0" err="1">
-                <a:latin typeface="Times New Roman" panose="02020603050405020304" pitchFamily="18" charset="0"/>
-                <a:cs typeface="Times New Roman" panose="02020603050405020304" pitchFamily="18" charset="0"/>
-              </a:rPr>
-              <a:t>рядків</a:t>
-            </a:r>
-            <a:r>
-              <a:rPr lang="ru-RU" sz="2000" dirty="0">
-                <a:latin typeface="Times New Roman" panose="02020603050405020304" pitchFamily="18" charset="0"/>
-                <a:cs typeface="Times New Roman" panose="02020603050405020304" pitchFamily="18" charset="0"/>
-              </a:rPr>
-              <a:t> </a:t>
-            </a:r>
-            <a:r>
-              <a:rPr lang="ru-RU" sz="2000" dirty="0" err="1">
-                <a:latin typeface="Times New Roman" panose="02020603050405020304" pitchFamily="18" charset="0"/>
-                <a:cs typeface="Times New Roman" panose="02020603050405020304" pitchFamily="18" charset="0"/>
-              </a:rPr>
-              <a:t>можна</a:t>
-            </a:r>
-            <a:r>
-              <a:rPr lang="ru-RU" sz="2000" dirty="0">
-                <a:latin typeface="Times New Roman" panose="02020603050405020304" pitchFamily="18" charset="0"/>
-                <a:cs typeface="Times New Roman" panose="02020603050405020304" pitchFamily="18" charset="0"/>
-              </a:rPr>
-              <a:t> </a:t>
-            </a:r>
-            <a:r>
-              <a:rPr lang="ru-RU" sz="2000" dirty="0" err="1">
-                <a:latin typeface="Times New Roman" panose="02020603050405020304" pitchFamily="18" charset="0"/>
-                <a:cs typeface="Times New Roman" panose="02020603050405020304" pitchFamily="18" charset="0"/>
-              </a:rPr>
-              <a:t>скористатися</a:t>
-            </a:r>
-            <a:r>
-              <a:rPr lang="ru-RU" sz="2000" dirty="0">
-                <a:latin typeface="Times New Roman" panose="02020603050405020304" pitchFamily="18" charset="0"/>
-                <a:cs typeface="Times New Roman" panose="02020603050405020304" pitchFamily="18" charset="0"/>
-              </a:rPr>
-              <a:t> методом </a:t>
-            </a:r>
-            <a:r>
-              <a:rPr lang="ru-RU" sz="2000" dirty="0" err="1">
-                <a:latin typeface="Times New Roman" panose="02020603050405020304" pitchFamily="18" charset="0"/>
-                <a:cs typeface="Times New Roman" panose="02020603050405020304" pitchFamily="18" charset="0"/>
-              </a:rPr>
-              <a:t>equals</a:t>
-            </a:r>
-            <a:r>
-              <a:rPr lang="ru-RU" sz="2000" dirty="0">
-                <a:latin typeface="Times New Roman" panose="02020603050405020304" pitchFamily="18" charset="0"/>
-                <a:cs typeface="Times New Roman" panose="02020603050405020304" pitchFamily="18" charset="0"/>
-              </a:rPr>
-              <a:t>():</a:t>
-            </a:r>
-            <a:endParaRPr lang="uk-UA" sz="2000" dirty="0">
-              <a:latin typeface="Times New Roman" panose="02020603050405020304" pitchFamily="18" charset="0"/>
-              <a:cs typeface="Times New Roman" panose="02020603050405020304" pitchFamily="18" charset="0"/>
-            </a:endParaRPr>
-          </a:p>
-        </p:txBody>
-      </p:sp>
-      <p:sp>
-        <p:nvSpPr>
-          <p:cNvPr id="5" name="TextBox 4">
-            <a:extLst>
-              <a:ext uri="{FF2B5EF4-FFF2-40B4-BE49-F238E27FC236}">
-                <a16:creationId xmlns:a16="http://schemas.microsoft.com/office/drawing/2014/main" id="{0A3ABEA2-38F5-4099-AA67-34812B665723}"/>
-              </a:ext>
-            </a:extLst>
-          </p:cNvPr>
-          <p:cNvSpPr txBox="1"/>
-          <p:nvPr/>
-        </p:nvSpPr>
-        <p:spPr>
-          <a:xfrm>
-            <a:off x="641022" y="1854191"/>
-            <a:ext cx="6391373" cy="1323439"/>
-          </a:xfrm>
-          <a:prstGeom prst="rect">
-            <a:avLst/>
-          </a:prstGeom>
-          <a:noFill/>
-        </p:spPr>
-        <p:txBody>
-          <a:bodyPr wrap="square">
-            <a:spAutoFit/>
-          </a:bodyPr>
-          <a:lstStyle/>
-          <a:p>
-            <a:r>
-              <a:rPr lang="en-US" sz="2000" b="1" i="0" dirty="0">
-                <a:solidFill>
-                  <a:srgbClr val="000080"/>
-                </a:solidFill>
-                <a:effectLst/>
-                <a:latin typeface="Menlo"/>
-              </a:rPr>
-              <a:t>public</a:t>
-            </a:r>
-            <a:r>
-              <a:rPr lang="en-US" sz="2000" b="0" i="0" dirty="0">
-                <a:solidFill>
-                  <a:srgbClr val="000000"/>
-                </a:solidFill>
-                <a:effectLst/>
-                <a:latin typeface="Menlo"/>
-              </a:rPr>
-              <a:t> </a:t>
-            </a:r>
-            <a:r>
-              <a:rPr lang="en-US" sz="2000" b="1" i="0" dirty="0">
-                <a:solidFill>
-                  <a:srgbClr val="000080"/>
-                </a:solidFill>
-                <a:effectLst/>
-                <a:latin typeface="Menlo"/>
-              </a:rPr>
-              <a:t>static</a:t>
-            </a:r>
-            <a:r>
-              <a:rPr lang="en-US" sz="2000" b="0" i="0" dirty="0">
-                <a:solidFill>
-                  <a:srgbClr val="000000"/>
-                </a:solidFill>
-                <a:effectLst/>
-                <a:latin typeface="Menlo"/>
-              </a:rPr>
-              <a:t> </a:t>
-            </a:r>
-            <a:r>
-              <a:rPr lang="en-US" sz="2000" b="1" i="0" dirty="0">
-                <a:solidFill>
-                  <a:srgbClr val="000080"/>
-                </a:solidFill>
-                <a:effectLst/>
-                <a:latin typeface="Menlo"/>
-              </a:rPr>
-              <a:t>void</a:t>
-            </a:r>
-            <a:r>
-              <a:rPr lang="en-US" sz="2000" b="0" i="0" dirty="0">
-                <a:solidFill>
-                  <a:srgbClr val="000000"/>
-                </a:solidFill>
-                <a:effectLst/>
-                <a:latin typeface="Menlo"/>
-              </a:rPr>
-              <a:t> </a:t>
-            </a:r>
-            <a:r>
-              <a:rPr lang="en-US" sz="2000" b="0" i="0" dirty="0">
-                <a:solidFill>
-                  <a:srgbClr val="900606"/>
-                </a:solidFill>
-                <a:effectLst/>
-                <a:latin typeface="Menlo"/>
-              </a:rPr>
-              <a:t>main</a:t>
-            </a:r>
-            <a:r>
-              <a:rPr lang="en-US" sz="2000" b="0" i="0" dirty="0">
-                <a:solidFill>
-                  <a:srgbClr val="000000"/>
-                </a:solidFill>
-                <a:effectLst/>
-                <a:latin typeface="Menlo"/>
-              </a:rPr>
-              <a:t>(String[] </a:t>
-            </a:r>
-            <a:r>
-              <a:rPr lang="en-US" sz="2000" b="0" i="0" dirty="0" err="1">
-                <a:solidFill>
-                  <a:srgbClr val="000000"/>
-                </a:solidFill>
-                <a:effectLst/>
-                <a:latin typeface="Menlo"/>
-              </a:rPr>
-              <a:t>args</a:t>
-            </a:r>
-            <a:r>
-              <a:rPr lang="en-US" sz="2000" b="0" i="0" dirty="0">
-                <a:solidFill>
-                  <a:srgbClr val="000000"/>
-                </a:solidFill>
-                <a:effectLst/>
-                <a:latin typeface="Menlo"/>
-              </a:rPr>
-              <a:t>) { </a:t>
-            </a:r>
-            <a:endParaRPr lang="uk-UA" sz="2000" b="0" i="0" dirty="0">
-              <a:solidFill>
-                <a:srgbClr val="000000"/>
-              </a:solidFill>
-              <a:effectLst/>
-              <a:latin typeface="Menlo"/>
-            </a:endParaRPr>
-          </a:p>
-          <a:p>
-            <a:r>
-              <a:rPr lang="uk-UA" sz="2000" b="0" i="0" dirty="0">
-                <a:solidFill>
-                  <a:srgbClr val="000000"/>
-                </a:solidFill>
-                <a:effectLst/>
-                <a:latin typeface="Menlo"/>
-              </a:rPr>
-              <a:t>	</a:t>
-            </a:r>
-            <a:r>
-              <a:rPr lang="en-US" sz="2000" b="0" i="0" dirty="0">
-                <a:solidFill>
-                  <a:srgbClr val="000000"/>
-                </a:solidFill>
-                <a:effectLst/>
-                <a:latin typeface="Menlo"/>
-              </a:rPr>
-              <a:t>String x = </a:t>
-            </a:r>
-            <a:r>
-              <a:rPr lang="en-US" sz="2000" b="0" i="0" dirty="0">
-                <a:solidFill>
-                  <a:srgbClr val="008000"/>
-                </a:solidFill>
-                <a:effectLst/>
-                <a:latin typeface="Menlo"/>
-              </a:rPr>
-              <a:t>"Test String"</a:t>
-            </a:r>
-            <a:r>
-              <a:rPr lang="en-US" sz="2000" b="0" i="0" dirty="0">
-                <a:solidFill>
-                  <a:srgbClr val="000000"/>
-                </a:solidFill>
-                <a:effectLst/>
-                <a:latin typeface="Menlo"/>
-              </a:rPr>
-              <a:t>; </a:t>
-            </a:r>
-            <a:endParaRPr lang="uk-UA" sz="2000" dirty="0">
-              <a:solidFill>
-                <a:srgbClr val="000000"/>
-              </a:solidFill>
-              <a:latin typeface="Menlo"/>
-            </a:endParaRPr>
-          </a:p>
-          <a:p>
-            <a:r>
-              <a:rPr lang="uk-UA" sz="2000" b="0" i="0" dirty="0">
-                <a:solidFill>
-                  <a:srgbClr val="000000"/>
-                </a:solidFill>
-                <a:effectLst/>
-                <a:latin typeface="Menlo"/>
-              </a:rPr>
-              <a:t>	</a:t>
-            </a:r>
-            <a:r>
-              <a:rPr lang="en-US" sz="2000" b="0" i="0" dirty="0" err="1">
-                <a:solidFill>
-                  <a:srgbClr val="000000"/>
-                </a:solidFill>
-                <a:effectLst/>
-                <a:latin typeface="Menlo"/>
-              </a:rPr>
-              <a:t>System.out.</a:t>
-            </a:r>
-            <a:r>
-              <a:rPr lang="en-US" sz="2000" b="0" i="0" dirty="0" err="1">
-                <a:solidFill>
-                  <a:srgbClr val="900606"/>
-                </a:solidFill>
-                <a:effectLst/>
-                <a:latin typeface="Menlo"/>
-              </a:rPr>
-              <a:t>println</a:t>
-            </a:r>
-            <a:r>
-              <a:rPr lang="en-US" sz="2000" b="0" i="0" dirty="0">
-                <a:solidFill>
-                  <a:srgbClr val="000000"/>
-                </a:solidFill>
-                <a:effectLst/>
-                <a:latin typeface="Menlo"/>
-              </a:rPr>
-              <a:t>(</a:t>
-            </a:r>
-            <a:r>
-              <a:rPr lang="en-US" sz="2000" b="0" i="0" dirty="0">
-                <a:solidFill>
-                  <a:srgbClr val="008000"/>
-                </a:solidFill>
-                <a:effectLst/>
-                <a:latin typeface="Menlo"/>
-              </a:rPr>
-              <a:t>"Test </a:t>
-            </a:r>
-            <a:r>
-              <a:rPr lang="en-US" sz="2000" b="0" i="0" dirty="0" err="1">
-                <a:solidFill>
-                  <a:srgbClr val="008000"/>
-                </a:solidFill>
-                <a:effectLst/>
-                <a:latin typeface="Menlo"/>
-              </a:rPr>
-              <a:t>String"</a:t>
-            </a:r>
-            <a:r>
-              <a:rPr lang="en-US" sz="2000" b="0" i="0" dirty="0" err="1">
-                <a:solidFill>
-                  <a:srgbClr val="000000"/>
-                </a:solidFill>
-                <a:effectLst/>
-                <a:latin typeface="Menlo"/>
-              </a:rPr>
-              <a:t>.</a:t>
-            </a:r>
-            <a:r>
-              <a:rPr lang="en-US" sz="2000" b="0" i="0" dirty="0" err="1">
-                <a:solidFill>
-                  <a:srgbClr val="900606"/>
-                </a:solidFill>
-                <a:effectLst/>
-                <a:latin typeface="Menlo"/>
-              </a:rPr>
-              <a:t>equals</a:t>
-            </a:r>
-            <a:r>
-              <a:rPr lang="en-US" sz="2000" b="0" i="0" dirty="0">
-                <a:solidFill>
-                  <a:srgbClr val="000000"/>
-                </a:solidFill>
-                <a:effectLst/>
-                <a:latin typeface="Menlo"/>
-              </a:rPr>
-              <a:t>(x)); </a:t>
-            </a:r>
-            <a:r>
-              <a:rPr lang="en-US" sz="2000" b="0" i="0" dirty="0">
-                <a:effectLst/>
-                <a:latin typeface="Menlo"/>
-              </a:rPr>
-              <a:t>// true</a:t>
-            </a:r>
-            <a:r>
-              <a:rPr lang="en-US" sz="2000" b="0" i="0" dirty="0">
-                <a:solidFill>
-                  <a:srgbClr val="000000"/>
-                </a:solidFill>
-                <a:effectLst/>
-                <a:latin typeface="Menlo"/>
-              </a:rPr>
-              <a:t> </a:t>
-            </a:r>
-            <a:endParaRPr lang="uk-UA" sz="2000" b="0" i="0" dirty="0">
-              <a:solidFill>
-                <a:srgbClr val="000000"/>
-              </a:solidFill>
-              <a:effectLst/>
-              <a:latin typeface="Menlo"/>
-            </a:endParaRPr>
-          </a:p>
-          <a:p>
-            <a:r>
-              <a:rPr lang="en-US" sz="2000" b="0" i="0" dirty="0">
-                <a:solidFill>
-                  <a:srgbClr val="000000"/>
-                </a:solidFill>
-                <a:effectLst/>
-                <a:latin typeface="Menlo"/>
-              </a:rPr>
-              <a:t>}</a:t>
-            </a:r>
-            <a:endParaRPr lang="uk-UA" sz="2000" dirty="0"/>
-          </a:p>
-        </p:txBody>
-      </p:sp>
-      <p:sp>
-        <p:nvSpPr>
-          <p:cNvPr id="6" name="TextBox 5">
-            <a:extLst>
-              <a:ext uri="{FF2B5EF4-FFF2-40B4-BE49-F238E27FC236}">
-                <a16:creationId xmlns:a16="http://schemas.microsoft.com/office/drawing/2014/main" id="{B1D46A61-3684-4BAD-A80C-F741717A9625}"/>
-              </a:ext>
-            </a:extLst>
-          </p:cNvPr>
-          <p:cNvSpPr txBox="1"/>
-          <p:nvPr/>
-        </p:nvSpPr>
-        <p:spPr>
-          <a:xfrm>
-            <a:off x="5533534" y="3095595"/>
-            <a:ext cx="6608190" cy="707886"/>
-          </a:xfrm>
-          <a:prstGeom prst="rect">
-            <a:avLst/>
-          </a:prstGeom>
-          <a:noFill/>
-        </p:spPr>
-        <p:txBody>
-          <a:bodyPr wrap="square" rtlCol="0">
-            <a:spAutoFit/>
-          </a:bodyPr>
-          <a:lstStyle/>
-          <a:p>
-            <a:r>
-              <a:rPr lang="ru-RU" sz="2000" dirty="0">
-                <a:latin typeface="Times New Roman" panose="02020603050405020304" pitchFamily="18" charset="0"/>
-                <a:cs typeface="Times New Roman" panose="02020603050405020304" pitchFamily="18" charset="0"/>
-              </a:rPr>
-              <a:t>Коли при </a:t>
-            </a:r>
-            <a:r>
-              <a:rPr lang="ru-RU" sz="2000" dirty="0" err="1">
-                <a:latin typeface="Times New Roman" panose="02020603050405020304" pitchFamily="18" charset="0"/>
-                <a:cs typeface="Times New Roman" panose="02020603050405020304" pitchFamily="18" charset="0"/>
-              </a:rPr>
-              <a:t>порівнянні</a:t>
-            </a:r>
-            <a:r>
-              <a:rPr lang="ru-RU" sz="2000" dirty="0">
-                <a:latin typeface="Times New Roman" panose="02020603050405020304" pitchFamily="18" charset="0"/>
-                <a:cs typeface="Times New Roman" panose="02020603050405020304" pitchFamily="18" charset="0"/>
-              </a:rPr>
-              <a:t> </a:t>
-            </a:r>
-            <a:r>
-              <a:rPr lang="ru-RU" sz="2000" dirty="0" err="1">
-                <a:latin typeface="Times New Roman" panose="02020603050405020304" pitchFamily="18" charset="0"/>
-                <a:cs typeface="Times New Roman" panose="02020603050405020304" pitchFamily="18" charset="0"/>
-              </a:rPr>
-              <a:t>рядків</a:t>
-            </a:r>
-            <a:r>
-              <a:rPr lang="ru-RU" sz="2000" dirty="0">
-                <a:latin typeface="Times New Roman" panose="02020603050405020304" pitchFamily="18" charset="0"/>
-                <a:cs typeface="Times New Roman" panose="02020603050405020304" pitchFamily="18" charset="0"/>
-              </a:rPr>
-              <a:t> нам не </a:t>
-            </a:r>
-            <a:r>
-              <a:rPr lang="ru-RU" sz="2000" dirty="0" err="1">
-                <a:latin typeface="Times New Roman" panose="02020603050405020304" pitchFamily="18" charset="0"/>
-                <a:cs typeface="Times New Roman" panose="02020603050405020304" pitchFamily="18" charset="0"/>
-              </a:rPr>
-              <a:t>важливий</a:t>
-            </a:r>
-            <a:r>
-              <a:rPr lang="ru-RU" sz="2000" dirty="0">
-                <a:latin typeface="Times New Roman" panose="02020603050405020304" pitchFamily="18" charset="0"/>
-                <a:cs typeface="Times New Roman" panose="02020603050405020304" pitchFamily="18" charset="0"/>
-              </a:rPr>
-              <a:t> </a:t>
-            </a:r>
-            <a:r>
-              <a:rPr lang="ru-RU" sz="2000" dirty="0" err="1">
-                <a:latin typeface="Times New Roman" panose="02020603050405020304" pitchFamily="18" charset="0"/>
-                <a:cs typeface="Times New Roman" panose="02020603050405020304" pitchFamily="18" charset="0"/>
-              </a:rPr>
-              <a:t>регістр</a:t>
-            </a:r>
-            <a:r>
-              <a:rPr lang="ru-RU" sz="2000" dirty="0">
-                <a:latin typeface="Times New Roman" panose="02020603050405020304" pitchFamily="18" charset="0"/>
-                <a:cs typeface="Times New Roman" panose="02020603050405020304" pitchFamily="18" charset="0"/>
-              </a:rPr>
-              <a:t>, </a:t>
-            </a:r>
-            <a:r>
-              <a:rPr lang="ru-RU" sz="2000" dirty="0" err="1">
-                <a:latin typeface="Times New Roman" panose="02020603050405020304" pitchFamily="18" charset="0"/>
-                <a:cs typeface="Times New Roman" panose="02020603050405020304" pitchFamily="18" charset="0"/>
-              </a:rPr>
-              <a:t>потрібно</a:t>
-            </a:r>
-            <a:r>
-              <a:rPr lang="ru-RU" sz="2000" dirty="0">
-                <a:latin typeface="Times New Roman" panose="02020603050405020304" pitchFamily="18" charset="0"/>
-                <a:cs typeface="Times New Roman" panose="02020603050405020304" pitchFamily="18" charset="0"/>
-              </a:rPr>
-              <a:t> </a:t>
-            </a:r>
-            <a:r>
-              <a:rPr lang="ru-RU" sz="2000" dirty="0" err="1">
-                <a:latin typeface="Times New Roman" panose="02020603050405020304" pitchFamily="18" charset="0"/>
-                <a:cs typeface="Times New Roman" panose="02020603050405020304" pitchFamily="18" charset="0"/>
-              </a:rPr>
-              <a:t>використовувати</a:t>
-            </a:r>
-            <a:r>
-              <a:rPr lang="ru-RU" sz="2000" dirty="0">
-                <a:latin typeface="Times New Roman" panose="02020603050405020304" pitchFamily="18" charset="0"/>
-                <a:cs typeface="Times New Roman" panose="02020603050405020304" pitchFamily="18" charset="0"/>
-              </a:rPr>
-              <a:t> метод </a:t>
-            </a:r>
-            <a:r>
-              <a:rPr lang="ru-RU" sz="2000" dirty="0" err="1">
-                <a:latin typeface="Times New Roman" panose="02020603050405020304" pitchFamily="18" charset="0"/>
-                <a:cs typeface="Times New Roman" panose="02020603050405020304" pitchFamily="18" charset="0"/>
-              </a:rPr>
-              <a:t>equalsIgnoreCase</a:t>
-            </a:r>
-            <a:r>
-              <a:rPr lang="ru-RU" sz="2000" dirty="0">
-                <a:latin typeface="Times New Roman" panose="02020603050405020304" pitchFamily="18" charset="0"/>
-                <a:cs typeface="Times New Roman" panose="02020603050405020304" pitchFamily="18" charset="0"/>
-              </a:rPr>
-              <a:t>():</a:t>
-            </a:r>
-            <a:endParaRPr lang="uk-UA" sz="2000" dirty="0">
-              <a:latin typeface="Times New Roman" panose="02020603050405020304" pitchFamily="18" charset="0"/>
-              <a:cs typeface="Times New Roman" panose="02020603050405020304" pitchFamily="18" charset="0"/>
-            </a:endParaRPr>
-          </a:p>
-        </p:txBody>
-      </p:sp>
-      <p:sp>
-        <p:nvSpPr>
-          <p:cNvPr id="8" name="TextBox 7">
-            <a:extLst>
-              <a:ext uri="{FF2B5EF4-FFF2-40B4-BE49-F238E27FC236}">
-                <a16:creationId xmlns:a16="http://schemas.microsoft.com/office/drawing/2014/main" id="{4141D373-0590-4782-AACE-8A09CF4895C9}"/>
-              </a:ext>
-            </a:extLst>
-          </p:cNvPr>
-          <p:cNvSpPr txBox="1"/>
-          <p:nvPr/>
-        </p:nvSpPr>
-        <p:spPr>
-          <a:xfrm>
-            <a:off x="4524867" y="4198983"/>
-            <a:ext cx="7423606" cy="1323439"/>
-          </a:xfrm>
-          <a:prstGeom prst="rect">
-            <a:avLst/>
-          </a:prstGeom>
-          <a:noFill/>
-        </p:spPr>
-        <p:txBody>
-          <a:bodyPr wrap="square">
-            <a:spAutoFit/>
-          </a:bodyPr>
-          <a:lstStyle/>
-          <a:p>
-            <a:r>
-              <a:rPr lang="en-US" sz="2000" b="1" i="0" dirty="0">
-                <a:solidFill>
-                  <a:srgbClr val="000080"/>
-                </a:solidFill>
-                <a:effectLst/>
-                <a:latin typeface="Menlo"/>
-              </a:rPr>
-              <a:t>public</a:t>
-            </a:r>
-            <a:r>
-              <a:rPr lang="en-US" sz="2000" b="0" i="0" dirty="0">
-                <a:solidFill>
-                  <a:srgbClr val="000000"/>
-                </a:solidFill>
-                <a:effectLst/>
-                <a:latin typeface="Menlo"/>
-              </a:rPr>
-              <a:t> </a:t>
-            </a:r>
-            <a:r>
-              <a:rPr lang="en-US" sz="2000" b="1" i="0" dirty="0">
-                <a:solidFill>
-                  <a:srgbClr val="000080"/>
-                </a:solidFill>
-                <a:effectLst/>
-                <a:latin typeface="Menlo"/>
-              </a:rPr>
-              <a:t>static</a:t>
-            </a:r>
-            <a:r>
-              <a:rPr lang="en-US" sz="2000" b="0" i="0" dirty="0">
-                <a:solidFill>
-                  <a:srgbClr val="000000"/>
-                </a:solidFill>
-                <a:effectLst/>
-                <a:latin typeface="Menlo"/>
-              </a:rPr>
-              <a:t> </a:t>
-            </a:r>
-            <a:r>
-              <a:rPr lang="en-US" sz="2000" b="1" i="0" dirty="0">
-                <a:solidFill>
-                  <a:srgbClr val="000080"/>
-                </a:solidFill>
-                <a:effectLst/>
-                <a:latin typeface="Menlo"/>
-              </a:rPr>
-              <a:t>void</a:t>
-            </a:r>
-            <a:r>
-              <a:rPr lang="en-US" sz="2000" b="0" i="0" dirty="0">
-                <a:solidFill>
-                  <a:srgbClr val="000000"/>
-                </a:solidFill>
-                <a:effectLst/>
-                <a:latin typeface="Menlo"/>
-              </a:rPr>
-              <a:t> </a:t>
-            </a:r>
-            <a:r>
-              <a:rPr lang="en-US" sz="2000" b="0" i="0" dirty="0">
-                <a:solidFill>
-                  <a:srgbClr val="900606"/>
-                </a:solidFill>
-                <a:effectLst/>
-                <a:latin typeface="Menlo"/>
-              </a:rPr>
-              <a:t>main</a:t>
-            </a:r>
-            <a:r>
-              <a:rPr lang="en-US" sz="2000" b="0" i="0" dirty="0">
-                <a:solidFill>
-                  <a:srgbClr val="000000"/>
-                </a:solidFill>
-                <a:effectLst/>
-                <a:latin typeface="Menlo"/>
-              </a:rPr>
-              <a:t>(String[] </a:t>
-            </a:r>
-            <a:r>
-              <a:rPr lang="en-US" sz="2000" b="0" i="0" dirty="0" err="1">
-                <a:solidFill>
-                  <a:srgbClr val="000000"/>
-                </a:solidFill>
-                <a:effectLst/>
-                <a:latin typeface="Menlo"/>
-              </a:rPr>
-              <a:t>args</a:t>
-            </a:r>
-            <a:r>
-              <a:rPr lang="en-US" sz="2000" b="0" i="0" dirty="0">
-                <a:solidFill>
-                  <a:srgbClr val="000000"/>
-                </a:solidFill>
-                <a:effectLst/>
-                <a:latin typeface="Menlo"/>
-              </a:rPr>
-              <a:t>) { </a:t>
-            </a:r>
-            <a:endParaRPr lang="uk-UA" sz="2000" b="0" i="0" dirty="0">
-              <a:solidFill>
-                <a:srgbClr val="000000"/>
-              </a:solidFill>
-              <a:effectLst/>
-              <a:latin typeface="Menlo"/>
-            </a:endParaRPr>
-          </a:p>
-          <a:p>
-            <a:r>
-              <a:rPr lang="uk-UA" sz="2000" b="0" i="0" dirty="0">
-                <a:solidFill>
-                  <a:srgbClr val="000000"/>
-                </a:solidFill>
-                <a:effectLst/>
-                <a:latin typeface="Menlo"/>
-              </a:rPr>
-              <a:t>	</a:t>
-            </a:r>
-            <a:r>
-              <a:rPr lang="en-US" sz="2000" b="0" i="0" dirty="0">
-                <a:solidFill>
-                  <a:srgbClr val="000000"/>
-                </a:solidFill>
-                <a:effectLst/>
-                <a:latin typeface="Menlo"/>
-              </a:rPr>
-              <a:t>String x = </a:t>
-            </a:r>
-            <a:r>
-              <a:rPr lang="en-US" sz="2000" b="0" i="0" dirty="0">
-                <a:solidFill>
-                  <a:srgbClr val="008000"/>
-                </a:solidFill>
-                <a:effectLst/>
-                <a:latin typeface="Menlo"/>
-              </a:rPr>
-              <a:t>"Test String"</a:t>
-            </a:r>
-            <a:r>
-              <a:rPr lang="en-US" sz="2000" b="0" i="0" dirty="0">
-                <a:solidFill>
-                  <a:srgbClr val="000000"/>
-                </a:solidFill>
-                <a:effectLst/>
-                <a:latin typeface="Menlo"/>
-              </a:rPr>
-              <a:t>; </a:t>
-            </a:r>
-            <a:endParaRPr lang="uk-UA" sz="2000" b="0" i="0" dirty="0">
-              <a:solidFill>
-                <a:srgbClr val="000000"/>
-              </a:solidFill>
-              <a:effectLst/>
-              <a:latin typeface="Menlo"/>
-            </a:endParaRPr>
-          </a:p>
-          <a:p>
-            <a:r>
-              <a:rPr lang="uk-UA" sz="2000" b="0" i="0" dirty="0">
-                <a:solidFill>
-                  <a:srgbClr val="000000"/>
-                </a:solidFill>
-                <a:effectLst/>
-                <a:latin typeface="Menlo"/>
-              </a:rPr>
-              <a:t>	</a:t>
-            </a:r>
-            <a:r>
-              <a:rPr lang="en-US" sz="2000" b="0" i="0" dirty="0" err="1">
-                <a:solidFill>
-                  <a:srgbClr val="000000"/>
-                </a:solidFill>
-                <a:effectLst/>
-                <a:latin typeface="Menlo"/>
-              </a:rPr>
-              <a:t>System.out.</a:t>
-            </a:r>
-            <a:r>
-              <a:rPr lang="en-US" sz="2000" b="0" i="0" dirty="0" err="1">
-                <a:solidFill>
-                  <a:srgbClr val="900606"/>
-                </a:solidFill>
-                <a:effectLst/>
-                <a:latin typeface="Menlo"/>
-              </a:rPr>
-              <a:t>println</a:t>
-            </a:r>
-            <a:r>
-              <a:rPr lang="en-US" sz="2000" b="0" i="0" dirty="0">
-                <a:solidFill>
-                  <a:srgbClr val="000000"/>
-                </a:solidFill>
-                <a:effectLst/>
-                <a:latin typeface="Menlo"/>
-              </a:rPr>
-              <a:t>(</a:t>
-            </a:r>
-            <a:r>
-              <a:rPr lang="en-US" sz="2000" b="0" i="0" dirty="0">
-                <a:solidFill>
-                  <a:srgbClr val="008000"/>
-                </a:solidFill>
-                <a:effectLst/>
-                <a:latin typeface="Menlo"/>
-              </a:rPr>
-              <a:t>"test string"</a:t>
-            </a:r>
-            <a:r>
-              <a:rPr lang="en-US" sz="2000" b="0" i="0" dirty="0">
-                <a:solidFill>
-                  <a:srgbClr val="000000"/>
-                </a:solidFill>
-                <a:effectLst/>
-                <a:latin typeface="Menlo"/>
-              </a:rPr>
-              <a:t>.</a:t>
-            </a:r>
-            <a:r>
-              <a:rPr lang="en-US" sz="2000" b="0" i="0" dirty="0" err="1">
-                <a:solidFill>
-                  <a:srgbClr val="900606"/>
-                </a:solidFill>
-                <a:effectLst/>
-                <a:latin typeface="Menlo"/>
-              </a:rPr>
-              <a:t>equalsIgnoreCase</a:t>
-            </a:r>
-            <a:r>
-              <a:rPr lang="en-US" sz="2000" b="0" i="0" dirty="0">
-                <a:solidFill>
-                  <a:srgbClr val="000000"/>
-                </a:solidFill>
-                <a:effectLst/>
-                <a:latin typeface="Menlo"/>
-              </a:rPr>
-              <a:t>(x)); </a:t>
-            </a:r>
-            <a:r>
-              <a:rPr lang="en-US" sz="2000" b="0" i="0" dirty="0">
-                <a:effectLst/>
-                <a:latin typeface="Menlo"/>
-              </a:rPr>
-              <a:t>// true</a:t>
-            </a:r>
-            <a:r>
-              <a:rPr lang="en-US" sz="2000" b="0" i="0" dirty="0">
-                <a:solidFill>
-                  <a:srgbClr val="000000"/>
-                </a:solidFill>
-                <a:effectLst/>
-                <a:latin typeface="Menlo"/>
-              </a:rPr>
-              <a:t> </a:t>
-            </a:r>
-            <a:endParaRPr lang="uk-UA" sz="2000" b="0" i="0" dirty="0">
-              <a:solidFill>
-                <a:srgbClr val="000000"/>
-              </a:solidFill>
-              <a:effectLst/>
-              <a:latin typeface="Menlo"/>
-            </a:endParaRPr>
-          </a:p>
-          <a:p>
-            <a:r>
-              <a:rPr lang="en-US" sz="2000" b="0" i="0" dirty="0">
-                <a:solidFill>
-                  <a:srgbClr val="000000"/>
-                </a:solidFill>
-                <a:effectLst/>
-                <a:latin typeface="Menlo"/>
-              </a:rPr>
-              <a:t>}</a:t>
-            </a:r>
-            <a:endParaRPr lang="uk-UA" sz="2000" dirty="0"/>
-          </a:p>
-        </p:txBody>
-      </p:sp>
-    </p:spTree>
-    <p:extLst>
-      <p:ext uri="{BB962C8B-B14F-4D97-AF65-F5344CB8AC3E}">
-        <p14:creationId xmlns:p14="http://schemas.microsoft.com/office/powerpoint/2010/main" val="3345209452"/>
-      </p:ext>
-    </p:extLst>
-  </p:cSld>
-  <p:clrMapOvr>
-    <a:masterClrMapping/>
-  </p:clrMapOvr>
-</p:sld>
-</file>
-
-<file path=ppt/slides/slide11.xml><?xml version="1.0" encoding="utf-8"?>
-<p:sld xmlns:a="http://schemas.openxmlformats.org/drawingml/2006/main" xmlns:r="http://schemas.openxmlformats.org/officeDocument/2006/relationships" xmlns:p="http://schemas.openxmlformats.org/presentationml/2006/main">
-  <p:cSld>
-    <p:spTree>
-      <p:nvGrpSpPr>
-        <p:cNvPr id="1" name=""/>
-        <p:cNvGrpSpPr/>
-        <p:nvPr/>
-      </p:nvGrpSpPr>
-      <p:grpSpPr>
-        <a:xfrm>
-          <a:off x="0" y="0"/>
-          <a:ext cx="0" cy="0"/>
-          <a:chOff x="0" y="0"/>
-          <a:chExt cx="0" cy="0"/>
-        </a:xfrm>
-      </p:grpSpPr>
-      <p:sp>
-        <p:nvSpPr>
-          <p:cNvPr id="3" name="TextBox 2">
-            <a:extLst>
-              <a:ext uri="{FF2B5EF4-FFF2-40B4-BE49-F238E27FC236}">
-                <a16:creationId xmlns:a16="http://schemas.microsoft.com/office/drawing/2014/main" id="{3EAA7D44-2E15-467B-B925-1B027419BAF8}"/>
-              </a:ext>
-            </a:extLst>
-          </p:cNvPr>
-          <p:cNvSpPr txBox="1"/>
-          <p:nvPr/>
-        </p:nvSpPr>
-        <p:spPr>
-          <a:xfrm>
-            <a:off x="0" y="145272"/>
-            <a:ext cx="12192000" cy="707886"/>
-          </a:xfrm>
-          <a:prstGeom prst="rect">
-            <a:avLst/>
-          </a:prstGeom>
-          <a:noFill/>
-        </p:spPr>
-        <p:txBody>
-          <a:bodyPr wrap="square">
-            <a:spAutoFit/>
-          </a:bodyPr>
-          <a:lstStyle/>
-          <a:p>
-            <a:pPr algn="ctr"/>
-            <a:r>
-              <a:rPr lang="uk-UA" sz="4000" dirty="0">
-                <a:latin typeface="Times New Roman" panose="02020603050405020304" pitchFamily="18" charset="0"/>
-                <a:cs typeface="Times New Roman" panose="02020603050405020304" pitchFamily="18" charset="0"/>
-              </a:rPr>
-              <a:t>Клас </a:t>
-            </a:r>
-            <a:r>
-              <a:rPr lang="en-US" sz="4000" dirty="0">
-                <a:latin typeface="Times New Roman" panose="02020603050405020304" pitchFamily="18" charset="0"/>
-                <a:cs typeface="Times New Roman" panose="02020603050405020304" pitchFamily="18" charset="0"/>
-              </a:rPr>
-              <a:t>String</a:t>
-            </a:r>
-            <a:r>
-              <a:rPr lang="ru-RU" sz="4000" dirty="0">
-                <a:latin typeface="Times New Roman" panose="02020603050405020304" pitchFamily="18" charset="0"/>
-                <a:cs typeface="Times New Roman" panose="02020603050405020304" pitchFamily="18" charset="0"/>
-              </a:rPr>
-              <a:t>. </a:t>
-            </a:r>
-            <a:r>
-              <a:rPr lang="ru-RU" sz="4000" dirty="0" err="1">
-                <a:latin typeface="Times New Roman" panose="02020603050405020304" pitchFamily="18" charset="0"/>
-                <a:cs typeface="Times New Roman" panose="02020603050405020304" pitchFamily="18" charset="0"/>
-              </a:rPr>
-              <a:t>Переведення</a:t>
-            </a:r>
-            <a:r>
-              <a:rPr lang="ru-RU" sz="4000" dirty="0">
-                <a:latin typeface="Times New Roman" panose="02020603050405020304" pitchFamily="18" charset="0"/>
-                <a:cs typeface="Times New Roman" panose="02020603050405020304" pitchFamily="18" charset="0"/>
-              </a:rPr>
-              <a:t> </a:t>
-            </a:r>
-            <a:r>
-              <a:rPr lang="ru-RU" sz="4000" dirty="0" err="1">
-                <a:latin typeface="Times New Roman" panose="02020603050405020304" pitchFamily="18" charset="0"/>
-                <a:cs typeface="Times New Roman" panose="02020603050405020304" pitchFamily="18" charset="0"/>
-              </a:rPr>
-              <a:t>об'єкта</a:t>
-            </a:r>
-            <a:r>
-              <a:rPr lang="ru-RU" sz="4000" dirty="0">
-                <a:latin typeface="Times New Roman" panose="02020603050405020304" pitchFamily="18" charset="0"/>
-                <a:cs typeface="Times New Roman" panose="02020603050405020304" pitchFamily="18" charset="0"/>
-              </a:rPr>
-              <a:t>/</a:t>
-            </a:r>
-            <a:r>
-              <a:rPr lang="ru-RU" sz="4000" dirty="0" err="1">
-                <a:latin typeface="Times New Roman" panose="02020603050405020304" pitchFamily="18" charset="0"/>
-                <a:cs typeface="Times New Roman" panose="02020603050405020304" pitchFamily="18" charset="0"/>
-              </a:rPr>
-              <a:t>примітиву</a:t>
-            </a:r>
-            <a:r>
-              <a:rPr lang="ru-RU" sz="4000" dirty="0">
-                <a:latin typeface="Times New Roman" panose="02020603050405020304" pitchFamily="18" charset="0"/>
-                <a:cs typeface="Times New Roman" panose="02020603050405020304" pitchFamily="18" charset="0"/>
-              </a:rPr>
-              <a:t> до рядка</a:t>
-            </a:r>
-            <a:endParaRPr lang="uk-UA" sz="4000" dirty="0">
-              <a:latin typeface="Times New Roman" panose="02020603050405020304" pitchFamily="18" charset="0"/>
-              <a:cs typeface="Times New Roman" panose="02020603050405020304" pitchFamily="18" charset="0"/>
-            </a:endParaRPr>
-          </a:p>
-        </p:txBody>
-      </p:sp>
-      <p:sp>
-        <p:nvSpPr>
-          <p:cNvPr id="9" name="TextBox 8">
-            <a:extLst>
-              <a:ext uri="{FF2B5EF4-FFF2-40B4-BE49-F238E27FC236}">
-                <a16:creationId xmlns:a16="http://schemas.microsoft.com/office/drawing/2014/main" id="{7EB124C7-32DB-4AC3-87C1-BEB5DFD2DC89}"/>
-              </a:ext>
-            </a:extLst>
-          </p:cNvPr>
-          <p:cNvSpPr txBox="1"/>
-          <p:nvPr/>
-        </p:nvSpPr>
-        <p:spPr>
-          <a:xfrm>
-            <a:off x="350363" y="6004842"/>
-            <a:ext cx="11491273" cy="707886"/>
-          </a:xfrm>
-          <a:prstGeom prst="rect">
-            <a:avLst/>
-          </a:prstGeom>
-          <a:noFill/>
-        </p:spPr>
-        <p:txBody>
-          <a:bodyPr wrap="square" rtlCol="0">
-            <a:spAutoFit/>
-          </a:bodyPr>
-          <a:lstStyle/>
-          <a:p>
-            <a:r>
-              <a:rPr lang="ru-RU" sz="2000" dirty="0"/>
-              <a:t>Для перекладу </a:t>
-            </a:r>
-            <a:r>
-              <a:rPr lang="ru-RU" sz="2000" dirty="0" err="1"/>
-              <a:t>екземпляра</a:t>
-            </a:r>
-            <a:r>
-              <a:rPr lang="ru-RU" sz="2000" dirty="0"/>
-              <a:t> будь-</a:t>
-            </a:r>
-            <a:r>
-              <a:rPr lang="ru-RU" sz="2000" dirty="0" err="1"/>
-              <a:t>якого</a:t>
-            </a:r>
-            <a:r>
-              <a:rPr lang="ru-RU" sz="2000" dirty="0"/>
-              <a:t> Java-</a:t>
-            </a:r>
-            <a:r>
-              <a:rPr lang="ru-RU" sz="2000" dirty="0" err="1"/>
-              <a:t>класу</a:t>
-            </a:r>
-            <a:r>
-              <a:rPr lang="ru-RU" sz="2000" dirty="0"/>
-              <a:t> </a:t>
-            </a:r>
-            <a:r>
-              <a:rPr lang="ru-RU" sz="2000" dirty="0" err="1"/>
-              <a:t>або</a:t>
-            </a:r>
-            <a:r>
-              <a:rPr lang="ru-RU" sz="2000" dirty="0"/>
-              <a:t> будь-</a:t>
-            </a:r>
-            <a:r>
-              <a:rPr lang="ru-RU" sz="2000" dirty="0" err="1"/>
-              <a:t>якого</a:t>
-            </a:r>
-            <a:r>
-              <a:rPr lang="ru-RU" sz="2000" dirty="0"/>
-              <a:t> </a:t>
-            </a:r>
-            <a:r>
-              <a:rPr lang="ru-RU" sz="2000" dirty="0" err="1"/>
-              <a:t>примітивного</a:t>
-            </a:r>
-            <a:r>
-              <a:rPr lang="ru-RU" sz="2000" dirty="0"/>
-              <a:t> типу </a:t>
-            </a:r>
-            <a:r>
-              <a:rPr lang="ru-RU" sz="2000" dirty="0" err="1"/>
-              <a:t>даних</a:t>
-            </a:r>
-            <a:r>
-              <a:rPr lang="ru-RU" sz="2000" dirty="0"/>
-              <a:t> до рядкового </a:t>
-            </a:r>
-            <a:r>
-              <a:rPr lang="ru-RU" sz="2000" dirty="0" err="1"/>
-              <a:t>подання</a:t>
-            </a:r>
-            <a:r>
-              <a:rPr lang="ru-RU" sz="2000" dirty="0"/>
-              <a:t> </a:t>
-            </a:r>
-            <a:r>
-              <a:rPr lang="ru-RU" sz="2000" dirty="0" err="1"/>
-              <a:t>можна</a:t>
-            </a:r>
-            <a:r>
-              <a:rPr lang="ru-RU" sz="2000" dirty="0"/>
-              <a:t> </a:t>
-            </a:r>
-            <a:r>
-              <a:rPr lang="ru-RU" sz="2000" dirty="0" err="1"/>
-              <a:t>використовувати</a:t>
-            </a:r>
-            <a:r>
-              <a:rPr lang="ru-RU" sz="2000" dirty="0"/>
-              <a:t> метод </a:t>
-            </a:r>
-            <a:r>
-              <a:rPr lang="ru-RU" sz="2000" dirty="0" err="1"/>
-              <a:t>String.valueOf</a:t>
-            </a:r>
-            <a:r>
-              <a:rPr lang="ru-RU" sz="2000" dirty="0"/>
-              <a:t>():</a:t>
-            </a:r>
-            <a:endParaRPr lang="uk-UA" sz="2000" dirty="0"/>
-          </a:p>
-        </p:txBody>
-      </p:sp>
-      <p:sp>
-        <p:nvSpPr>
-          <p:cNvPr id="10" name="TextBox 9">
-            <a:extLst>
-              <a:ext uri="{FF2B5EF4-FFF2-40B4-BE49-F238E27FC236}">
-                <a16:creationId xmlns:a16="http://schemas.microsoft.com/office/drawing/2014/main" id="{F78BA279-79B2-4F99-8C5A-5FED510073B5}"/>
-              </a:ext>
-            </a:extLst>
-          </p:cNvPr>
-          <p:cNvSpPr txBox="1"/>
-          <p:nvPr/>
-        </p:nvSpPr>
-        <p:spPr>
-          <a:xfrm>
-            <a:off x="7298819" y="950001"/>
-            <a:ext cx="4542817" cy="2554545"/>
-          </a:xfrm>
-          <a:prstGeom prst="rect">
-            <a:avLst/>
-          </a:prstGeom>
-          <a:noFill/>
-        </p:spPr>
-        <p:txBody>
-          <a:bodyPr wrap="square" rtlCol="0">
-            <a:spAutoFit/>
-          </a:bodyPr>
-          <a:lstStyle/>
-          <a:p>
-            <a:r>
-              <a:rPr lang="en-US" sz="2000" b="1" i="0" dirty="0">
-                <a:solidFill>
-                  <a:srgbClr val="000080"/>
-                </a:solidFill>
-                <a:effectLst/>
-                <a:latin typeface="Menlo"/>
-              </a:rPr>
-              <a:t>static</a:t>
-            </a:r>
-            <a:r>
-              <a:rPr lang="en-US" sz="2000" b="0" i="0" dirty="0">
-                <a:solidFill>
-                  <a:srgbClr val="000000"/>
-                </a:solidFill>
-                <a:effectLst/>
-                <a:latin typeface="Menlo"/>
-              </a:rPr>
-              <a:t> </a:t>
-            </a:r>
-            <a:r>
-              <a:rPr lang="en-US" sz="2000" b="1" i="0" dirty="0">
-                <a:solidFill>
-                  <a:srgbClr val="000080"/>
-                </a:solidFill>
-                <a:effectLst/>
-                <a:latin typeface="Menlo"/>
-              </a:rPr>
-              <a:t>class</a:t>
-            </a:r>
-            <a:r>
-              <a:rPr lang="en-US" sz="2000" b="0" i="0" dirty="0">
-                <a:solidFill>
-                  <a:srgbClr val="000000"/>
-                </a:solidFill>
-                <a:effectLst/>
-                <a:latin typeface="Menlo"/>
-              </a:rPr>
-              <a:t> Human { </a:t>
-            </a:r>
-            <a:endParaRPr lang="uk-UA" sz="2000" b="0" i="0" dirty="0">
-              <a:solidFill>
-                <a:srgbClr val="000000"/>
-              </a:solidFill>
-              <a:effectLst/>
-              <a:latin typeface="Menlo"/>
-            </a:endParaRPr>
-          </a:p>
-          <a:p>
-            <a:r>
-              <a:rPr lang="en-US" sz="2000" b="1" i="0" dirty="0">
-                <a:solidFill>
-                  <a:srgbClr val="000080"/>
-                </a:solidFill>
-                <a:effectLst/>
-                <a:latin typeface="Menlo"/>
-              </a:rPr>
-              <a:t>private</a:t>
-            </a:r>
-            <a:r>
-              <a:rPr lang="en-US" sz="2000" b="0" i="0" dirty="0">
-                <a:solidFill>
-                  <a:srgbClr val="000000"/>
-                </a:solidFill>
-                <a:effectLst/>
-                <a:latin typeface="Menlo"/>
-              </a:rPr>
-              <a:t> String name; </a:t>
-            </a:r>
-            <a:endParaRPr lang="uk-UA" sz="2000" b="0" i="0" dirty="0">
-              <a:solidFill>
-                <a:srgbClr val="000000"/>
-              </a:solidFill>
-              <a:effectLst/>
-              <a:latin typeface="Menlo"/>
-            </a:endParaRPr>
-          </a:p>
-          <a:p>
-            <a:r>
-              <a:rPr lang="en-US" sz="2000" b="1" i="0" dirty="0">
-                <a:solidFill>
-                  <a:srgbClr val="000080"/>
-                </a:solidFill>
-                <a:effectLst/>
-                <a:latin typeface="Menlo"/>
-              </a:rPr>
-              <a:t>public</a:t>
-            </a:r>
-            <a:r>
-              <a:rPr lang="en-US" sz="2000" b="0" i="0" dirty="0">
-                <a:solidFill>
-                  <a:srgbClr val="000000"/>
-                </a:solidFill>
-                <a:effectLst/>
-                <a:latin typeface="Menlo"/>
-              </a:rPr>
-              <a:t> Human(String name) {</a:t>
-            </a:r>
-            <a:endParaRPr lang="uk-UA" sz="2000" b="0" i="0" dirty="0">
-              <a:solidFill>
-                <a:srgbClr val="000000"/>
-              </a:solidFill>
-              <a:effectLst/>
-              <a:latin typeface="Menlo"/>
-            </a:endParaRPr>
-          </a:p>
-          <a:p>
-            <a:r>
-              <a:rPr lang="en-US" sz="2000" b="0" i="0" dirty="0">
-                <a:solidFill>
-                  <a:srgbClr val="000000"/>
-                </a:solidFill>
-                <a:effectLst/>
-                <a:latin typeface="Menlo"/>
-              </a:rPr>
-              <a:t> </a:t>
-            </a:r>
-            <a:r>
-              <a:rPr lang="en-US" sz="2000" b="1" i="0" dirty="0">
-                <a:solidFill>
-                  <a:srgbClr val="000080"/>
-                </a:solidFill>
-                <a:effectLst/>
-                <a:latin typeface="Menlo"/>
-              </a:rPr>
-              <a:t>this</a:t>
-            </a:r>
-            <a:r>
-              <a:rPr lang="en-US" sz="2000" b="0" i="0" dirty="0">
-                <a:solidFill>
-                  <a:srgbClr val="000000"/>
-                </a:solidFill>
-                <a:effectLst/>
-                <a:latin typeface="Menlo"/>
-              </a:rPr>
-              <a:t>.name = name; } </a:t>
-            </a:r>
-            <a:endParaRPr lang="uk-UA" sz="2000" b="0" i="0" dirty="0">
-              <a:solidFill>
-                <a:srgbClr val="000000"/>
-              </a:solidFill>
-              <a:effectLst/>
-              <a:latin typeface="Menlo"/>
-            </a:endParaRPr>
-          </a:p>
-          <a:p>
-            <a:r>
-              <a:rPr lang="en-US" sz="2000" b="0" i="0" dirty="0">
-                <a:solidFill>
-                  <a:srgbClr val="808000"/>
-                </a:solidFill>
-                <a:effectLst/>
-                <a:latin typeface="Menlo"/>
-              </a:rPr>
-              <a:t>@Override</a:t>
-            </a:r>
-            <a:r>
-              <a:rPr lang="en-US" sz="2000" b="0" i="0" dirty="0">
-                <a:solidFill>
-                  <a:srgbClr val="000000"/>
-                </a:solidFill>
-                <a:effectLst/>
-                <a:latin typeface="Menlo"/>
-              </a:rPr>
-              <a:t> </a:t>
-            </a:r>
-            <a:r>
-              <a:rPr lang="en-US" sz="2000" b="1" i="0" dirty="0">
-                <a:solidFill>
-                  <a:srgbClr val="000080"/>
-                </a:solidFill>
-                <a:effectLst/>
-                <a:latin typeface="Menlo"/>
-              </a:rPr>
-              <a:t>public</a:t>
-            </a:r>
-            <a:r>
-              <a:rPr lang="en-US" sz="2000" b="0" i="0" dirty="0">
-                <a:solidFill>
-                  <a:srgbClr val="000000"/>
-                </a:solidFill>
-                <a:effectLst/>
-                <a:latin typeface="Menlo"/>
-              </a:rPr>
-              <a:t> String </a:t>
-            </a:r>
-            <a:r>
-              <a:rPr lang="en-US" sz="2000" b="0" i="0" dirty="0" err="1">
-                <a:solidFill>
-                  <a:srgbClr val="900606"/>
-                </a:solidFill>
-                <a:effectLst/>
-                <a:latin typeface="Menlo"/>
-              </a:rPr>
-              <a:t>toString</a:t>
-            </a:r>
-            <a:r>
-              <a:rPr lang="en-US" sz="2000" b="0" i="0" dirty="0">
-                <a:solidFill>
-                  <a:srgbClr val="000000"/>
-                </a:solidFill>
-                <a:effectLst/>
-                <a:latin typeface="Menlo"/>
-              </a:rPr>
-              <a:t>() </a:t>
-            </a:r>
-            <a:endParaRPr lang="uk-UA" sz="2000" b="0" i="0" dirty="0">
-              <a:solidFill>
-                <a:srgbClr val="000000"/>
-              </a:solidFill>
-              <a:effectLst/>
-              <a:latin typeface="Menlo"/>
-            </a:endParaRPr>
-          </a:p>
-          <a:p>
-            <a:r>
-              <a:rPr lang="en-US" sz="2000" b="0" i="0" dirty="0">
-                <a:solidFill>
-                  <a:srgbClr val="000000"/>
-                </a:solidFill>
-                <a:effectLst/>
-                <a:latin typeface="Menlo"/>
-              </a:rPr>
-              <a:t>{ </a:t>
-            </a:r>
-            <a:r>
-              <a:rPr lang="en-US" sz="2000" b="1" i="0" dirty="0">
-                <a:solidFill>
-                  <a:srgbClr val="000080"/>
-                </a:solidFill>
-                <a:effectLst/>
-                <a:latin typeface="Menlo"/>
-              </a:rPr>
-              <a:t>return</a:t>
-            </a:r>
-            <a:r>
-              <a:rPr lang="en-US" sz="2000" b="0" i="0" dirty="0">
-                <a:solidFill>
-                  <a:srgbClr val="000000"/>
-                </a:solidFill>
-                <a:effectLst/>
-                <a:latin typeface="Menlo"/>
-              </a:rPr>
-              <a:t> </a:t>
-            </a:r>
-            <a:r>
-              <a:rPr lang="en-US" sz="2000" b="0" i="0" dirty="0">
-                <a:solidFill>
-                  <a:srgbClr val="008000"/>
-                </a:solidFill>
-                <a:effectLst/>
-                <a:latin typeface="Menlo"/>
-              </a:rPr>
-              <a:t>"</a:t>
-            </a:r>
-            <a:r>
-              <a:rPr lang="uk-UA" sz="2000" b="0" i="0" dirty="0" err="1">
-                <a:solidFill>
-                  <a:srgbClr val="008000"/>
-                </a:solidFill>
-                <a:effectLst/>
-                <a:latin typeface="Menlo"/>
-              </a:rPr>
-              <a:t>Человек</a:t>
-            </a:r>
-            <a:r>
-              <a:rPr lang="uk-UA" sz="2000" b="0" i="0" dirty="0">
-                <a:solidFill>
-                  <a:srgbClr val="008000"/>
-                </a:solidFill>
-                <a:effectLst/>
-                <a:latin typeface="Menlo"/>
-              </a:rPr>
-              <a:t> с </a:t>
-            </a:r>
-            <a:r>
-              <a:rPr lang="uk-UA" sz="2000" b="0" i="0" dirty="0" err="1">
-                <a:solidFill>
-                  <a:srgbClr val="008000"/>
-                </a:solidFill>
-                <a:effectLst/>
-                <a:latin typeface="Menlo"/>
-              </a:rPr>
-              <a:t>именем</a:t>
-            </a:r>
-            <a:r>
-              <a:rPr lang="uk-UA" sz="2000" b="0" i="0" dirty="0">
-                <a:solidFill>
-                  <a:srgbClr val="008000"/>
-                </a:solidFill>
-                <a:effectLst/>
-                <a:latin typeface="Menlo"/>
-              </a:rPr>
-              <a:t> "</a:t>
-            </a:r>
-            <a:r>
-              <a:rPr lang="uk-UA" sz="2000" b="0" i="0" dirty="0">
-                <a:solidFill>
-                  <a:srgbClr val="000000"/>
-                </a:solidFill>
-                <a:effectLst/>
-                <a:latin typeface="Menlo"/>
-              </a:rPr>
-              <a:t> + </a:t>
-            </a:r>
-            <a:r>
-              <a:rPr lang="en-US" sz="2000" b="0" i="0" dirty="0">
-                <a:solidFill>
-                  <a:srgbClr val="000000"/>
-                </a:solidFill>
-                <a:effectLst/>
-                <a:latin typeface="Menlo"/>
-              </a:rPr>
-              <a:t>name; } </a:t>
-            </a:r>
-            <a:endParaRPr lang="uk-UA" sz="2000" b="0" i="0" dirty="0">
-              <a:solidFill>
-                <a:srgbClr val="000000"/>
-              </a:solidFill>
-              <a:effectLst/>
-              <a:latin typeface="Menlo"/>
-            </a:endParaRPr>
-          </a:p>
-          <a:p>
-            <a:r>
-              <a:rPr lang="en-US" sz="2000" b="0" i="0" dirty="0">
-                <a:solidFill>
-                  <a:srgbClr val="000000"/>
-                </a:solidFill>
-                <a:effectLst/>
-                <a:latin typeface="Menlo"/>
-              </a:rPr>
-              <a:t>} </a:t>
-            </a:r>
-            <a:endParaRPr lang="uk-UA" sz="2000" b="0" i="0" dirty="0">
-              <a:solidFill>
-                <a:srgbClr val="000000"/>
-              </a:solidFill>
-              <a:effectLst/>
-              <a:latin typeface="Menlo"/>
-            </a:endParaRPr>
-          </a:p>
-          <a:p>
-            <a:endParaRPr lang="uk-UA" sz="2000" dirty="0"/>
-          </a:p>
-        </p:txBody>
-      </p:sp>
-      <p:sp>
-        <p:nvSpPr>
-          <p:cNvPr id="11" name="TextBox 10">
-            <a:extLst>
-              <a:ext uri="{FF2B5EF4-FFF2-40B4-BE49-F238E27FC236}">
-                <a16:creationId xmlns:a16="http://schemas.microsoft.com/office/drawing/2014/main" id="{82A7ACD2-A0DE-4015-A572-CCE24B1EA262}"/>
-              </a:ext>
-            </a:extLst>
-          </p:cNvPr>
-          <p:cNvSpPr txBox="1"/>
-          <p:nvPr/>
-        </p:nvSpPr>
-        <p:spPr>
-          <a:xfrm>
-            <a:off x="350363" y="950001"/>
-            <a:ext cx="4458878" cy="5632311"/>
-          </a:xfrm>
-          <a:prstGeom prst="rect">
-            <a:avLst/>
-          </a:prstGeom>
-          <a:noFill/>
-        </p:spPr>
-        <p:txBody>
-          <a:bodyPr wrap="square" rtlCol="0">
-            <a:spAutoFit/>
-          </a:bodyPr>
-          <a:lstStyle/>
-          <a:p>
-            <a:r>
-              <a:rPr lang="en-US" b="1" i="0" dirty="0">
-                <a:solidFill>
-                  <a:srgbClr val="000080"/>
-                </a:solidFill>
-                <a:effectLst/>
-                <a:latin typeface="Menlo"/>
-              </a:rPr>
-              <a:t>public</a:t>
-            </a:r>
-            <a:r>
-              <a:rPr lang="en-US" b="0" i="0" dirty="0">
-                <a:solidFill>
-                  <a:srgbClr val="000000"/>
-                </a:solidFill>
-                <a:effectLst/>
-                <a:latin typeface="Menlo"/>
-              </a:rPr>
-              <a:t> </a:t>
-            </a:r>
-            <a:r>
-              <a:rPr lang="en-US" b="1" i="0" dirty="0">
-                <a:solidFill>
-                  <a:srgbClr val="000080"/>
-                </a:solidFill>
-                <a:effectLst/>
-                <a:latin typeface="Menlo"/>
-              </a:rPr>
-              <a:t>class</a:t>
-            </a:r>
-            <a:r>
-              <a:rPr lang="en-US" b="0" i="0" dirty="0">
-                <a:solidFill>
-                  <a:srgbClr val="000000"/>
-                </a:solidFill>
-                <a:effectLst/>
-                <a:latin typeface="Menlo"/>
-              </a:rPr>
-              <a:t> </a:t>
-            </a:r>
-            <a:r>
-              <a:rPr lang="en-US" b="0" i="0" dirty="0" err="1">
-                <a:solidFill>
-                  <a:srgbClr val="000000"/>
-                </a:solidFill>
-                <a:effectLst/>
-                <a:latin typeface="Menlo"/>
-              </a:rPr>
-              <a:t>StringExamples</a:t>
-            </a:r>
-            <a:r>
-              <a:rPr lang="en-US" b="0" i="0" dirty="0">
-                <a:solidFill>
-                  <a:srgbClr val="000000"/>
-                </a:solidFill>
-                <a:effectLst/>
-                <a:latin typeface="Menlo"/>
-              </a:rPr>
-              <a:t> { </a:t>
-            </a:r>
-            <a:endParaRPr lang="uk-UA" b="0" i="0" dirty="0">
-              <a:solidFill>
-                <a:srgbClr val="000000"/>
-              </a:solidFill>
-              <a:effectLst/>
-              <a:latin typeface="Menlo"/>
-            </a:endParaRPr>
-          </a:p>
-          <a:p>
-            <a:r>
-              <a:rPr lang="en-US" b="1" i="0" dirty="0">
-                <a:solidFill>
-                  <a:srgbClr val="000080"/>
-                </a:solidFill>
-                <a:effectLst/>
-                <a:latin typeface="Menlo"/>
-              </a:rPr>
-              <a:t>public</a:t>
-            </a:r>
-            <a:r>
-              <a:rPr lang="en-US" b="0" i="0" dirty="0">
-                <a:solidFill>
-                  <a:srgbClr val="000000"/>
-                </a:solidFill>
-                <a:effectLst/>
-                <a:latin typeface="Menlo"/>
-              </a:rPr>
-              <a:t> </a:t>
-            </a:r>
-            <a:r>
-              <a:rPr lang="en-US" b="1" i="0" dirty="0">
-                <a:solidFill>
-                  <a:srgbClr val="000080"/>
-                </a:solidFill>
-                <a:effectLst/>
-                <a:latin typeface="Menlo"/>
-              </a:rPr>
-              <a:t>static</a:t>
-            </a:r>
-            <a:r>
-              <a:rPr lang="en-US" b="0" i="0" dirty="0">
-                <a:solidFill>
-                  <a:srgbClr val="000000"/>
-                </a:solidFill>
-                <a:effectLst/>
-                <a:latin typeface="Menlo"/>
-              </a:rPr>
-              <a:t> </a:t>
-            </a:r>
-            <a:r>
-              <a:rPr lang="en-US" b="1" i="0" dirty="0">
-                <a:solidFill>
-                  <a:srgbClr val="000080"/>
-                </a:solidFill>
-                <a:effectLst/>
-                <a:latin typeface="Menlo"/>
-              </a:rPr>
-              <a:t>void</a:t>
-            </a:r>
-            <a:r>
-              <a:rPr lang="en-US" b="0" i="0" dirty="0">
-                <a:solidFill>
-                  <a:srgbClr val="000000"/>
-                </a:solidFill>
-                <a:effectLst/>
-                <a:latin typeface="Menlo"/>
-              </a:rPr>
-              <a:t> </a:t>
-            </a:r>
-            <a:r>
-              <a:rPr lang="en-US" b="0" i="0" dirty="0">
-                <a:solidFill>
-                  <a:srgbClr val="900606"/>
-                </a:solidFill>
-                <a:effectLst/>
-                <a:latin typeface="Menlo"/>
-              </a:rPr>
-              <a:t>main</a:t>
-            </a:r>
-            <a:r>
-              <a:rPr lang="en-US" b="0" i="0" dirty="0">
-                <a:solidFill>
-                  <a:srgbClr val="000000"/>
-                </a:solidFill>
-                <a:effectLst/>
-                <a:latin typeface="Menlo"/>
-              </a:rPr>
-              <a:t>(String[] </a:t>
-            </a:r>
-            <a:r>
-              <a:rPr lang="en-US" b="0" i="0" dirty="0" err="1">
-                <a:solidFill>
-                  <a:srgbClr val="000000"/>
-                </a:solidFill>
-                <a:effectLst/>
-                <a:latin typeface="Menlo"/>
-              </a:rPr>
-              <a:t>args</a:t>
-            </a:r>
-            <a:r>
-              <a:rPr lang="en-US" b="0" i="0" dirty="0">
-                <a:solidFill>
-                  <a:srgbClr val="000000"/>
-                </a:solidFill>
-                <a:effectLst/>
-                <a:latin typeface="Menlo"/>
-              </a:rPr>
-              <a:t>) { </a:t>
-            </a:r>
-            <a:endParaRPr lang="uk-UA" b="0" i="0" dirty="0">
-              <a:solidFill>
-                <a:srgbClr val="000000"/>
-              </a:solidFill>
-              <a:effectLst/>
-              <a:latin typeface="Menlo"/>
-            </a:endParaRPr>
-          </a:p>
-          <a:p>
-            <a:r>
-              <a:rPr lang="en-US" b="0" i="0" dirty="0">
-                <a:solidFill>
-                  <a:srgbClr val="000000"/>
-                </a:solidFill>
-                <a:effectLst/>
-                <a:latin typeface="Menlo"/>
-              </a:rPr>
-              <a:t>String a = </a:t>
-            </a:r>
-            <a:r>
-              <a:rPr lang="en-US" b="0" i="0" dirty="0" err="1">
-                <a:solidFill>
-                  <a:srgbClr val="000000"/>
-                </a:solidFill>
-                <a:effectLst/>
-                <a:latin typeface="Menlo"/>
-              </a:rPr>
-              <a:t>String.</a:t>
-            </a:r>
-            <a:r>
-              <a:rPr lang="en-US" b="0" i="0" dirty="0" err="1">
-                <a:solidFill>
-                  <a:srgbClr val="900606"/>
-                </a:solidFill>
-                <a:effectLst/>
-                <a:latin typeface="Menlo"/>
-              </a:rPr>
-              <a:t>valueOf</a:t>
-            </a:r>
-            <a:r>
-              <a:rPr lang="en-US" b="0" i="0" dirty="0">
-                <a:solidFill>
-                  <a:srgbClr val="000000"/>
-                </a:solidFill>
-                <a:effectLst/>
-                <a:latin typeface="Menlo"/>
-              </a:rPr>
-              <a:t>(</a:t>
-            </a:r>
-            <a:r>
-              <a:rPr lang="en-US" b="0" i="0" dirty="0">
-                <a:solidFill>
-                  <a:srgbClr val="082C8B"/>
-                </a:solidFill>
-                <a:effectLst/>
-                <a:latin typeface="Menlo"/>
-              </a:rPr>
-              <a:t>1</a:t>
-            </a:r>
-            <a:r>
-              <a:rPr lang="en-US" b="0" i="0" dirty="0">
-                <a:solidFill>
-                  <a:srgbClr val="000000"/>
-                </a:solidFill>
-                <a:effectLst/>
-                <a:latin typeface="Menlo"/>
-              </a:rPr>
-              <a:t>); </a:t>
-            </a:r>
-            <a:endParaRPr lang="uk-UA" b="0" i="0" dirty="0">
-              <a:solidFill>
-                <a:srgbClr val="000000"/>
-              </a:solidFill>
-              <a:effectLst/>
-              <a:latin typeface="Menlo"/>
-            </a:endParaRPr>
-          </a:p>
-          <a:p>
-            <a:r>
-              <a:rPr lang="en-US" b="0" i="0" dirty="0">
-                <a:solidFill>
-                  <a:srgbClr val="000000"/>
-                </a:solidFill>
-                <a:effectLst/>
-                <a:latin typeface="Menlo"/>
-              </a:rPr>
-              <a:t>String b = </a:t>
-            </a:r>
-            <a:r>
-              <a:rPr lang="en-US" b="0" i="0" dirty="0" err="1">
-                <a:solidFill>
-                  <a:srgbClr val="000000"/>
-                </a:solidFill>
-                <a:effectLst/>
-                <a:latin typeface="Menlo"/>
-              </a:rPr>
-              <a:t>String.</a:t>
-            </a:r>
-            <a:r>
-              <a:rPr lang="en-US" b="0" i="0" dirty="0" err="1">
-                <a:solidFill>
-                  <a:srgbClr val="900606"/>
-                </a:solidFill>
-                <a:effectLst/>
-                <a:latin typeface="Menlo"/>
-              </a:rPr>
-              <a:t>valueOf</a:t>
-            </a:r>
-            <a:r>
-              <a:rPr lang="en-US" b="0" i="0" dirty="0">
-                <a:solidFill>
-                  <a:srgbClr val="000000"/>
-                </a:solidFill>
-                <a:effectLst/>
-                <a:latin typeface="Menlo"/>
-              </a:rPr>
-              <a:t>(</a:t>
-            </a:r>
-            <a:r>
-              <a:rPr lang="en-US" b="0" i="0" dirty="0">
-                <a:solidFill>
-                  <a:srgbClr val="082C8B"/>
-                </a:solidFill>
-                <a:effectLst/>
-                <a:latin typeface="Menlo"/>
-              </a:rPr>
-              <a:t>12.0D</a:t>
-            </a:r>
-            <a:r>
-              <a:rPr lang="en-US" b="0" i="0" dirty="0">
-                <a:solidFill>
-                  <a:srgbClr val="000000"/>
-                </a:solidFill>
-                <a:effectLst/>
-                <a:latin typeface="Menlo"/>
-              </a:rPr>
-              <a:t>); </a:t>
-            </a:r>
-            <a:endParaRPr lang="uk-UA" b="0" i="0" dirty="0">
-              <a:solidFill>
-                <a:srgbClr val="000000"/>
-              </a:solidFill>
-              <a:effectLst/>
-              <a:latin typeface="Menlo"/>
-            </a:endParaRPr>
-          </a:p>
-          <a:p>
-            <a:r>
-              <a:rPr lang="en-US" b="0" i="0" dirty="0">
-                <a:solidFill>
-                  <a:srgbClr val="000000"/>
-                </a:solidFill>
-                <a:effectLst/>
-                <a:latin typeface="Menlo"/>
-              </a:rPr>
-              <a:t>String c = </a:t>
-            </a:r>
-            <a:r>
-              <a:rPr lang="en-US" b="0" i="0" dirty="0" err="1">
-                <a:solidFill>
-                  <a:srgbClr val="000000"/>
-                </a:solidFill>
-                <a:effectLst/>
-                <a:latin typeface="Menlo"/>
-              </a:rPr>
-              <a:t>String.</a:t>
-            </a:r>
-            <a:r>
-              <a:rPr lang="en-US" b="0" i="0" dirty="0" err="1">
-                <a:solidFill>
-                  <a:srgbClr val="900606"/>
-                </a:solidFill>
-                <a:effectLst/>
-                <a:latin typeface="Menlo"/>
-              </a:rPr>
-              <a:t>valueOf</a:t>
-            </a:r>
-            <a:r>
-              <a:rPr lang="en-US" b="0" i="0" dirty="0">
-                <a:solidFill>
-                  <a:srgbClr val="000000"/>
-                </a:solidFill>
-                <a:effectLst/>
-                <a:latin typeface="Menlo"/>
-              </a:rPr>
-              <a:t>(</a:t>
-            </a:r>
-            <a:r>
-              <a:rPr lang="en-US" b="0" i="0" dirty="0">
-                <a:solidFill>
-                  <a:srgbClr val="082C8B"/>
-                </a:solidFill>
-                <a:effectLst/>
-                <a:latin typeface="Menlo"/>
-              </a:rPr>
-              <a:t>123.4F</a:t>
-            </a:r>
-            <a:r>
-              <a:rPr lang="en-US" b="0" i="0" dirty="0">
-                <a:solidFill>
-                  <a:srgbClr val="000000"/>
-                </a:solidFill>
-                <a:effectLst/>
-                <a:latin typeface="Menlo"/>
-              </a:rPr>
-              <a:t>); </a:t>
-            </a:r>
-            <a:endParaRPr lang="uk-UA" b="0" i="0" dirty="0">
-              <a:solidFill>
-                <a:srgbClr val="000000"/>
-              </a:solidFill>
-              <a:effectLst/>
-              <a:latin typeface="Menlo"/>
-            </a:endParaRPr>
-          </a:p>
-          <a:p>
-            <a:r>
-              <a:rPr lang="en-US" b="0" i="0" dirty="0">
-                <a:solidFill>
-                  <a:srgbClr val="000000"/>
-                </a:solidFill>
-                <a:effectLst/>
-                <a:latin typeface="Menlo"/>
-              </a:rPr>
-              <a:t>String d = </a:t>
-            </a:r>
-            <a:r>
-              <a:rPr lang="en-US" b="0" i="0" dirty="0" err="1">
-                <a:solidFill>
-                  <a:srgbClr val="000000"/>
-                </a:solidFill>
-                <a:effectLst/>
-                <a:latin typeface="Menlo"/>
-              </a:rPr>
-              <a:t>String.</a:t>
-            </a:r>
-            <a:r>
-              <a:rPr lang="en-US" b="0" i="0" dirty="0" err="1">
-                <a:solidFill>
-                  <a:srgbClr val="900606"/>
-                </a:solidFill>
-                <a:effectLst/>
-                <a:latin typeface="Menlo"/>
-              </a:rPr>
-              <a:t>valueOf</a:t>
-            </a:r>
-            <a:r>
-              <a:rPr lang="en-US" b="0" i="0" dirty="0">
-                <a:solidFill>
-                  <a:srgbClr val="000000"/>
-                </a:solidFill>
-                <a:effectLst/>
-                <a:latin typeface="Menlo"/>
-              </a:rPr>
-              <a:t>(</a:t>
-            </a:r>
-            <a:r>
-              <a:rPr lang="en-US" b="0" i="0" dirty="0">
-                <a:solidFill>
-                  <a:srgbClr val="082C8B"/>
-                </a:solidFill>
-                <a:effectLst/>
-                <a:latin typeface="Menlo"/>
-              </a:rPr>
-              <a:t>123456L</a:t>
-            </a:r>
-            <a:r>
-              <a:rPr lang="en-US" b="0" i="0" dirty="0">
-                <a:solidFill>
-                  <a:srgbClr val="000000"/>
-                </a:solidFill>
-                <a:effectLst/>
-                <a:latin typeface="Menlo"/>
-              </a:rPr>
-              <a:t>); </a:t>
-            </a:r>
-            <a:endParaRPr lang="uk-UA" b="0" i="0" dirty="0">
-              <a:solidFill>
-                <a:srgbClr val="000000"/>
-              </a:solidFill>
-              <a:effectLst/>
-              <a:latin typeface="Menlo"/>
-            </a:endParaRPr>
-          </a:p>
-          <a:p>
-            <a:r>
-              <a:rPr lang="en-US" b="0" i="0" dirty="0">
-                <a:solidFill>
-                  <a:srgbClr val="000000"/>
-                </a:solidFill>
-                <a:effectLst/>
-                <a:latin typeface="Menlo"/>
-              </a:rPr>
-              <a:t>String s = </a:t>
-            </a:r>
-            <a:r>
-              <a:rPr lang="en-US" b="0" i="0" dirty="0" err="1">
-                <a:solidFill>
-                  <a:srgbClr val="000000"/>
-                </a:solidFill>
-                <a:effectLst/>
-                <a:latin typeface="Menlo"/>
-              </a:rPr>
-              <a:t>String.</a:t>
-            </a:r>
-            <a:r>
-              <a:rPr lang="en-US" b="0" i="0" dirty="0" err="1">
-                <a:solidFill>
-                  <a:srgbClr val="900606"/>
-                </a:solidFill>
-                <a:effectLst/>
-                <a:latin typeface="Menlo"/>
-              </a:rPr>
-              <a:t>valueOf</a:t>
-            </a:r>
-            <a:r>
-              <a:rPr lang="en-US" b="0" i="0" dirty="0">
-                <a:solidFill>
-                  <a:srgbClr val="000000"/>
-                </a:solidFill>
-                <a:effectLst/>
-                <a:latin typeface="Menlo"/>
-              </a:rPr>
-              <a:t>(</a:t>
-            </a:r>
-            <a:r>
-              <a:rPr lang="en-US" b="0" i="0" dirty="0">
-                <a:solidFill>
-                  <a:srgbClr val="000080"/>
-                </a:solidFill>
-                <a:effectLst/>
-                <a:latin typeface="Menlo"/>
-              </a:rPr>
-              <a:t>true</a:t>
-            </a:r>
-            <a:r>
-              <a:rPr lang="en-US" b="0" i="0" dirty="0">
-                <a:solidFill>
-                  <a:srgbClr val="000000"/>
-                </a:solidFill>
-                <a:effectLst/>
-                <a:latin typeface="Menlo"/>
-              </a:rPr>
-              <a:t>); </a:t>
-            </a:r>
-            <a:endParaRPr lang="uk-UA" b="0" i="0" dirty="0">
-              <a:solidFill>
-                <a:srgbClr val="000000"/>
-              </a:solidFill>
-              <a:effectLst/>
-              <a:latin typeface="Menlo"/>
-            </a:endParaRPr>
-          </a:p>
-          <a:p>
-            <a:r>
-              <a:rPr lang="en-US" b="0" i="0" dirty="0">
-                <a:solidFill>
-                  <a:srgbClr val="000000"/>
-                </a:solidFill>
-                <a:effectLst/>
-                <a:latin typeface="Menlo"/>
-              </a:rPr>
-              <a:t>String human = </a:t>
-            </a:r>
-            <a:r>
-              <a:rPr lang="en-US" b="0" i="0" dirty="0" err="1">
-                <a:solidFill>
-                  <a:srgbClr val="000000"/>
-                </a:solidFill>
-                <a:effectLst/>
-                <a:latin typeface="Menlo"/>
-              </a:rPr>
-              <a:t>String.</a:t>
-            </a:r>
-            <a:r>
-              <a:rPr lang="en-US" b="0" i="0" dirty="0" err="1">
-                <a:solidFill>
-                  <a:srgbClr val="900606"/>
-                </a:solidFill>
-                <a:effectLst/>
-                <a:latin typeface="Menlo"/>
-              </a:rPr>
-              <a:t>valueOf</a:t>
-            </a:r>
-            <a:r>
-              <a:rPr lang="en-US" b="0" i="0" dirty="0">
-                <a:solidFill>
-                  <a:srgbClr val="000000"/>
-                </a:solidFill>
-                <a:effectLst/>
-                <a:latin typeface="Menlo"/>
-              </a:rPr>
-              <a:t>(</a:t>
-            </a:r>
-            <a:r>
-              <a:rPr lang="en-US" b="1" i="0" dirty="0">
-                <a:solidFill>
-                  <a:srgbClr val="000080"/>
-                </a:solidFill>
-                <a:effectLst/>
-                <a:latin typeface="Menlo"/>
-              </a:rPr>
-              <a:t>new</a:t>
-            </a:r>
-            <a:r>
-              <a:rPr lang="en-US" b="0" i="0" dirty="0">
-                <a:solidFill>
-                  <a:srgbClr val="000000"/>
-                </a:solidFill>
-                <a:effectLst/>
-                <a:latin typeface="Menlo"/>
-              </a:rPr>
-              <a:t> Human(</a:t>
-            </a:r>
-            <a:r>
-              <a:rPr lang="en-US" b="0" i="0" dirty="0">
-                <a:solidFill>
-                  <a:srgbClr val="008000"/>
-                </a:solidFill>
-                <a:effectLst/>
-                <a:latin typeface="Menlo"/>
-              </a:rPr>
-              <a:t>"Alex"</a:t>
-            </a:r>
-            <a:r>
-              <a:rPr lang="en-US" b="0" i="0" dirty="0">
-                <a:solidFill>
-                  <a:srgbClr val="000000"/>
-                </a:solidFill>
-                <a:effectLst/>
-                <a:latin typeface="Menlo"/>
-              </a:rPr>
-              <a:t>)); </a:t>
-            </a:r>
-            <a:endParaRPr lang="uk-UA" b="0" i="0" dirty="0">
-              <a:solidFill>
-                <a:srgbClr val="000000"/>
-              </a:solidFill>
-              <a:effectLst/>
-              <a:latin typeface="Menlo"/>
-            </a:endParaRPr>
-          </a:p>
-          <a:p>
-            <a:r>
-              <a:rPr lang="en-US" b="0" i="0" dirty="0" err="1">
-                <a:solidFill>
-                  <a:srgbClr val="000000"/>
-                </a:solidFill>
-                <a:effectLst/>
-                <a:latin typeface="Menlo"/>
-              </a:rPr>
-              <a:t>System.out.</a:t>
-            </a:r>
-            <a:r>
-              <a:rPr lang="en-US" b="0" i="0" dirty="0" err="1">
-                <a:solidFill>
-                  <a:srgbClr val="900606"/>
-                </a:solidFill>
-                <a:effectLst/>
-                <a:latin typeface="Menlo"/>
-              </a:rPr>
-              <a:t>println</a:t>
-            </a:r>
-            <a:r>
-              <a:rPr lang="en-US" b="0" i="0" dirty="0">
-                <a:solidFill>
-                  <a:srgbClr val="000000"/>
-                </a:solidFill>
-                <a:effectLst/>
-                <a:latin typeface="Menlo"/>
-              </a:rPr>
-              <a:t>(a); </a:t>
-            </a:r>
-            <a:endParaRPr lang="uk-UA" b="0" i="0" dirty="0">
-              <a:solidFill>
-                <a:srgbClr val="000000"/>
-              </a:solidFill>
-              <a:effectLst/>
-              <a:latin typeface="Menlo"/>
-            </a:endParaRPr>
-          </a:p>
-          <a:p>
-            <a:r>
-              <a:rPr lang="en-US" b="0" i="0" dirty="0" err="1">
-                <a:solidFill>
-                  <a:srgbClr val="000000"/>
-                </a:solidFill>
-                <a:effectLst/>
-                <a:latin typeface="Menlo"/>
-              </a:rPr>
-              <a:t>System.out.</a:t>
-            </a:r>
-            <a:r>
-              <a:rPr lang="en-US" b="0" i="0" dirty="0" err="1">
-                <a:solidFill>
-                  <a:srgbClr val="900606"/>
-                </a:solidFill>
-                <a:effectLst/>
-                <a:latin typeface="Menlo"/>
-              </a:rPr>
-              <a:t>println</a:t>
-            </a:r>
-            <a:r>
-              <a:rPr lang="en-US" b="0" i="0" dirty="0">
-                <a:solidFill>
-                  <a:srgbClr val="000000"/>
-                </a:solidFill>
-                <a:effectLst/>
-                <a:latin typeface="Menlo"/>
-              </a:rPr>
-              <a:t>(b); </a:t>
-            </a:r>
-            <a:endParaRPr lang="uk-UA" b="0" i="0" dirty="0">
-              <a:solidFill>
-                <a:srgbClr val="000000"/>
-              </a:solidFill>
-              <a:effectLst/>
-              <a:latin typeface="Menlo"/>
-            </a:endParaRPr>
-          </a:p>
-          <a:p>
-            <a:r>
-              <a:rPr lang="en-US" b="0" i="0" dirty="0" err="1">
-                <a:solidFill>
-                  <a:srgbClr val="000000"/>
-                </a:solidFill>
-                <a:effectLst/>
-                <a:latin typeface="Menlo"/>
-              </a:rPr>
-              <a:t>System.out.</a:t>
-            </a:r>
-            <a:r>
-              <a:rPr lang="en-US" b="0" i="0" dirty="0" err="1">
-                <a:solidFill>
-                  <a:srgbClr val="900606"/>
-                </a:solidFill>
-                <a:effectLst/>
-                <a:latin typeface="Menlo"/>
-              </a:rPr>
-              <a:t>println</a:t>
-            </a:r>
-            <a:r>
-              <a:rPr lang="en-US" b="0" i="0" dirty="0">
-                <a:solidFill>
-                  <a:srgbClr val="000000"/>
-                </a:solidFill>
-                <a:effectLst/>
-                <a:latin typeface="Menlo"/>
-              </a:rPr>
-              <a:t>(c); </a:t>
-            </a:r>
-            <a:endParaRPr lang="uk-UA" b="0" i="0" dirty="0">
-              <a:solidFill>
-                <a:srgbClr val="000000"/>
-              </a:solidFill>
-              <a:effectLst/>
-              <a:latin typeface="Menlo"/>
-            </a:endParaRPr>
-          </a:p>
-          <a:p>
-            <a:r>
-              <a:rPr lang="en-US" b="0" i="0" dirty="0" err="1">
-                <a:solidFill>
-                  <a:srgbClr val="000000"/>
-                </a:solidFill>
-                <a:effectLst/>
-                <a:latin typeface="Menlo"/>
-              </a:rPr>
-              <a:t>System.out.</a:t>
-            </a:r>
-            <a:r>
-              <a:rPr lang="en-US" b="0" i="0" dirty="0" err="1">
-                <a:solidFill>
-                  <a:srgbClr val="900606"/>
-                </a:solidFill>
-                <a:effectLst/>
-                <a:latin typeface="Menlo"/>
-              </a:rPr>
-              <a:t>println</a:t>
-            </a:r>
-            <a:r>
-              <a:rPr lang="en-US" b="0" i="0" dirty="0">
-                <a:solidFill>
-                  <a:srgbClr val="000000"/>
-                </a:solidFill>
-                <a:effectLst/>
-                <a:latin typeface="Menlo"/>
-              </a:rPr>
-              <a:t>(d); </a:t>
-            </a:r>
-            <a:endParaRPr lang="uk-UA" b="0" i="0" dirty="0">
-              <a:solidFill>
-                <a:srgbClr val="000000"/>
-              </a:solidFill>
-              <a:effectLst/>
-              <a:latin typeface="Menlo"/>
-            </a:endParaRPr>
-          </a:p>
-          <a:p>
-            <a:r>
-              <a:rPr lang="en-US" b="0" i="0" dirty="0" err="1">
-                <a:solidFill>
-                  <a:srgbClr val="000000"/>
-                </a:solidFill>
-                <a:effectLst/>
-                <a:latin typeface="Menlo"/>
-              </a:rPr>
-              <a:t>System.out.</a:t>
-            </a:r>
-            <a:r>
-              <a:rPr lang="en-US" b="0" i="0" dirty="0" err="1">
-                <a:solidFill>
-                  <a:srgbClr val="900606"/>
-                </a:solidFill>
-                <a:effectLst/>
-                <a:latin typeface="Menlo"/>
-              </a:rPr>
-              <a:t>println</a:t>
-            </a:r>
-            <a:r>
-              <a:rPr lang="en-US" b="0" i="0" dirty="0">
-                <a:solidFill>
-                  <a:srgbClr val="000000"/>
-                </a:solidFill>
-                <a:effectLst/>
-                <a:latin typeface="Menlo"/>
-              </a:rPr>
-              <a:t>(s); </a:t>
-            </a:r>
-            <a:endParaRPr lang="uk-UA" b="0" i="0" dirty="0">
-              <a:solidFill>
-                <a:srgbClr val="000000"/>
-              </a:solidFill>
-              <a:effectLst/>
-              <a:latin typeface="Menlo"/>
-            </a:endParaRPr>
-          </a:p>
-          <a:p>
-            <a:r>
-              <a:rPr lang="en-US" b="0" i="0" dirty="0" err="1">
-                <a:solidFill>
-                  <a:srgbClr val="000000"/>
-                </a:solidFill>
-                <a:effectLst/>
-                <a:latin typeface="Menlo"/>
-              </a:rPr>
-              <a:t>System.out.</a:t>
-            </a:r>
-            <a:r>
-              <a:rPr lang="en-US" b="0" i="0" dirty="0" err="1">
-                <a:solidFill>
-                  <a:srgbClr val="900606"/>
-                </a:solidFill>
-                <a:effectLst/>
-                <a:latin typeface="Menlo"/>
-              </a:rPr>
-              <a:t>println</a:t>
-            </a:r>
-            <a:r>
-              <a:rPr lang="en-US" b="0" i="0" dirty="0">
-                <a:solidFill>
-                  <a:srgbClr val="000000"/>
-                </a:solidFill>
-                <a:effectLst/>
-                <a:latin typeface="Menlo"/>
-              </a:rPr>
-              <a:t>(human); </a:t>
-            </a:r>
-            <a:endParaRPr lang="uk-UA" b="0" i="0" dirty="0">
-              <a:solidFill>
-                <a:srgbClr val="000000"/>
-              </a:solidFill>
-              <a:effectLst/>
-              <a:latin typeface="Menlo"/>
-            </a:endParaRPr>
-          </a:p>
-          <a:p>
-            <a:r>
-              <a:rPr lang="en-US" b="0" i="0" dirty="0">
-                <a:effectLst/>
-                <a:latin typeface="Menlo"/>
-              </a:rPr>
-              <a:t>/* </a:t>
-            </a:r>
-            <a:r>
-              <a:rPr lang="uk-UA" b="0" i="0" dirty="0">
-                <a:effectLst/>
-                <a:latin typeface="Menlo"/>
-              </a:rPr>
-              <a:t>Консоль: 1 12.0 123.4 123456 </a:t>
-            </a:r>
-            <a:r>
-              <a:rPr lang="en-US" b="0" i="0" dirty="0">
-                <a:effectLst/>
-                <a:latin typeface="Menlo"/>
-              </a:rPr>
-              <a:t>true </a:t>
-            </a:r>
-            <a:r>
-              <a:rPr lang="uk-UA" dirty="0">
-                <a:latin typeface="Menlo"/>
-              </a:rPr>
-              <a:t>Людина</a:t>
-            </a:r>
-            <a:r>
-              <a:rPr lang="uk-UA" b="0" i="0" dirty="0">
-                <a:effectLst/>
-                <a:latin typeface="Menlo"/>
-              </a:rPr>
-              <a:t> - </a:t>
-            </a:r>
-            <a:r>
-              <a:rPr lang="en-US" b="0" i="0" dirty="0">
-                <a:effectLst/>
-                <a:latin typeface="Menlo"/>
-              </a:rPr>
-              <a:t>Alex */</a:t>
-            </a:r>
-            <a:r>
-              <a:rPr lang="en-US" b="0" i="0" dirty="0">
-                <a:solidFill>
-                  <a:srgbClr val="000000"/>
-                </a:solidFill>
-                <a:effectLst/>
-                <a:latin typeface="Menlo"/>
-              </a:rPr>
-              <a:t> </a:t>
-            </a:r>
-            <a:endParaRPr lang="uk-UA" b="0" i="0" dirty="0">
-              <a:solidFill>
-                <a:srgbClr val="000000"/>
-              </a:solidFill>
-              <a:effectLst/>
-              <a:latin typeface="Menlo"/>
-            </a:endParaRPr>
-          </a:p>
-          <a:p>
-            <a:r>
-              <a:rPr lang="en-US" b="0" i="0" dirty="0">
-                <a:solidFill>
-                  <a:srgbClr val="000000"/>
-                </a:solidFill>
-                <a:effectLst/>
-                <a:latin typeface="Menlo"/>
-              </a:rPr>
-              <a:t>} }</a:t>
-            </a:r>
-            <a:endParaRPr lang="uk-UA" dirty="0"/>
-          </a:p>
-          <a:p>
-            <a:endParaRPr lang="uk-UA" b="0" i="0" dirty="0">
-              <a:solidFill>
-                <a:srgbClr val="000000"/>
-              </a:solidFill>
-              <a:effectLst/>
-              <a:latin typeface="Menlo"/>
-            </a:endParaRPr>
-          </a:p>
-          <a:p>
-            <a:endParaRPr lang="uk-UA" dirty="0"/>
-          </a:p>
-        </p:txBody>
-      </p:sp>
-    </p:spTree>
-    <p:extLst>
-      <p:ext uri="{BB962C8B-B14F-4D97-AF65-F5344CB8AC3E}">
-        <p14:creationId xmlns:p14="http://schemas.microsoft.com/office/powerpoint/2010/main" val="3818722539"/>
-      </p:ext>
-    </p:extLst>
-  </p:cSld>
-  <p:clrMapOvr>
-    <a:masterClrMapping/>
-  </p:clrMapOvr>
-</p:sld>
-</file>
-
-<file path=ppt/slides/slide12.xml><?xml version="1.0" encoding="utf-8"?>
-<p:sld xmlns:a="http://schemas.openxmlformats.org/drawingml/2006/main" xmlns:r="http://schemas.openxmlformats.org/officeDocument/2006/relationships" xmlns:p="http://schemas.openxmlformats.org/presentationml/2006/main">
-  <p:cSld>
-    <p:spTree>
-      <p:nvGrpSpPr>
-        <p:cNvPr id="1" name=""/>
-        <p:cNvGrpSpPr/>
-        <p:nvPr/>
-      </p:nvGrpSpPr>
-      <p:grpSpPr>
-        <a:xfrm>
-          <a:off x="0" y="0"/>
-          <a:ext cx="0" cy="0"/>
-          <a:chOff x="0" y="0"/>
-          <a:chExt cx="0" cy="0"/>
-        </a:xfrm>
-      </p:grpSpPr>
-      <p:sp>
-        <p:nvSpPr>
           <p:cNvPr id="2" name="TextBox 1">
             <a:extLst>
               <a:ext uri="{FF2B5EF4-FFF2-40B4-BE49-F238E27FC236}">
@@ -7692,7 +5137,7 @@
 </p:sld>
 </file>
 
-<file path=ppt/slides/slide13.xml><?xml version="1.0" encoding="utf-8"?>
+<file path=ppt/slides/slide11.xml><?xml version="1.0" encoding="utf-8"?>
 <p:sld xmlns:a="http://schemas.openxmlformats.org/drawingml/2006/main" xmlns:r="http://schemas.openxmlformats.org/officeDocument/2006/relationships" xmlns:p="http://schemas.openxmlformats.org/presentationml/2006/main">
   <p:cSld>
     <p:spTree>
@@ -7756,7 +5201,7 @@
           <a:graphicData uri="http://schemas.openxmlformats.org/presentationml/2006/ole">
             <mc:AlternateContent xmlns:mc="http://schemas.openxmlformats.org/markup-compatibility/2006">
               <mc:Choice xmlns:v="urn:schemas-microsoft-com:vml" Requires="v">
-                <p:oleObj spid="_x0000_s1050" name="Visio" r:id="rId3" imgW="6010393" imgH="1609767" progId="Visio.Drawing.11">
+                <p:oleObj spid="_x0000_s1051" name="Visio" r:id="rId3" imgW="6010393" imgH="1609767" progId="Visio.Drawing.11">
                   <p:embed/>
                 </p:oleObj>
               </mc:Choice>
@@ -8258,926 +5703,7 @@
 </p:sld>
 </file>
 
-<file path=ppt/slides/slide14.xml><?xml version="1.0" encoding="utf-8"?>
-<p:sld xmlns:a="http://schemas.openxmlformats.org/drawingml/2006/main" xmlns:r="http://schemas.openxmlformats.org/officeDocument/2006/relationships" xmlns:p="http://schemas.openxmlformats.org/presentationml/2006/main">
-  <p:cSld>
-    <p:spTree>
-      <p:nvGrpSpPr>
-        <p:cNvPr id="1" name=""/>
-        <p:cNvGrpSpPr/>
-        <p:nvPr/>
-      </p:nvGrpSpPr>
-      <p:grpSpPr>
-        <a:xfrm>
-          <a:off x="0" y="0"/>
-          <a:ext cx="0" cy="0"/>
-          <a:chOff x="0" y="0"/>
-          <a:chExt cx="0" cy="0"/>
-        </a:xfrm>
-      </p:grpSpPr>
-      <p:sp>
-        <p:nvSpPr>
-          <p:cNvPr id="2" name="TextBox 1">
-            <a:extLst>
-              <a:ext uri="{FF2B5EF4-FFF2-40B4-BE49-F238E27FC236}">
-                <a16:creationId xmlns:a16="http://schemas.microsoft.com/office/drawing/2014/main" id="{D2861CD8-F5AE-4B22-8A7E-9FA353A342BF}"/>
-              </a:ext>
-            </a:extLst>
-          </p:cNvPr>
-          <p:cNvSpPr txBox="1"/>
-          <p:nvPr/>
-        </p:nvSpPr>
-        <p:spPr>
-          <a:xfrm>
-            <a:off x="0" y="145272"/>
-            <a:ext cx="12192000" cy="1323439"/>
-          </a:xfrm>
-          <a:prstGeom prst="rect">
-            <a:avLst/>
-          </a:prstGeom>
-          <a:noFill/>
-        </p:spPr>
-        <p:txBody>
-          <a:bodyPr wrap="square">
-            <a:spAutoFit/>
-          </a:bodyPr>
-          <a:lstStyle/>
-          <a:p>
-            <a:pPr algn="ctr"/>
-            <a:r>
-              <a:rPr lang="uk-UA" sz="4000" dirty="0">
-                <a:latin typeface="Times New Roman" panose="02020603050405020304" pitchFamily="18" charset="0"/>
-                <a:cs typeface="Times New Roman" panose="02020603050405020304" pitchFamily="18" charset="0"/>
-              </a:rPr>
-              <a:t>Клас </a:t>
-            </a:r>
-            <a:r>
-              <a:rPr lang="en-US" sz="4000" dirty="0">
-                <a:latin typeface="Times New Roman" panose="02020603050405020304" pitchFamily="18" charset="0"/>
-                <a:cs typeface="Times New Roman" panose="02020603050405020304" pitchFamily="18" charset="0"/>
-              </a:rPr>
-              <a:t>String</a:t>
-            </a:r>
-            <a:r>
-              <a:rPr lang="uk-UA" sz="4000" dirty="0">
-                <a:latin typeface="Times New Roman" panose="02020603050405020304" pitchFamily="18" charset="0"/>
-                <a:cs typeface="Times New Roman" panose="02020603050405020304" pitchFamily="18" charset="0"/>
-              </a:rPr>
-              <a:t>.</a:t>
-            </a:r>
-            <a:r>
-              <a:rPr lang="ru-RU" sz="4000" dirty="0">
-                <a:latin typeface="Times New Roman" panose="02020603050405020304" pitchFamily="18" charset="0"/>
-                <a:cs typeface="Times New Roman" panose="02020603050405020304" pitchFamily="18" charset="0"/>
-              </a:rPr>
-              <a:t> Переклад </a:t>
-            </a:r>
-            <a:r>
-              <a:rPr lang="ru-RU" sz="4000" dirty="0" err="1">
-                <a:latin typeface="Times New Roman" panose="02020603050405020304" pitchFamily="18" charset="0"/>
-                <a:cs typeface="Times New Roman" panose="02020603050405020304" pitchFamily="18" charset="0"/>
-              </a:rPr>
-              <a:t>колекції</a:t>
-            </a:r>
-            <a:r>
-              <a:rPr lang="ru-RU" sz="4000" dirty="0">
-                <a:latin typeface="Times New Roman" panose="02020603050405020304" pitchFamily="18" charset="0"/>
-                <a:cs typeface="Times New Roman" panose="02020603050405020304" pitchFamily="18" charset="0"/>
-              </a:rPr>
-              <a:t> </a:t>
-            </a:r>
-            <a:r>
-              <a:rPr lang="ru-RU" sz="4000" dirty="0" err="1">
-                <a:latin typeface="Times New Roman" panose="02020603050405020304" pitchFamily="18" charset="0"/>
-                <a:cs typeface="Times New Roman" panose="02020603050405020304" pitchFamily="18" charset="0"/>
-              </a:rPr>
-              <a:t>рядків</a:t>
-            </a:r>
-            <a:r>
-              <a:rPr lang="ru-RU" sz="4000" dirty="0">
-                <a:latin typeface="Times New Roman" panose="02020603050405020304" pitchFamily="18" charset="0"/>
-                <a:cs typeface="Times New Roman" panose="02020603050405020304" pitchFamily="18" charset="0"/>
-              </a:rPr>
-              <a:t> до рядкового </a:t>
-            </a:r>
-            <a:r>
-              <a:rPr lang="ru-RU" sz="4000" dirty="0" err="1">
-                <a:latin typeface="Times New Roman" panose="02020603050405020304" pitchFamily="18" charset="0"/>
-                <a:cs typeface="Times New Roman" panose="02020603050405020304" pitchFamily="18" charset="0"/>
-              </a:rPr>
-              <a:t>подання</a:t>
-            </a:r>
-            <a:r>
-              <a:rPr lang="en-US" sz="4000" dirty="0">
-                <a:latin typeface="Times New Roman" panose="02020603050405020304" pitchFamily="18" charset="0"/>
-                <a:cs typeface="Times New Roman" panose="02020603050405020304" pitchFamily="18" charset="0"/>
-              </a:rPr>
-              <a:t> </a:t>
-            </a:r>
-            <a:endParaRPr lang="uk-UA" sz="4000" dirty="0">
-              <a:latin typeface="Times New Roman" panose="02020603050405020304" pitchFamily="18" charset="0"/>
-              <a:cs typeface="Times New Roman" panose="02020603050405020304" pitchFamily="18" charset="0"/>
-            </a:endParaRPr>
-          </a:p>
-        </p:txBody>
-      </p:sp>
-      <p:sp>
-        <p:nvSpPr>
-          <p:cNvPr id="4" name="TextBox 3">
-            <a:extLst>
-              <a:ext uri="{FF2B5EF4-FFF2-40B4-BE49-F238E27FC236}">
-                <a16:creationId xmlns:a16="http://schemas.microsoft.com/office/drawing/2014/main" id="{63D87E51-52F3-4B62-A5FC-7D33FC9508FF}"/>
-              </a:ext>
-            </a:extLst>
-          </p:cNvPr>
-          <p:cNvSpPr txBox="1"/>
-          <p:nvPr/>
-        </p:nvSpPr>
-        <p:spPr>
-          <a:xfrm>
-            <a:off x="6711884" y="1659285"/>
-            <a:ext cx="5389775" cy="4401205"/>
-          </a:xfrm>
-          <a:prstGeom prst="rect">
-            <a:avLst/>
-          </a:prstGeom>
-          <a:noFill/>
-        </p:spPr>
-        <p:txBody>
-          <a:bodyPr wrap="square">
-            <a:spAutoFit/>
-          </a:bodyPr>
-          <a:lstStyle/>
-          <a:p>
-            <a:r>
-              <a:rPr lang="uk-UA" sz="2800" dirty="0">
-                <a:latin typeface="Times New Roman" panose="02020603050405020304" pitchFamily="18" charset="0"/>
-                <a:cs typeface="Times New Roman" panose="02020603050405020304" pitchFamily="18" charset="0"/>
-              </a:rPr>
-              <a:t>Якщо потрібно перетворити всі елементи деякої колекції рядків до рядкового подання через довільний роздільник, можна використовувати такі методи класу </a:t>
-            </a:r>
-            <a:r>
-              <a:rPr lang="uk-UA" sz="2800" dirty="0" err="1">
-                <a:latin typeface="Times New Roman" panose="02020603050405020304" pitchFamily="18" charset="0"/>
-                <a:cs typeface="Times New Roman" panose="02020603050405020304" pitchFamily="18" charset="0"/>
-              </a:rPr>
-              <a:t>String</a:t>
-            </a:r>
-            <a:r>
-              <a:rPr lang="uk-UA" sz="2800" dirty="0">
-                <a:latin typeface="Times New Roman" panose="02020603050405020304" pitchFamily="18" charset="0"/>
-                <a:cs typeface="Times New Roman" panose="02020603050405020304" pitchFamily="18" charset="0"/>
-              </a:rPr>
-              <a:t> </a:t>
-            </a:r>
-            <a:r>
-              <a:rPr lang="uk-UA" sz="2800" dirty="0" err="1">
-                <a:latin typeface="Times New Roman" panose="02020603050405020304" pitchFamily="18" charset="0"/>
-                <a:cs typeface="Times New Roman" panose="02020603050405020304" pitchFamily="18" charset="0"/>
-              </a:rPr>
-              <a:t>Java</a:t>
-            </a:r>
-            <a:r>
-              <a:rPr lang="uk-UA" sz="2800" dirty="0">
-                <a:latin typeface="Times New Roman" panose="02020603050405020304" pitchFamily="18" charset="0"/>
-                <a:cs typeface="Times New Roman" panose="02020603050405020304" pitchFamily="18" charset="0"/>
-              </a:rPr>
-              <a:t>: </a:t>
-            </a:r>
-            <a:r>
-              <a:rPr lang="uk-UA" sz="2800" dirty="0" err="1">
-                <a:latin typeface="Times New Roman" panose="02020603050405020304" pitchFamily="18" charset="0"/>
-                <a:cs typeface="Times New Roman" panose="02020603050405020304" pitchFamily="18" charset="0"/>
-              </a:rPr>
-              <a:t>join</a:t>
-            </a:r>
-            <a:r>
-              <a:rPr lang="uk-UA" sz="2800" dirty="0">
-                <a:latin typeface="Times New Roman" panose="02020603050405020304" pitchFamily="18" charset="0"/>
-                <a:cs typeface="Times New Roman" panose="02020603050405020304" pitchFamily="18" charset="0"/>
-              </a:rPr>
-              <a:t>(</a:t>
-            </a:r>
-            <a:r>
-              <a:rPr lang="uk-UA" sz="2800" dirty="0" err="1">
-                <a:latin typeface="Times New Roman" panose="02020603050405020304" pitchFamily="18" charset="0"/>
-                <a:cs typeface="Times New Roman" panose="02020603050405020304" pitchFamily="18" charset="0"/>
-              </a:rPr>
-              <a:t>CharSequence</a:t>
-            </a:r>
-            <a:r>
-              <a:rPr lang="uk-UA" sz="2800" dirty="0">
-                <a:latin typeface="Times New Roman" panose="02020603050405020304" pitchFamily="18" charset="0"/>
-                <a:cs typeface="Times New Roman" panose="02020603050405020304" pitchFamily="18" charset="0"/>
-              </a:rPr>
-              <a:t> </a:t>
-            </a:r>
-            <a:r>
-              <a:rPr lang="uk-UA" sz="2800" dirty="0" err="1">
-                <a:latin typeface="Times New Roman" panose="02020603050405020304" pitchFamily="18" charset="0"/>
-                <a:cs typeface="Times New Roman" panose="02020603050405020304" pitchFamily="18" charset="0"/>
-              </a:rPr>
-              <a:t>delimiter</a:t>
-            </a:r>
-            <a:r>
-              <a:rPr lang="uk-UA" sz="2800" dirty="0">
-                <a:latin typeface="Times New Roman" panose="02020603050405020304" pitchFamily="18" charset="0"/>
-                <a:cs typeface="Times New Roman" panose="02020603050405020304" pitchFamily="18" charset="0"/>
-              </a:rPr>
-              <a:t>, </a:t>
-            </a:r>
-            <a:r>
-              <a:rPr lang="uk-UA" sz="2800" dirty="0" err="1">
-                <a:latin typeface="Times New Roman" panose="02020603050405020304" pitchFamily="18" charset="0"/>
-                <a:cs typeface="Times New Roman" panose="02020603050405020304" pitchFamily="18" charset="0"/>
-              </a:rPr>
-              <a:t>CharSequence</a:t>
-            </a:r>
-            <a:r>
-              <a:rPr lang="uk-UA" sz="2800" dirty="0">
-                <a:latin typeface="Times New Roman" panose="02020603050405020304" pitchFamily="18" charset="0"/>
-                <a:cs typeface="Times New Roman" panose="02020603050405020304" pitchFamily="18" charset="0"/>
-              </a:rPr>
-              <a:t>... </a:t>
-            </a:r>
-            <a:r>
-              <a:rPr lang="uk-UA" sz="2800" dirty="0" err="1">
-                <a:latin typeface="Times New Roman" panose="02020603050405020304" pitchFamily="18" charset="0"/>
-                <a:cs typeface="Times New Roman" panose="02020603050405020304" pitchFamily="18" charset="0"/>
-              </a:rPr>
-              <a:t>elements</a:t>
-            </a:r>
-            <a:r>
-              <a:rPr lang="uk-UA" sz="2800" dirty="0">
-                <a:latin typeface="Times New Roman" panose="02020603050405020304" pitchFamily="18" charset="0"/>
-                <a:cs typeface="Times New Roman" panose="02020603050405020304" pitchFamily="18" charset="0"/>
-              </a:rPr>
-              <a:t>) роздільник елементів, а </a:t>
-            </a:r>
-            <a:r>
-              <a:rPr lang="uk-UA" sz="2800" dirty="0" err="1">
-                <a:latin typeface="Times New Roman" panose="02020603050405020304" pitchFamily="18" charset="0"/>
-                <a:cs typeface="Times New Roman" panose="02020603050405020304" pitchFamily="18" charset="0"/>
-              </a:rPr>
-              <a:t>elements</a:t>
-            </a:r>
-            <a:r>
-              <a:rPr lang="uk-UA" sz="2800" dirty="0">
-                <a:latin typeface="Times New Roman" panose="02020603050405020304" pitchFamily="18" charset="0"/>
-                <a:cs typeface="Times New Roman" panose="02020603050405020304" pitchFamily="18" charset="0"/>
-              </a:rPr>
-              <a:t> - масив рядків</a:t>
-            </a:r>
-          </a:p>
-        </p:txBody>
-      </p:sp>
-      <p:sp>
-        <p:nvSpPr>
-          <p:cNvPr id="5" name="TextBox 4">
-            <a:extLst>
-              <a:ext uri="{FF2B5EF4-FFF2-40B4-BE49-F238E27FC236}">
-                <a16:creationId xmlns:a16="http://schemas.microsoft.com/office/drawing/2014/main" id="{DE38206D-FF8B-4512-ABFC-E7A26BE05AE9}"/>
-              </a:ext>
-            </a:extLst>
-          </p:cNvPr>
-          <p:cNvSpPr txBox="1"/>
-          <p:nvPr/>
-        </p:nvSpPr>
-        <p:spPr>
-          <a:xfrm>
-            <a:off x="188535" y="1720840"/>
-            <a:ext cx="5907465" cy="4524315"/>
-          </a:xfrm>
-          <a:prstGeom prst="rect">
-            <a:avLst/>
-          </a:prstGeom>
-          <a:noFill/>
-        </p:spPr>
-        <p:txBody>
-          <a:bodyPr wrap="square" rtlCol="0">
-            <a:spAutoFit/>
-          </a:bodyPr>
-          <a:lstStyle/>
-          <a:p>
-            <a:r>
-              <a:rPr lang="en-US" sz="2400" b="1" i="0" dirty="0">
-                <a:solidFill>
-                  <a:srgbClr val="000080"/>
-                </a:solidFill>
-                <a:effectLst/>
-                <a:latin typeface="Menlo"/>
-              </a:rPr>
-              <a:t>public</a:t>
-            </a:r>
-            <a:r>
-              <a:rPr lang="en-US" sz="2400" b="0" i="0" dirty="0">
-                <a:solidFill>
-                  <a:srgbClr val="000000"/>
-                </a:solidFill>
-                <a:effectLst/>
-                <a:latin typeface="Menlo"/>
-              </a:rPr>
-              <a:t> </a:t>
-            </a:r>
-            <a:r>
-              <a:rPr lang="en-US" sz="2400" b="1" i="0" dirty="0">
-                <a:solidFill>
-                  <a:srgbClr val="000080"/>
-                </a:solidFill>
-                <a:effectLst/>
-                <a:latin typeface="Menlo"/>
-              </a:rPr>
-              <a:t>static</a:t>
-            </a:r>
-            <a:r>
-              <a:rPr lang="en-US" sz="2400" b="0" i="0" dirty="0">
-                <a:solidFill>
-                  <a:srgbClr val="000000"/>
-                </a:solidFill>
-                <a:effectLst/>
-                <a:latin typeface="Menlo"/>
-              </a:rPr>
-              <a:t> </a:t>
-            </a:r>
-            <a:r>
-              <a:rPr lang="en-US" sz="2400" b="1" i="0" dirty="0">
-                <a:solidFill>
-                  <a:srgbClr val="000080"/>
-                </a:solidFill>
-                <a:effectLst/>
-                <a:latin typeface="Menlo"/>
-              </a:rPr>
-              <a:t>void</a:t>
-            </a:r>
-            <a:r>
-              <a:rPr lang="en-US" sz="2400" b="0" i="0" dirty="0">
-                <a:solidFill>
-                  <a:srgbClr val="000000"/>
-                </a:solidFill>
-                <a:effectLst/>
-                <a:latin typeface="Menlo"/>
-              </a:rPr>
-              <a:t> </a:t>
-            </a:r>
-            <a:r>
-              <a:rPr lang="en-US" sz="2400" b="0" i="0" dirty="0">
-                <a:solidFill>
-                  <a:srgbClr val="900606"/>
-                </a:solidFill>
-                <a:effectLst/>
-                <a:latin typeface="Menlo"/>
-              </a:rPr>
-              <a:t>main</a:t>
-            </a:r>
-            <a:r>
-              <a:rPr lang="en-US" sz="2400" b="0" i="0" dirty="0">
-                <a:solidFill>
-                  <a:srgbClr val="000000"/>
-                </a:solidFill>
-                <a:effectLst/>
-                <a:latin typeface="Menlo"/>
-              </a:rPr>
-              <a:t>(String[] </a:t>
-            </a:r>
-            <a:r>
-              <a:rPr lang="en-US" sz="2400" b="0" i="0" dirty="0" err="1">
-                <a:solidFill>
-                  <a:srgbClr val="000000"/>
-                </a:solidFill>
-                <a:effectLst/>
-                <a:latin typeface="Menlo"/>
-              </a:rPr>
-              <a:t>args</a:t>
-            </a:r>
-            <a:r>
-              <a:rPr lang="en-US" sz="2400" b="0" i="0" dirty="0">
-                <a:solidFill>
-                  <a:srgbClr val="000000"/>
-                </a:solidFill>
-                <a:effectLst/>
-                <a:latin typeface="Menlo"/>
-              </a:rPr>
-              <a:t>) { </a:t>
-            </a:r>
-            <a:endParaRPr lang="uk-UA" sz="2400" b="0" i="0" dirty="0">
-              <a:solidFill>
-                <a:srgbClr val="000000"/>
-              </a:solidFill>
-              <a:effectLst/>
-              <a:latin typeface="Menlo"/>
-            </a:endParaRPr>
-          </a:p>
-          <a:p>
-            <a:r>
-              <a:rPr lang="en-US" sz="2400" b="0" i="0" dirty="0">
-                <a:solidFill>
-                  <a:srgbClr val="000000"/>
-                </a:solidFill>
-                <a:effectLst/>
-                <a:latin typeface="Menlo"/>
-              </a:rPr>
-              <a:t>List&lt;String&gt; people = </a:t>
-            </a:r>
-            <a:r>
-              <a:rPr lang="en-US" sz="2400" b="0" i="0" dirty="0" err="1">
-                <a:solidFill>
-                  <a:srgbClr val="000000"/>
-                </a:solidFill>
-                <a:effectLst/>
-                <a:latin typeface="Menlo"/>
-              </a:rPr>
-              <a:t>Arrays.</a:t>
-            </a:r>
-            <a:r>
-              <a:rPr lang="en-US" sz="2400" b="0" i="0" dirty="0" err="1">
-                <a:solidFill>
-                  <a:srgbClr val="900606"/>
-                </a:solidFill>
-                <a:effectLst/>
-                <a:latin typeface="Menlo"/>
-              </a:rPr>
-              <a:t>asList</a:t>
-            </a:r>
-            <a:r>
-              <a:rPr lang="en-US" sz="2400" b="0" i="0" dirty="0">
-                <a:solidFill>
-                  <a:srgbClr val="000000"/>
-                </a:solidFill>
-                <a:effectLst/>
-                <a:latin typeface="Menlo"/>
-              </a:rPr>
-              <a:t>( </a:t>
-            </a:r>
-            <a:endParaRPr lang="uk-UA" sz="2400" b="0" i="0" dirty="0">
-              <a:solidFill>
-                <a:srgbClr val="000000"/>
-              </a:solidFill>
-              <a:effectLst/>
-              <a:latin typeface="Menlo"/>
-            </a:endParaRPr>
-          </a:p>
-          <a:p>
-            <a:r>
-              <a:rPr lang="en-US" sz="2400" b="0" i="0" dirty="0">
-                <a:solidFill>
-                  <a:srgbClr val="008000"/>
-                </a:solidFill>
-                <a:effectLst/>
-                <a:latin typeface="Menlo"/>
-              </a:rPr>
-              <a:t>"Philip J. Fry"</a:t>
-            </a:r>
-            <a:r>
-              <a:rPr lang="en-US" sz="2400" b="0" i="0" dirty="0">
-                <a:solidFill>
-                  <a:srgbClr val="000000"/>
-                </a:solidFill>
-                <a:effectLst/>
-                <a:latin typeface="Menlo"/>
-              </a:rPr>
-              <a:t>, </a:t>
-            </a:r>
-            <a:r>
-              <a:rPr lang="en-US" sz="2400" b="0" i="0" dirty="0">
-                <a:solidFill>
-                  <a:srgbClr val="008000"/>
-                </a:solidFill>
-                <a:effectLst/>
-                <a:latin typeface="Menlo"/>
-              </a:rPr>
-              <a:t>"</a:t>
-            </a:r>
-            <a:r>
-              <a:rPr lang="en-US" sz="2400" b="0" i="0" dirty="0" err="1">
-                <a:solidFill>
-                  <a:srgbClr val="008000"/>
-                </a:solidFill>
-                <a:effectLst/>
-                <a:latin typeface="Menlo"/>
-              </a:rPr>
-              <a:t>Turanga</a:t>
-            </a:r>
-            <a:r>
-              <a:rPr lang="en-US" sz="2400" b="0" i="0" dirty="0">
-                <a:solidFill>
-                  <a:srgbClr val="008000"/>
-                </a:solidFill>
-                <a:effectLst/>
-                <a:latin typeface="Menlo"/>
-              </a:rPr>
-              <a:t> Leela"</a:t>
-            </a:r>
-            <a:r>
-              <a:rPr lang="en-US" sz="2400" b="0" i="0" dirty="0">
-                <a:solidFill>
-                  <a:srgbClr val="000000"/>
-                </a:solidFill>
-                <a:effectLst/>
-                <a:latin typeface="Menlo"/>
-              </a:rPr>
-              <a:t>, </a:t>
-            </a:r>
-            <a:endParaRPr lang="uk-UA" sz="2400" b="0" i="0" dirty="0">
-              <a:solidFill>
-                <a:srgbClr val="000000"/>
-              </a:solidFill>
-              <a:effectLst/>
-              <a:latin typeface="Menlo"/>
-            </a:endParaRPr>
-          </a:p>
-          <a:p>
-            <a:r>
-              <a:rPr lang="en-US" sz="2400" b="0" i="0" dirty="0">
-                <a:solidFill>
-                  <a:srgbClr val="008000"/>
-                </a:solidFill>
-                <a:effectLst/>
-                <a:latin typeface="Menlo"/>
-              </a:rPr>
-              <a:t>"Bender Bending Rodriguez"</a:t>
-            </a:r>
-            <a:r>
-              <a:rPr lang="en-US" sz="2400" b="0" i="0" dirty="0">
-                <a:solidFill>
-                  <a:srgbClr val="000000"/>
-                </a:solidFill>
-                <a:effectLst/>
-                <a:latin typeface="Menlo"/>
-              </a:rPr>
-              <a:t>, </a:t>
-            </a:r>
-            <a:endParaRPr lang="uk-UA" sz="2400" b="0" i="0" dirty="0">
-              <a:solidFill>
-                <a:srgbClr val="000000"/>
-              </a:solidFill>
-              <a:effectLst/>
-              <a:latin typeface="Menlo"/>
-            </a:endParaRPr>
-          </a:p>
-          <a:p>
-            <a:r>
-              <a:rPr lang="en-US" sz="2400" b="0" i="0" dirty="0">
-                <a:solidFill>
-                  <a:srgbClr val="008000"/>
-                </a:solidFill>
-                <a:effectLst/>
-                <a:latin typeface="Menlo"/>
-              </a:rPr>
-              <a:t>"Hubert Farnsworth"</a:t>
-            </a:r>
-            <a:r>
-              <a:rPr lang="en-US" sz="2400" b="0" i="0" dirty="0">
-                <a:solidFill>
-                  <a:srgbClr val="000000"/>
-                </a:solidFill>
-                <a:effectLst/>
-                <a:latin typeface="Menlo"/>
-              </a:rPr>
-              <a:t>, </a:t>
-            </a:r>
-            <a:r>
-              <a:rPr lang="en-US" sz="2400" b="0" i="0" dirty="0">
-                <a:solidFill>
-                  <a:srgbClr val="008000"/>
-                </a:solidFill>
-                <a:effectLst/>
-                <a:latin typeface="Menlo"/>
-              </a:rPr>
-              <a:t>"Hermes Conrad"</a:t>
-            </a:r>
-            <a:r>
-              <a:rPr lang="en-US" sz="2400" b="0" i="0" dirty="0">
-                <a:solidFill>
-                  <a:srgbClr val="000000"/>
-                </a:solidFill>
-                <a:effectLst/>
-                <a:latin typeface="Menlo"/>
-              </a:rPr>
-              <a:t>,</a:t>
-            </a:r>
-            <a:endParaRPr lang="uk-UA" sz="2400" b="0" i="0" dirty="0">
-              <a:solidFill>
-                <a:srgbClr val="000000"/>
-              </a:solidFill>
-              <a:effectLst/>
-              <a:latin typeface="Menlo"/>
-            </a:endParaRPr>
-          </a:p>
-          <a:p>
-            <a:r>
-              <a:rPr lang="en-US" sz="2400" b="0" i="0" dirty="0">
-                <a:solidFill>
-                  <a:srgbClr val="000000"/>
-                </a:solidFill>
-                <a:effectLst/>
-                <a:latin typeface="Menlo"/>
-              </a:rPr>
-              <a:t> </a:t>
-            </a:r>
-            <a:r>
-              <a:rPr lang="en-US" sz="2400" b="0" i="0" dirty="0">
-                <a:solidFill>
-                  <a:srgbClr val="008000"/>
-                </a:solidFill>
-                <a:effectLst/>
-                <a:latin typeface="Menlo"/>
-              </a:rPr>
-              <a:t>"John D. </a:t>
-            </a:r>
-            <a:r>
-              <a:rPr lang="en-US" sz="2400" b="0" i="0" dirty="0" err="1">
-                <a:solidFill>
-                  <a:srgbClr val="008000"/>
-                </a:solidFill>
-                <a:effectLst/>
-                <a:latin typeface="Menlo"/>
-              </a:rPr>
-              <a:t>Zoidberg</a:t>
-            </a:r>
-            <a:r>
-              <a:rPr lang="en-US" sz="2400" b="0" i="0" dirty="0">
-                <a:solidFill>
-                  <a:srgbClr val="008000"/>
-                </a:solidFill>
-                <a:effectLst/>
-                <a:latin typeface="Menlo"/>
-              </a:rPr>
-              <a:t>"</a:t>
-            </a:r>
-            <a:r>
-              <a:rPr lang="en-US" sz="2400" b="0" i="0" dirty="0">
-                <a:solidFill>
-                  <a:srgbClr val="000000"/>
-                </a:solidFill>
-                <a:effectLst/>
-                <a:latin typeface="Menlo"/>
-              </a:rPr>
-              <a:t>, </a:t>
-            </a:r>
-            <a:r>
-              <a:rPr lang="en-US" sz="2400" b="0" i="0" dirty="0">
-                <a:solidFill>
-                  <a:srgbClr val="008000"/>
-                </a:solidFill>
-                <a:effectLst/>
-                <a:latin typeface="Menlo"/>
-              </a:rPr>
-              <a:t>"Amy Wong"</a:t>
-            </a:r>
-            <a:r>
-              <a:rPr lang="en-US" sz="2400" b="0" i="0" dirty="0">
-                <a:solidFill>
-                  <a:srgbClr val="000000"/>
-                </a:solidFill>
-                <a:effectLst/>
-                <a:latin typeface="Menlo"/>
-              </a:rPr>
-              <a:t> ); </a:t>
-            </a:r>
-            <a:endParaRPr lang="uk-UA" sz="2400" b="0" i="0" dirty="0">
-              <a:solidFill>
-                <a:srgbClr val="000000"/>
-              </a:solidFill>
-              <a:effectLst/>
-              <a:latin typeface="Menlo"/>
-            </a:endParaRPr>
-          </a:p>
-          <a:p>
-            <a:r>
-              <a:rPr lang="en-US" sz="2400" b="0" i="0" dirty="0">
-                <a:solidFill>
-                  <a:srgbClr val="000000"/>
-                </a:solidFill>
-                <a:effectLst/>
-                <a:latin typeface="Menlo"/>
-              </a:rPr>
-              <a:t>String </a:t>
-            </a:r>
-            <a:r>
-              <a:rPr lang="en-US" sz="2400" b="0" i="0" dirty="0" err="1">
-                <a:solidFill>
-                  <a:srgbClr val="000000"/>
-                </a:solidFill>
-                <a:effectLst/>
-                <a:latin typeface="Menlo"/>
-              </a:rPr>
-              <a:t>peopleString</a:t>
-            </a:r>
-            <a:r>
-              <a:rPr lang="en-US" sz="2400" b="0" i="0" dirty="0">
-                <a:solidFill>
-                  <a:srgbClr val="000000"/>
-                </a:solidFill>
-                <a:effectLst/>
-                <a:latin typeface="Menlo"/>
-              </a:rPr>
-              <a:t> = </a:t>
-            </a:r>
-            <a:r>
-              <a:rPr lang="en-US" sz="2400" b="0" i="0" dirty="0" err="1">
-                <a:solidFill>
-                  <a:srgbClr val="000000"/>
-                </a:solidFill>
-                <a:effectLst/>
-                <a:latin typeface="Menlo"/>
-              </a:rPr>
-              <a:t>String.</a:t>
-            </a:r>
-            <a:r>
-              <a:rPr lang="en-US" sz="2400" b="0" i="0" dirty="0" err="1">
-                <a:solidFill>
-                  <a:srgbClr val="900606"/>
-                </a:solidFill>
-                <a:effectLst/>
-                <a:latin typeface="Menlo"/>
-              </a:rPr>
-              <a:t>join</a:t>
-            </a:r>
-            <a:r>
-              <a:rPr lang="en-US" sz="2400" b="0" i="0" dirty="0">
-                <a:solidFill>
-                  <a:srgbClr val="000000"/>
-                </a:solidFill>
-                <a:effectLst/>
-                <a:latin typeface="Menlo"/>
-              </a:rPr>
-              <a:t>(</a:t>
-            </a:r>
-            <a:r>
-              <a:rPr lang="en-US" sz="2400" b="0" i="0" dirty="0">
-                <a:solidFill>
-                  <a:srgbClr val="008000"/>
-                </a:solidFill>
-                <a:effectLst/>
-                <a:latin typeface="Menlo"/>
-              </a:rPr>
-              <a:t>"; "</a:t>
-            </a:r>
-            <a:r>
-              <a:rPr lang="en-US" sz="2400" b="0" i="0" dirty="0">
-                <a:solidFill>
-                  <a:srgbClr val="000000"/>
-                </a:solidFill>
-                <a:effectLst/>
-                <a:latin typeface="Menlo"/>
-              </a:rPr>
-              <a:t>, people);</a:t>
-            </a:r>
-            <a:endParaRPr lang="uk-UA" sz="2400" b="0" i="0" dirty="0">
-              <a:solidFill>
-                <a:srgbClr val="000000"/>
-              </a:solidFill>
-              <a:effectLst/>
-              <a:latin typeface="Menlo"/>
-            </a:endParaRPr>
-          </a:p>
-          <a:p>
-            <a:r>
-              <a:rPr lang="en-US" sz="2400" b="0" i="0" dirty="0">
-                <a:solidFill>
-                  <a:srgbClr val="000000"/>
-                </a:solidFill>
-                <a:effectLst/>
-                <a:latin typeface="Menlo"/>
-              </a:rPr>
-              <a:t> </a:t>
-            </a:r>
-            <a:r>
-              <a:rPr lang="en-US" sz="2400" b="0" i="0" dirty="0" err="1">
-                <a:solidFill>
-                  <a:srgbClr val="000000"/>
-                </a:solidFill>
-                <a:effectLst/>
-                <a:latin typeface="Menlo"/>
-              </a:rPr>
-              <a:t>System.out.</a:t>
-            </a:r>
-            <a:r>
-              <a:rPr lang="en-US" sz="2400" b="0" i="0" dirty="0" err="1">
-                <a:solidFill>
-                  <a:srgbClr val="900606"/>
-                </a:solidFill>
-                <a:effectLst/>
-                <a:latin typeface="Menlo"/>
-              </a:rPr>
-              <a:t>println</a:t>
-            </a:r>
-            <a:r>
-              <a:rPr lang="en-US" sz="2400" b="0" i="0" dirty="0">
-                <a:solidFill>
-                  <a:srgbClr val="000000"/>
-                </a:solidFill>
-                <a:effectLst/>
-                <a:latin typeface="Menlo"/>
-              </a:rPr>
-              <a:t>(</a:t>
-            </a:r>
-            <a:r>
-              <a:rPr lang="en-US" sz="2400" b="0" i="0" dirty="0" err="1">
-                <a:solidFill>
-                  <a:srgbClr val="000000"/>
-                </a:solidFill>
-                <a:effectLst/>
-                <a:latin typeface="Menlo"/>
-              </a:rPr>
-              <a:t>peopleString</a:t>
-            </a:r>
-            <a:r>
-              <a:rPr lang="en-US" sz="2400" b="0" i="0" dirty="0">
-                <a:solidFill>
-                  <a:srgbClr val="000000"/>
-                </a:solidFill>
-                <a:effectLst/>
-                <a:latin typeface="Menlo"/>
-              </a:rPr>
-              <a:t>); </a:t>
-            </a:r>
-            <a:endParaRPr lang="uk-UA" sz="2400" b="0" i="0" dirty="0">
-              <a:solidFill>
-                <a:srgbClr val="000000"/>
-              </a:solidFill>
-              <a:effectLst/>
-              <a:latin typeface="Menlo"/>
-            </a:endParaRPr>
-          </a:p>
-          <a:p>
-            <a:r>
-              <a:rPr lang="en-US" sz="2400" b="0" i="0" dirty="0">
-                <a:effectLst/>
-                <a:latin typeface="Menlo"/>
-              </a:rPr>
-              <a:t>/* </a:t>
-            </a:r>
-            <a:r>
-              <a:rPr lang="uk-UA" sz="2400" b="0" i="0" dirty="0">
-                <a:effectLst/>
-                <a:latin typeface="Menlo"/>
-              </a:rPr>
-              <a:t>Консоль: </a:t>
-            </a:r>
-            <a:r>
-              <a:rPr lang="en-US" sz="2400" b="0" i="0" dirty="0">
-                <a:effectLst/>
-                <a:latin typeface="Menlo"/>
-              </a:rPr>
-              <a:t>Philip J. Fry; </a:t>
-            </a:r>
-            <a:r>
-              <a:rPr lang="en-US" sz="2400" b="0" i="0" dirty="0" err="1">
-                <a:effectLst/>
-                <a:latin typeface="Menlo"/>
-              </a:rPr>
-              <a:t>Turanga</a:t>
-            </a:r>
-            <a:r>
-              <a:rPr lang="en-US" sz="2400" b="0" i="0" dirty="0">
-                <a:effectLst/>
-                <a:latin typeface="Menlo"/>
-              </a:rPr>
-              <a:t> Leela; Bender Bending Rodriguez; Hubert Farnsworth; Hermes Conrad; John D. </a:t>
-            </a:r>
-            <a:r>
-              <a:rPr lang="en-US" sz="2400" b="0" i="0" dirty="0" err="1">
-                <a:effectLst/>
-                <a:latin typeface="Menlo"/>
-              </a:rPr>
-              <a:t>Zoidberg</a:t>
-            </a:r>
-            <a:r>
-              <a:rPr lang="en-US" sz="2400" b="0" i="0" dirty="0">
-                <a:effectLst/>
-                <a:latin typeface="Menlo"/>
-              </a:rPr>
-              <a:t>; Amy Wong */</a:t>
-            </a:r>
-            <a:r>
-              <a:rPr lang="en-US" sz="2400" b="0" i="0" dirty="0">
-                <a:solidFill>
-                  <a:srgbClr val="000000"/>
-                </a:solidFill>
-                <a:effectLst/>
-                <a:latin typeface="Menlo"/>
-              </a:rPr>
-              <a:t> }</a:t>
-            </a:r>
-            <a:endParaRPr lang="uk-UA" sz="2400" dirty="0"/>
-          </a:p>
-        </p:txBody>
-      </p:sp>
-    </p:spTree>
-    <p:extLst>
-      <p:ext uri="{BB962C8B-B14F-4D97-AF65-F5344CB8AC3E}">
-        <p14:creationId xmlns:p14="http://schemas.microsoft.com/office/powerpoint/2010/main" val="1618522872"/>
-      </p:ext>
-    </p:extLst>
-  </p:cSld>
-  <p:clrMapOvr>
-    <a:masterClrMapping/>
-  </p:clrMapOvr>
-</p:sld>
-</file>
-
-<file path=ppt/slides/slide15.xml><?xml version="1.0" encoding="utf-8"?>
+<file path=ppt/slides/slide12.xml><?xml version="1.0" encoding="utf-8"?>
 <p:sld xmlns:a="http://schemas.openxmlformats.org/drawingml/2006/main" xmlns:r="http://schemas.openxmlformats.org/officeDocument/2006/relationships" xmlns:p="http://schemas.openxmlformats.org/presentationml/2006/main">
   <p:cSld>
     <p:spTree>
@@ -9876,7 +6402,7 @@
 </p:sld>
 </file>
 
-<file path=ppt/slides/slide16.xml><?xml version="1.0" encoding="utf-8"?>
+<file path=ppt/slides/slide13.xml><?xml version="1.0" encoding="utf-8"?>
 <p:sld xmlns:a="http://schemas.openxmlformats.org/drawingml/2006/main" xmlns:r="http://schemas.openxmlformats.org/officeDocument/2006/relationships" xmlns:p="http://schemas.openxmlformats.org/presentationml/2006/main">
   <p:cSld>
     <p:spTree>
@@ -10406,7 +6932,7 @@
 </p:sld>
 </file>
 
-<file path=ppt/slides/slide17.xml><?xml version="1.0" encoding="utf-8"?>
+<file path=ppt/slides/slide14.xml><?xml version="1.0" encoding="utf-8"?>
 <p:sld xmlns:a="http://schemas.openxmlformats.org/drawingml/2006/main" xmlns:r="http://schemas.openxmlformats.org/officeDocument/2006/relationships" xmlns:p="http://schemas.openxmlformats.org/presentationml/2006/main">
   <p:cSld>
     <p:spTree>
@@ -11239,7 +7765,7 @@
 </p:sld>
 </file>
 
-<file path=ppt/slides/slide18.xml><?xml version="1.0" encoding="utf-8"?>
+<file path=ppt/slides/slide15.xml><?xml version="1.0" encoding="utf-8"?>
 <p:sld xmlns:a="http://schemas.openxmlformats.org/drawingml/2006/main" xmlns:r="http://schemas.openxmlformats.org/officeDocument/2006/relationships" xmlns:p="http://schemas.openxmlformats.org/presentationml/2006/main">
   <p:cSld>
     <p:spTree>
@@ -12045,7 +8571,7 @@
 </p:sld>
 </file>
 
-<file path=ppt/slides/slide19.xml><?xml version="1.0" encoding="utf-8"?>
+<file path=ppt/slides/slide16.xml><?xml version="1.0" encoding="utf-8"?>
 <p:sld xmlns:a="http://schemas.openxmlformats.org/drawingml/2006/main" xmlns:r="http://schemas.openxmlformats.org/officeDocument/2006/relationships" xmlns:p="http://schemas.openxmlformats.org/presentationml/2006/main">
   <p:cSld>
     <p:spTree>
@@ -12733,280 +9259,7 @@
 </p:sld>
 </file>
 
-<file path=ppt/slides/slide2.xml><?xml version="1.0" encoding="utf-8"?>
-<p:sld xmlns:a="http://schemas.openxmlformats.org/drawingml/2006/main" xmlns:r="http://schemas.openxmlformats.org/officeDocument/2006/relationships" xmlns:p="http://schemas.openxmlformats.org/presentationml/2006/main">
-  <p:cSld>
-    <p:spTree>
-      <p:nvGrpSpPr>
-        <p:cNvPr id="1" name=""/>
-        <p:cNvGrpSpPr/>
-        <p:nvPr/>
-      </p:nvGrpSpPr>
-      <p:grpSpPr>
-        <a:xfrm>
-          <a:off x="0" y="0"/>
-          <a:ext cx="0" cy="0"/>
-          <a:chOff x="0" y="0"/>
-          <a:chExt cx="0" cy="0"/>
-        </a:xfrm>
-      </p:grpSpPr>
-      <p:sp>
-        <p:nvSpPr>
-          <p:cNvPr id="3" name="TextBox 2">
-            <a:extLst>
-              <a:ext uri="{FF2B5EF4-FFF2-40B4-BE49-F238E27FC236}">
-                <a16:creationId xmlns:a16="http://schemas.microsoft.com/office/drawing/2014/main" id="{2A2CF9ED-D482-4F02-A3B9-B2923D983A71}"/>
-              </a:ext>
-            </a:extLst>
-          </p:cNvPr>
-          <p:cNvSpPr txBox="1"/>
-          <p:nvPr/>
-        </p:nvSpPr>
-        <p:spPr>
-          <a:xfrm>
-            <a:off x="493486" y="865740"/>
-            <a:ext cx="11422743" cy="954107"/>
-          </a:xfrm>
-          <a:prstGeom prst="rect">
-            <a:avLst/>
-          </a:prstGeom>
-          <a:noFill/>
-        </p:spPr>
-        <p:txBody>
-          <a:bodyPr wrap="square">
-            <a:spAutoFit/>
-          </a:bodyPr>
-          <a:lstStyle/>
-          <a:p>
-            <a:r>
-              <a:rPr lang="uk-UA" sz="2800" dirty="0">
-                <a:latin typeface="Times New Roman" panose="02020603050405020304" pitchFamily="18" charset="0"/>
-                <a:cs typeface="Times New Roman" panose="02020603050405020304" pitchFamily="18" charset="0"/>
-              </a:rPr>
-              <a:t>Клас </a:t>
-            </a:r>
-            <a:r>
-              <a:rPr lang="uk-UA" sz="2800" dirty="0" err="1">
-                <a:latin typeface="Times New Roman" panose="02020603050405020304" pitchFamily="18" charset="0"/>
-                <a:cs typeface="Times New Roman" panose="02020603050405020304" pitchFamily="18" charset="0"/>
-              </a:rPr>
-              <a:t>java.util.Random</a:t>
-            </a:r>
-            <a:r>
-              <a:rPr lang="uk-UA" sz="2800" dirty="0">
-                <a:latin typeface="Times New Roman" panose="02020603050405020304" pitchFamily="18" charset="0"/>
-                <a:cs typeface="Times New Roman" panose="02020603050405020304" pitchFamily="18" charset="0"/>
-              </a:rPr>
-              <a:t> є генератором псевдовипадкових чисел. Клас представлений двома конструкторами</a:t>
-            </a:r>
-          </a:p>
-        </p:txBody>
-      </p:sp>
-      <p:sp>
-        <p:nvSpPr>
-          <p:cNvPr id="4" name="TextBox 3">
-            <a:extLst>
-              <a:ext uri="{FF2B5EF4-FFF2-40B4-BE49-F238E27FC236}">
-                <a16:creationId xmlns:a16="http://schemas.microsoft.com/office/drawing/2014/main" id="{4C80EF6E-0213-402C-A1FA-F40E5896B764}"/>
-              </a:ext>
-            </a:extLst>
-          </p:cNvPr>
-          <p:cNvSpPr txBox="1"/>
-          <p:nvPr/>
-        </p:nvSpPr>
-        <p:spPr>
-          <a:xfrm>
-            <a:off x="0" y="70768"/>
-            <a:ext cx="12122870" cy="707886"/>
-          </a:xfrm>
-          <a:prstGeom prst="rect">
-            <a:avLst/>
-          </a:prstGeom>
-          <a:noFill/>
-        </p:spPr>
-        <p:txBody>
-          <a:bodyPr wrap="square" rtlCol="0">
-            <a:spAutoFit/>
-          </a:bodyPr>
-          <a:lstStyle/>
-          <a:p>
-            <a:pPr algn="ctr"/>
-            <a:r>
-              <a:rPr lang="ru-RU" sz="4000" dirty="0" err="1">
-                <a:latin typeface="Times New Roman" panose="02020603050405020304" pitchFamily="18" charset="0"/>
-                <a:cs typeface="Times New Roman" panose="02020603050405020304" pitchFamily="18" charset="0"/>
-              </a:rPr>
-              <a:t>Клас</a:t>
-            </a:r>
-            <a:r>
-              <a:rPr lang="ru-RU" sz="4000" dirty="0">
-                <a:latin typeface="Times New Roman" panose="02020603050405020304" pitchFamily="18" charset="0"/>
-                <a:cs typeface="Times New Roman" panose="02020603050405020304" pitchFamily="18" charset="0"/>
-              </a:rPr>
-              <a:t> </a:t>
-            </a:r>
-            <a:r>
-              <a:rPr lang="en-US" sz="4000" dirty="0">
-                <a:latin typeface="Times New Roman" panose="02020603050405020304" pitchFamily="18" charset="0"/>
-                <a:cs typeface="Times New Roman" panose="02020603050405020304" pitchFamily="18" charset="0"/>
-              </a:rPr>
-              <a:t>Random. </a:t>
-            </a:r>
-            <a:r>
-              <a:rPr lang="uk-UA" sz="4000" dirty="0">
-                <a:latin typeface="Times New Roman" panose="02020603050405020304" pitchFamily="18" charset="0"/>
-                <a:cs typeface="Times New Roman" panose="02020603050405020304" pitchFamily="18" charset="0"/>
-              </a:rPr>
-              <a:t>Теорія</a:t>
-            </a:r>
-          </a:p>
-        </p:txBody>
-      </p:sp>
-      <p:sp>
-        <p:nvSpPr>
-          <p:cNvPr id="6" name="TextBox 5">
-            <a:extLst>
-              <a:ext uri="{FF2B5EF4-FFF2-40B4-BE49-F238E27FC236}">
-                <a16:creationId xmlns:a16="http://schemas.microsoft.com/office/drawing/2014/main" id="{0992F968-148A-48EC-B904-EA703DE4142B}"/>
-              </a:ext>
-            </a:extLst>
-          </p:cNvPr>
-          <p:cNvSpPr txBox="1"/>
-          <p:nvPr/>
-        </p:nvSpPr>
-        <p:spPr>
-          <a:xfrm>
-            <a:off x="493486" y="2297039"/>
-            <a:ext cx="11629384" cy="1384995"/>
-          </a:xfrm>
-          <a:prstGeom prst="rect">
-            <a:avLst/>
-          </a:prstGeom>
-          <a:noFill/>
-        </p:spPr>
-        <p:txBody>
-          <a:bodyPr wrap="square">
-            <a:spAutoFit/>
-          </a:bodyPr>
-          <a:lstStyle/>
-          <a:p>
-            <a:r>
-              <a:rPr lang="uk-UA" sz="2800" dirty="0" err="1">
-                <a:latin typeface="Times New Roman" panose="02020603050405020304" pitchFamily="18" charset="0"/>
-                <a:cs typeface="Times New Roman" panose="02020603050405020304" pitchFamily="18" charset="0"/>
-              </a:rPr>
-              <a:t>Random</a:t>
-            </a:r>
-            <a:r>
-              <a:rPr lang="uk-UA" sz="2800" dirty="0">
-                <a:latin typeface="Times New Roman" panose="02020603050405020304" pitchFamily="18" charset="0"/>
-                <a:cs typeface="Times New Roman" panose="02020603050405020304" pitchFamily="18" charset="0"/>
-              </a:rPr>
-              <a:t>() – створює генератор чисел, що використовує унікальне початкове число </a:t>
-            </a:r>
-            <a:endParaRPr lang="en-US" sz="2800" dirty="0">
-              <a:latin typeface="Times New Roman" panose="02020603050405020304" pitchFamily="18" charset="0"/>
-              <a:cs typeface="Times New Roman" panose="02020603050405020304" pitchFamily="18" charset="0"/>
-            </a:endParaRPr>
-          </a:p>
-          <a:p>
-            <a:r>
-              <a:rPr lang="uk-UA" sz="2800" dirty="0" err="1">
-                <a:latin typeface="Times New Roman" panose="02020603050405020304" pitchFamily="18" charset="0"/>
-                <a:cs typeface="Times New Roman" panose="02020603050405020304" pitchFamily="18" charset="0"/>
-              </a:rPr>
-              <a:t>Random</a:t>
-            </a:r>
-            <a:r>
-              <a:rPr lang="uk-UA" sz="2800" dirty="0">
-                <a:latin typeface="Times New Roman" panose="02020603050405020304" pitchFamily="18" charset="0"/>
-                <a:cs typeface="Times New Roman" panose="02020603050405020304" pitchFamily="18" charset="0"/>
-              </a:rPr>
-              <a:t>(</a:t>
-            </a:r>
-            <a:r>
-              <a:rPr lang="uk-UA" sz="2800" dirty="0" err="1">
-                <a:latin typeface="Times New Roman" panose="02020603050405020304" pitchFamily="18" charset="0"/>
-                <a:cs typeface="Times New Roman" panose="02020603050405020304" pitchFamily="18" charset="0"/>
-              </a:rPr>
-              <a:t>long</a:t>
-            </a:r>
-            <a:r>
-              <a:rPr lang="uk-UA" sz="2800" dirty="0">
-                <a:latin typeface="Times New Roman" panose="02020603050405020304" pitchFamily="18" charset="0"/>
-                <a:cs typeface="Times New Roman" panose="02020603050405020304" pitchFamily="18" charset="0"/>
-              </a:rPr>
-              <a:t> </a:t>
-            </a:r>
-            <a:r>
-              <a:rPr lang="uk-UA" sz="2800" dirty="0" err="1">
-                <a:latin typeface="Times New Roman" panose="02020603050405020304" pitchFamily="18" charset="0"/>
-                <a:cs typeface="Times New Roman" panose="02020603050405020304" pitchFamily="18" charset="0"/>
-              </a:rPr>
-              <a:t>seed</a:t>
-            </a:r>
-            <a:r>
-              <a:rPr lang="uk-UA" sz="2800" dirty="0">
-                <a:latin typeface="Times New Roman" panose="02020603050405020304" pitchFamily="18" charset="0"/>
-                <a:cs typeface="Times New Roman" panose="02020603050405020304" pitchFamily="18" charset="0"/>
-              </a:rPr>
-              <a:t>) – дозволяє вказати початкове число вручну</a:t>
-            </a:r>
-          </a:p>
-        </p:txBody>
-      </p:sp>
-      <p:sp>
-        <p:nvSpPr>
-          <p:cNvPr id="10" name="TextBox 9">
-            <a:extLst>
-              <a:ext uri="{FF2B5EF4-FFF2-40B4-BE49-F238E27FC236}">
-                <a16:creationId xmlns:a16="http://schemas.microsoft.com/office/drawing/2014/main" id="{9A39BA92-E1CB-45D7-8D8F-57531C6995D3}"/>
-              </a:ext>
-            </a:extLst>
-          </p:cNvPr>
-          <p:cNvSpPr txBox="1"/>
-          <p:nvPr/>
-        </p:nvSpPr>
-        <p:spPr>
-          <a:xfrm>
-            <a:off x="493486" y="4159226"/>
-            <a:ext cx="11422743" cy="2246769"/>
-          </a:xfrm>
-          <a:prstGeom prst="rect">
-            <a:avLst/>
-          </a:prstGeom>
-          <a:noFill/>
-        </p:spPr>
-        <p:txBody>
-          <a:bodyPr wrap="square">
-            <a:spAutoFit/>
-          </a:bodyPr>
-          <a:lstStyle/>
-          <a:p>
-            <a:r>
-              <a:rPr lang="uk-UA" sz="2800" dirty="0">
-                <a:latin typeface="Times New Roman" panose="02020603050405020304" pitchFamily="18" charset="0"/>
-                <a:cs typeface="Times New Roman" panose="02020603050405020304" pitchFamily="18" charset="0"/>
-              </a:rPr>
-              <a:t>Оскільки клас створює псевдовипадкове число, то задавши початкове число, ви визначаєте початкову точку випадкової послідовності. І отримуватимете однакові випадкові послідовності. Щоб уникнути такого збігу, зазвичай використовують другий конструктор з використанням поточного часу як ініціює значення.</a:t>
-            </a:r>
-          </a:p>
-        </p:txBody>
-      </p:sp>
-    </p:spTree>
-    <p:extLst>
-      <p:ext uri="{BB962C8B-B14F-4D97-AF65-F5344CB8AC3E}">
-        <p14:creationId xmlns:p14="http://schemas.microsoft.com/office/powerpoint/2010/main" val="1369563686"/>
-      </p:ext>
-    </p:extLst>
-  </p:cSld>
-  <p:clrMapOvr>
-    <a:masterClrMapping/>
-  </p:clrMapOvr>
-</p:sld>
-</file>
-
-<file path=ppt/slides/slide20.xml><?xml version="1.0" encoding="utf-8"?>
+<file path=ppt/slides/slide17.xml><?xml version="1.0" encoding="utf-8"?>
 <p:sld xmlns:a="http://schemas.openxmlformats.org/drawingml/2006/main" xmlns:r="http://schemas.openxmlformats.org/officeDocument/2006/relationships" xmlns:p="http://schemas.openxmlformats.org/presentationml/2006/main">
   <p:cSld>
     <p:spTree>
@@ -17919,7 +14172,7 @@
 </p:sld>
 </file>
 
-<file path=ppt/slides/slide21.xml><?xml version="1.0" encoding="utf-8"?>
+<file path=ppt/slides/slide18.xml><?xml version="1.0" encoding="utf-8"?>
 <p:sld xmlns:a="http://schemas.openxmlformats.org/drawingml/2006/main" xmlns:r="http://schemas.openxmlformats.org/officeDocument/2006/relationships" xmlns:p="http://schemas.openxmlformats.org/presentationml/2006/main">
   <p:cSld>
     <p:spTree>
@@ -19022,7 +15275,7 @@
 </p:sld>
 </file>
 
-<file path=ppt/slides/slide22.xml><?xml version="1.0" encoding="utf-8"?>
+<file path=ppt/slides/slide19.xml><?xml version="1.0" encoding="utf-8"?>
 <p:sld xmlns:a="http://schemas.openxmlformats.org/drawingml/2006/main" xmlns:r="http://schemas.openxmlformats.org/officeDocument/2006/relationships" xmlns:p="http://schemas.openxmlformats.org/presentationml/2006/main">
   <p:cSld>
     <p:spTree>
@@ -19681,6 +15934,3915 @@
     <p:extLst>
       <p:ext uri="{BB962C8B-B14F-4D97-AF65-F5344CB8AC3E}">
         <p14:creationId xmlns:p14="http://schemas.microsoft.com/office/powerpoint/2010/main" val="2343250247"/>
+      </p:ext>
+    </p:extLst>
+  </p:cSld>
+  <p:clrMapOvr>
+    <a:masterClrMapping/>
+  </p:clrMapOvr>
+</p:sld>
+</file>
+
+<file path=ppt/slides/slide2.xml><?xml version="1.0" encoding="utf-8"?>
+<p:sld xmlns:a="http://schemas.openxmlformats.org/drawingml/2006/main" xmlns:r="http://schemas.openxmlformats.org/officeDocument/2006/relationships" xmlns:p="http://schemas.openxmlformats.org/presentationml/2006/main">
+  <p:cSld>
+    <p:spTree>
+      <p:nvGrpSpPr>
+        <p:cNvPr id="1" name=""/>
+        <p:cNvGrpSpPr/>
+        <p:nvPr/>
+      </p:nvGrpSpPr>
+      <p:grpSpPr>
+        <a:xfrm>
+          <a:off x="0" y="0"/>
+          <a:ext cx="0" cy="0"/>
+          <a:chOff x="0" y="0"/>
+          <a:chExt cx="0" cy="0"/>
+        </a:xfrm>
+      </p:grpSpPr>
+      <p:sp>
+        <p:nvSpPr>
+          <p:cNvPr id="3" name="TextBox 2">
+            <a:extLst>
+              <a:ext uri="{FF2B5EF4-FFF2-40B4-BE49-F238E27FC236}">
+                <a16:creationId xmlns:a16="http://schemas.microsoft.com/office/drawing/2014/main" id="{2A2CF9ED-D482-4F02-A3B9-B2923D983A71}"/>
+              </a:ext>
+            </a:extLst>
+          </p:cNvPr>
+          <p:cNvSpPr txBox="1"/>
+          <p:nvPr/>
+        </p:nvSpPr>
+        <p:spPr>
+          <a:xfrm>
+            <a:off x="493486" y="865740"/>
+            <a:ext cx="11422743" cy="954107"/>
+          </a:xfrm>
+          <a:prstGeom prst="rect">
+            <a:avLst/>
+          </a:prstGeom>
+          <a:noFill/>
+        </p:spPr>
+        <p:txBody>
+          <a:bodyPr wrap="square">
+            <a:spAutoFit/>
+          </a:bodyPr>
+          <a:lstStyle/>
+          <a:p>
+            <a:r>
+              <a:rPr lang="uk-UA" sz="2800" dirty="0">
+                <a:latin typeface="Times New Roman" panose="02020603050405020304" pitchFamily="18" charset="0"/>
+                <a:cs typeface="Times New Roman" panose="02020603050405020304" pitchFamily="18" charset="0"/>
+              </a:rPr>
+              <a:t>Клас </a:t>
+            </a:r>
+            <a:r>
+              <a:rPr lang="uk-UA" sz="2800" dirty="0" err="1">
+                <a:latin typeface="Times New Roman" panose="02020603050405020304" pitchFamily="18" charset="0"/>
+                <a:cs typeface="Times New Roman" panose="02020603050405020304" pitchFamily="18" charset="0"/>
+              </a:rPr>
+              <a:t>java.util.Random</a:t>
+            </a:r>
+            <a:r>
+              <a:rPr lang="uk-UA" sz="2800" dirty="0">
+                <a:latin typeface="Times New Roman" panose="02020603050405020304" pitchFamily="18" charset="0"/>
+                <a:cs typeface="Times New Roman" panose="02020603050405020304" pitchFamily="18" charset="0"/>
+              </a:rPr>
+              <a:t> є генератором псевдовипадкових чисел. Клас представлений двома конструкторами</a:t>
+            </a:r>
+          </a:p>
+        </p:txBody>
+      </p:sp>
+      <p:sp>
+        <p:nvSpPr>
+          <p:cNvPr id="4" name="TextBox 3">
+            <a:extLst>
+              <a:ext uri="{FF2B5EF4-FFF2-40B4-BE49-F238E27FC236}">
+                <a16:creationId xmlns:a16="http://schemas.microsoft.com/office/drawing/2014/main" id="{4C80EF6E-0213-402C-A1FA-F40E5896B764}"/>
+              </a:ext>
+            </a:extLst>
+          </p:cNvPr>
+          <p:cNvSpPr txBox="1"/>
+          <p:nvPr/>
+        </p:nvSpPr>
+        <p:spPr>
+          <a:xfrm>
+            <a:off x="0" y="70768"/>
+            <a:ext cx="12122870" cy="707886"/>
+          </a:xfrm>
+          <a:prstGeom prst="rect">
+            <a:avLst/>
+          </a:prstGeom>
+          <a:noFill/>
+        </p:spPr>
+        <p:txBody>
+          <a:bodyPr wrap="square" rtlCol="0">
+            <a:spAutoFit/>
+          </a:bodyPr>
+          <a:lstStyle/>
+          <a:p>
+            <a:pPr algn="ctr"/>
+            <a:r>
+              <a:rPr lang="ru-RU" sz="4000" dirty="0" err="1">
+                <a:latin typeface="Times New Roman" panose="02020603050405020304" pitchFamily="18" charset="0"/>
+                <a:cs typeface="Times New Roman" panose="02020603050405020304" pitchFamily="18" charset="0"/>
+              </a:rPr>
+              <a:t>Клас</a:t>
+            </a:r>
+            <a:r>
+              <a:rPr lang="ru-RU" sz="4000" dirty="0">
+                <a:latin typeface="Times New Roman" panose="02020603050405020304" pitchFamily="18" charset="0"/>
+                <a:cs typeface="Times New Roman" panose="02020603050405020304" pitchFamily="18" charset="0"/>
+              </a:rPr>
+              <a:t> </a:t>
+            </a:r>
+            <a:r>
+              <a:rPr lang="en-US" sz="4000" dirty="0">
+                <a:latin typeface="Times New Roman" panose="02020603050405020304" pitchFamily="18" charset="0"/>
+                <a:cs typeface="Times New Roman" panose="02020603050405020304" pitchFamily="18" charset="0"/>
+              </a:rPr>
+              <a:t>Random. </a:t>
+            </a:r>
+            <a:r>
+              <a:rPr lang="uk-UA" sz="4000" dirty="0">
+                <a:latin typeface="Times New Roman" panose="02020603050405020304" pitchFamily="18" charset="0"/>
+                <a:cs typeface="Times New Roman" panose="02020603050405020304" pitchFamily="18" charset="0"/>
+              </a:rPr>
+              <a:t>Теорія</a:t>
+            </a:r>
+          </a:p>
+        </p:txBody>
+      </p:sp>
+      <p:sp>
+        <p:nvSpPr>
+          <p:cNvPr id="6" name="TextBox 5">
+            <a:extLst>
+              <a:ext uri="{FF2B5EF4-FFF2-40B4-BE49-F238E27FC236}">
+                <a16:creationId xmlns:a16="http://schemas.microsoft.com/office/drawing/2014/main" id="{0992F968-148A-48EC-B904-EA703DE4142B}"/>
+              </a:ext>
+            </a:extLst>
+          </p:cNvPr>
+          <p:cNvSpPr txBox="1"/>
+          <p:nvPr/>
+        </p:nvSpPr>
+        <p:spPr>
+          <a:xfrm>
+            <a:off x="493486" y="2297039"/>
+            <a:ext cx="11629384" cy="1384995"/>
+          </a:xfrm>
+          <a:prstGeom prst="rect">
+            <a:avLst/>
+          </a:prstGeom>
+          <a:noFill/>
+        </p:spPr>
+        <p:txBody>
+          <a:bodyPr wrap="square">
+            <a:spAutoFit/>
+          </a:bodyPr>
+          <a:lstStyle/>
+          <a:p>
+            <a:r>
+              <a:rPr lang="uk-UA" sz="2800" dirty="0" err="1">
+                <a:latin typeface="Times New Roman" panose="02020603050405020304" pitchFamily="18" charset="0"/>
+                <a:cs typeface="Times New Roman" panose="02020603050405020304" pitchFamily="18" charset="0"/>
+              </a:rPr>
+              <a:t>Random</a:t>
+            </a:r>
+            <a:r>
+              <a:rPr lang="uk-UA" sz="2800" dirty="0">
+                <a:latin typeface="Times New Roman" panose="02020603050405020304" pitchFamily="18" charset="0"/>
+                <a:cs typeface="Times New Roman" panose="02020603050405020304" pitchFamily="18" charset="0"/>
+              </a:rPr>
+              <a:t>() – створює генератор чисел, що використовує унікальне початкове число </a:t>
+            </a:r>
+            <a:endParaRPr lang="en-US" sz="2800" dirty="0">
+              <a:latin typeface="Times New Roman" panose="02020603050405020304" pitchFamily="18" charset="0"/>
+              <a:cs typeface="Times New Roman" panose="02020603050405020304" pitchFamily="18" charset="0"/>
+            </a:endParaRPr>
+          </a:p>
+          <a:p>
+            <a:r>
+              <a:rPr lang="uk-UA" sz="2800" dirty="0" err="1">
+                <a:latin typeface="Times New Roman" panose="02020603050405020304" pitchFamily="18" charset="0"/>
+                <a:cs typeface="Times New Roman" panose="02020603050405020304" pitchFamily="18" charset="0"/>
+              </a:rPr>
+              <a:t>Random</a:t>
+            </a:r>
+            <a:r>
+              <a:rPr lang="uk-UA" sz="2800" dirty="0">
+                <a:latin typeface="Times New Roman" panose="02020603050405020304" pitchFamily="18" charset="0"/>
+                <a:cs typeface="Times New Roman" panose="02020603050405020304" pitchFamily="18" charset="0"/>
+              </a:rPr>
+              <a:t>(</a:t>
+            </a:r>
+            <a:r>
+              <a:rPr lang="uk-UA" sz="2800" dirty="0" err="1">
+                <a:latin typeface="Times New Roman" panose="02020603050405020304" pitchFamily="18" charset="0"/>
+                <a:cs typeface="Times New Roman" panose="02020603050405020304" pitchFamily="18" charset="0"/>
+              </a:rPr>
+              <a:t>long</a:t>
+            </a:r>
+            <a:r>
+              <a:rPr lang="uk-UA" sz="2800" dirty="0">
+                <a:latin typeface="Times New Roman" panose="02020603050405020304" pitchFamily="18" charset="0"/>
+                <a:cs typeface="Times New Roman" panose="02020603050405020304" pitchFamily="18" charset="0"/>
+              </a:rPr>
+              <a:t> </a:t>
+            </a:r>
+            <a:r>
+              <a:rPr lang="uk-UA" sz="2800" dirty="0" err="1">
+                <a:latin typeface="Times New Roman" panose="02020603050405020304" pitchFamily="18" charset="0"/>
+                <a:cs typeface="Times New Roman" panose="02020603050405020304" pitchFamily="18" charset="0"/>
+              </a:rPr>
+              <a:t>seed</a:t>
+            </a:r>
+            <a:r>
+              <a:rPr lang="uk-UA" sz="2800" dirty="0">
+                <a:latin typeface="Times New Roman" panose="02020603050405020304" pitchFamily="18" charset="0"/>
+                <a:cs typeface="Times New Roman" panose="02020603050405020304" pitchFamily="18" charset="0"/>
+              </a:rPr>
+              <a:t>) – дозволяє вказати початкове число вручну</a:t>
+            </a:r>
+          </a:p>
+        </p:txBody>
+      </p:sp>
+      <p:sp>
+        <p:nvSpPr>
+          <p:cNvPr id="10" name="TextBox 9">
+            <a:extLst>
+              <a:ext uri="{FF2B5EF4-FFF2-40B4-BE49-F238E27FC236}">
+                <a16:creationId xmlns:a16="http://schemas.microsoft.com/office/drawing/2014/main" id="{9A39BA92-E1CB-45D7-8D8F-57531C6995D3}"/>
+              </a:ext>
+            </a:extLst>
+          </p:cNvPr>
+          <p:cNvSpPr txBox="1"/>
+          <p:nvPr/>
+        </p:nvSpPr>
+        <p:spPr>
+          <a:xfrm>
+            <a:off x="493486" y="4159226"/>
+            <a:ext cx="11422743" cy="2246769"/>
+          </a:xfrm>
+          <a:prstGeom prst="rect">
+            <a:avLst/>
+          </a:prstGeom>
+          <a:noFill/>
+        </p:spPr>
+        <p:txBody>
+          <a:bodyPr wrap="square">
+            <a:spAutoFit/>
+          </a:bodyPr>
+          <a:lstStyle/>
+          <a:p>
+            <a:r>
+              <a:rPr lang="uk-UA" sz="2800" dirty="0">
+                <a:latin typeface="Times New Roman" panose="02020603050405020304" pitchFamily="18" charset="0"/>
+                <a:cs typeface="Times New Roman" panose="02020603050405020304" pitchFamily="18" charset="0"/>
+              </a:rPr>
+              <a:t>Оскільки клас створює псевдовипадкове число, то задавши початкове число, ви визначаєте початкову точку випадкової послідовності. І отримуватимете однакові випадкові послідовності. Щоб уникнути такого збігу, зазвичай використовують другий конструктор з використанням поточного часу як ініціює значення.</a:t>
+            </a:r>
+          </a:p>
+        </p:txBody>
+      </p:sp>
+    </p:spTree>
+    <p:extLst>
+      <p:ext uri="{BB962C8B-B14F-4D97-AF65-F5344CB8AC3E}">
+        <p14:creationId xmlns:p14="http://schemas.microsoft.com/office/powerpoint/2010/main" val="1369563686"/>
+      </p:ext>
+    </p:extLst>
+  </p:cSld>
+  <p:clrMapOvr>
+    <a:masterClrMapping/>
+  </p:clrMapOvr>
+</p:sld>
+</file>
+
+<file path=ppt/slides/slide20.xml><?xml version="1.0" encoding="utf-8"?>
+<p:sld xmlns:a="http://schemas.openxmlformats.org/drawingml/2006/main" xmlns:r="http://schemas.openxmlformats.org/officeDocument/2006/relationships" xmlns:p="http://schemas.openxmlformats.org/presentationml/2006/main">
+  <p:cSld>
+    <p:spTree>
+      <p:nvGrpSpPr>
+        <p:cNvPr id="1" name=""/>
+        <p:cNvGrpSpPr/>
+        <p:nvPr/>
+      </p:nvGrpSpPr>
+      <p:grpSpPr>
+        <a:xfrm>
+          <a:off x="0" y="0"/>
+          <a:ext cx="0" cy="0"/>
+          <a:chOff x="0" y="0"/>
+          <a:chExt cx="0" cy="0"/>
+        </a:xfrm>
+      </p:grpSpPr>
+      <p:sp>
+        <p:nvSpPr>
+          <p:cNvPr id="2" name="TextBox 1">
+            <a:extLst>
+              <a:ext uri="{FF2B5EF4-FFF2-40B4-BE49-F238E27FC236}">
+                <a16:creationId xmlns:a16="http://schemas.microsoft.com/office/drawing/2014/main" id="{D2861CD8-F5AE-4B22-8A7E-9FA353A342BF}"/>
+              </a:ext>
+            </a:extLst>
+          </p:cNvPr>
+          <p:cNvSpPr txBox="1"/>
+          <p:nvPr/>
+        </p:nvSpPr>
+        <p:spPr>
+          <a:xfrm>
+            <a:off x="0" y="145272"/>
+            <a:ext cx="12192000" cy="1323439"/>
+          </a:xfrm>
+          <a:prstGeom prst="rect">
+            <a:avLst/>
+          </a:prstGeom>
+          <a:noFill/>
+        </p:spPr>
+        <p:txBody>
+          <a:bodyPr wrap="square">
+            <a:spAutoFit/>
+          </a:bodyPr>
+          <a:lstStyle/>
+          <a:p>
+            <a:pPr algn="ctr"/>
+            <a:r>
+              <a:rPr lang="uk-UA" sz="4000" dirty="0">
+                <a:latin typeface="Times New Roman" panose="02020603050405020304" pitchFamily="18" charset="0"/>
+                <a:cs typeface="Times New Roman" panose="02020603050405020304" pitchFamily="18" charset="0"/>
+              </a:rPr>
+              <a:t>Клас </a:t>
+            </a:r>
+            <a:r>
+              <a:rPr lang="en-US" sz="4000" dirty="0">
+                <a:latin typeface="Times New Roman" panose="02020603050405020304" pitchFamily="18" charset="0"/>
+                <a:cs typeface="Times New Roman" panose="02020603050405020304" pitchFamily="18" charset="0"/>
+              </a:rPr>
+              <a:t>String</a:t>
+            </a:r>
+            <a:r>
+              <a:rPr lang="uk-UA" sz="4000" dirty="0">
+                <a:latin typeface="Times New Roman" panose="02020603050405020304" pitchFamily="18" charset="0"/>
+                <a:cs typeface="Times New Roman" panose="02020603050405020304" pitchFamily="18" charset="0"/>
+              </a:rPr>
+              <a:t>.</a:t>
+            </a:r>
+            <a:r>
+              <a:rPr lang="ru-RU" sz="4000" dirty="0">
+                <a:latin typeface="Times New Roman" panose="02020603050405020304" pitchFamily="18" charset="0"/>
+                <a:cs typeface="Times New Roman" panose="02020603050405020304" pitchFamily="18" charset="0"/>
+              </a:rPr>
+              <a:t> Переклад </a:t>
+            </a:r>
+            <a:r>
+              <a:rPr lang="ru-RU" sz="4000" dirty="0" err="1">
+                <a:latin typeface="Times New Roman" panose="02020603050405020304" pitchFamily="18" charset="0"/>
+                <a:cs typeface="Times New Roman" panose="02020603050405020304" pitchFamily="18" charset="0"/>
+              </a:rPr>
+              <a:t>колекції</a:t>
+            </a:r>
+            <a:r>
+              <a:rPr lang="ru-RU" sz="4000" dirty="0">
+                <a:latin typeface="Times New Roman" panose="02020603050405020304" pitchFamily="18" charset="0"/>
+                <a:cs typeface="Times New Roman" panose="02020603050405020304" pitchFamily="18" charset="0"/>
+              </a:rPr>
+              <a:t> </a:t>
+            </a:r>
+            <a:r>
+              <a:rPr lang="ru-RU" sz="4000" dirty="0" err="1">
+                <a:latin typeface="Times New Roman" panose="02020603050405020304" pitchFamily="18" charset="0"/>
+                <a:cs typeface="Times New Roman" panose="02020603050405020304" pitchFamily="18" charset="0"/>
+              </a:rPr>
+              <a:t>рядків</a:t>
+            </a:r>
+            <a:r>
+              <a:rPr lang="ru-RU" sz="4000" dirty="0">
+                <a:latin typeface="Times New Roman" panose="02020603050405020304" pitchFamily="18" charset="0"/>
+                <a:cs typeface="Times New Roman" panose="02020603050405020304" pitchFamily="18" charset="0"/>
+              </a:rPr>
+              <a:t> до рядкового </a:t>
+            </a:r>
+            <a:r>
+              <a:rPr lang="ru-RU" sz="4000" dirty="0" err="1">
+                <a:latin typeface="Times New Roman" panose="02020603050405020304" pitchFamily="18" charset="0"/>
+                <a:cs typeface="Times New Roman" panose="02020603050405020304" pitchFamily="18" charset="0"/>
+              </a:rPr>
+              <a:t>подання</a:t>
+            </a:r>
+            <a:r>
+              <a:rPr lang="en-US" sz="4000" dirty="0">
+                <a:latin typeface="Times New Roman" panose="02020603050405020304" pitchFamily="18" charset="0"/>
+                <a:cs typeface="Times New Roman" panose="02020603050405020304" pitchFamily="18" charset="0"/>
+              </a:rPr>
+              <a:t> </a:t>
+            </a:r>
+            <a:endParaRPr lang="uk-UA" sz="4000" dirty="0">
+              <a:latin typeface="Times New Roman" panose="02020603050405020304" pitchFamily="18" charset="0"/>
+              <a:cs typeface="Times New Roman" panose="02020603050405020304" pitchFamily="18" charset="0"/>
+            </a:endParaRPr>
+          </a:p>
+        </p:txBody>
+      </p:sp>
+      <p:sp>
+        <p:nvSpPr>
+          <p:cNvPr id="4" name="TextBox 3">
+            <a:extLst>
+              <a:ext uri="{FF2B5EF4-FFF2-40B4-BE49-F238E27FC236}">
+                <a16:creationId xmlns:a16="http://schemas.microsoft.com/office/drawing/2014/main" id="{63D87E51-52F3-4B62-A5FC-7D33FC9508FF}"/>
+              </a:ext>
+            </a:extLst>
+          </p:cNvPr>
+          <p:cNvSpPr txBox="1"/>
+          <p:nvPr/>
+        </p:nvSpPr>
+        <p:spPr>
+          <a:xfrm>
+            <a:off x="6711884" y="1659285"/>
+            <a:ext cx="5389775" cy="4401205"/>
+          </a:xfrm>
+          <a:prstGeom prst="rect">
+            <a:avLst/>
+          </a:prstGeom>
+          <a:noFill/>
+        </p:spPr>
+        <p:txBody>
+          <a:bodyPr wrap="square">
+            <a:spAutoFit/>
+          </a:bodyPr>
+          <a:lstStyle/>
+          <a:p>
+            <a:r>
+              <a:rPr lang="uk-UA" sz="2800" dirty="0">
+                <a:latin typeface="Times New Roman" panose="02020603050405020304" pitchFamily="18" charset="0"/>
+                <a:cs typeface="Times New Roman" panose="02020603050405020304" pitchFamily="18" charset="0"/>
+              </a:rPr>
+              <a:t>Якщо потрібно перетворити всі елементи деякої колекції рядків до рядкового подання через довільний роздільник, можна використовувати такі методи класу </a:t>
+            </a:r>
+            <a:r>
+              <a:rPr lang="uk-UA" sz="2800" dirty="0" err="1">
+                <a:latin typeface="Times New Roman" panose="02020603050405020304" pitchFamily="18" charset="0"/>
+                <a:cs typeface="Times New Roman" panose="02020603050405020304" pitchFamily="18" charset="0"/>
+              </a:rPr>
+              <a:t>String</a:t>
+            </a:r>
+            <a:r>
+              <a:rPr lang="uk-UA" sz="2800" dirty="0">
+                <a:latin typeface="Times New Roman" panose="02020603050405020304" pitchFamily="18" charset="0"/>
+                <a:cs typeface="Times New Roman" panose="02020603050405020304" pitchFamily="18" charset="0"/>
+              </a:rPr>
+              <a:t> </a:t>
+            </a:r>
+            <a:r>
+              <a:rPr lang="uk-UA" sz="2800" dirty="0" err="1">
+                <a:latin typeface="Times New Roman" panose="02020603050405020304" pitchFamily="18" charset="0"/>
+                <a:cs typeface="Times New Roman" panose="02020603050405020304" pitchFamily="18" charset="0"/>
+              </a:rPr>
+              <a:t>Java</a:t>
+            </a:r>
+            <a:r>
+              <a:rPr lang="uk-UA" sz="2800" dirty="0">
+                <a:latin typeface="Times New Roman" panose="02020603050405020304" pitchFamily="18" charset="0"/>
+                <a:cs typeface="Times New Roman" panose="02020603050405020304" pitchFamily="18" charset="0"/>
+              </a:rPr>
+              <a:t>: </a:t>
+            </a:r>
+            <a:r>
+              <a:rPr lang="uk-UA" sz="2800" dirty="0" err="1">
+                <a:latin typeface="Times New Roman" panose="02020603050405020304" pitchFamily="18" charset="0"/>
+                <a:cs typeface="Times New Roman" panose="02020603050405020304" pitchFamily="18" charset="0"/>
+              </a:rPr>
+              <a:t>join</a:t>
+            </a:r>
+            <a:r>
+              <a:rPr lang="uk-UA" sz="2800" dirty="0">
+                <a:latin typeface="Times New Roman" panose="02020603050405020304" pitchFamily="18" charset="0"/>
+                <a:cs typeface="Times New Roman" panose="02020603050405020304" pitchFamily="18" charset="0"/>
+              </a:rPr>
+              <a:t>(</a:t>
+            </a:r>
+            <a:r>
+              <a:rPr lang="uk-UA" sz="2800" dirty="0" err="1">
+                <a:latin typeface="Times New Roman" panose="02020603050405020304" pitchFamily="18" charset="0"/>
+                <a:cs typeface="Times New Roman" panose="02020603050405020304" pitchFamily="18" charset="0"/>
+              </a:rPr>
+              <a:t>CharSequence</a:t>
+            </a:r>
+            <a:r>
+              <a:rPr lang="uk-UA" sz="2800" dirty="0">
+                <a:latin typeface="Times New Roman" panose="02020603050405020304" pitchFamily="18" charset="0"/>
+                <a:cs typeface="Times New Roman" panose="02020603050405020304" pitchFamily="18" charset="0"/>
+              </a:rPr>
+              <a:t> </a:t>
+            </a:r>
+            <a:r>
+              <a:rPr lang="uk-UA" sz="2800" dirty="0" err="1">
+                <a:latin typeface="Times New Roman" panose="02020603050405020304" pitchFamily="18" charset="0"/>
+                <a:cs typeface="Times New Roman" panose="02020603050405020304" pitchFamily="18" charset="0"/>
+              </a:rPr>
+              <a:t>delimiter</a:t>
+            </a:r>
+            <a:r>
+              <a:rPr lang="uk-UA" sz="2800" dirty="0">
+                <a:latin typeface="Times New Roman" panose="02020603050405020304" pitchFamily="18" charset="0"/>
+                <a:cs typeface="Times New Roman" panose="02020603050405020304" pitchFamily="18" charset="0"/>
+              </a:rPr>
+              <a:t>, </a:t>
+            </a:r>
+            <a:r>
+              <a:rPr lang="uk-UA" sz="2800" dirty="0" err="1">
+                <a:latin typeface="Times New Roman" panose="02020603050405020304" pitchFamily="18" charset="0"/>
+                <a:cs typeface="Times New Roman" panose="02020603050405020304" pitchFamily="18" charset="0"/>
+              </a:rPr>
+              <a:t>CharSequence</a:t>
+            </a:r>
+            <a:r>
+              <a:rPr lang="uk-UA" sz="2800" dirty="0">
+                <a:latin typeface="Times New Roman" panose="02020603050405020304" pitchFamily="18" charset="0"/>
+                <a:cs typeface="Times New Roman" panose="02020603050405020304" pitchFamily="18" charset="0"/>
+              </a:rPr>
+              <a:t>... </a:t>
+            </a:r>
+            <a:r>
+              <a:rPr lang="uk-UA" sz="2800" dirty="0" err="1">
+                <a:latin typeface="Times New Roman" panose="02020603050405020304" pitchFamily="18" charset="0"/>
+                <a:cs typeface="Times New Roman" panose="02020603050405020304" pitchFamily="18" charset="0"/>
+              </a:rPr>
+              <a:t>elements</a:t>
+            </a:r>
+            <a:r>
+              <a:rPr lang="uk-UA" sz="2800" dirty="0">
+                <a:latin typeface="Times New Roman" panose="02020603050405020304" pitchFamily="18" charset="0"/>
+                <a:cs typeface="Times New Roman" panose="02020603050405020304" pitchFamily="18" charset="0"/>
+              </a:rPr>
+              <a:t>) роздільник елементів, а </a:t>
+            </a:r>
+            <a:r>
+              <a:rPr lang="uk-UA" sz="2800" dirty="0" err="1">
+                <a:latin typeface="Times New Roman" panose="02020603050405020304" pitchFamily="18" charset="0"/>
+                <a:cs typeface="Times New Roman" panose="02020603050405020304" pitchFamily="18" charset="0"/>
+              </a:rPr>
+              <a:t>elements</a:t>
+            </a:r>
+            <a:r>
+              <a:rPr lang="uk-UA" sz="2800" dirty="0">
+                <a:latin typeface="Times New Roman" panose="02020603050405020304" pitchFamily="18" charset="0"/>
+                <a:cs typeface="Times New Roman" panose="02020603050405020304" pitchFamily="18" charset="0"/>
+              </a:rPr>
+              <a:t> - масив рядків</a:t>
+            </a:r>
+          </a:p>
+        </p:txBody>
+      </p:sp>
+      <p:sp>
+        <p:nvSpPr>
+          <p:cNvPr id="5" name="TextBox 4">
+            <a:extLst>
+              <a:ext uri="{FF2B5EF4-FFF2-40B4-BE49-F238E27FC236}">
+                <a16:creationId xmlns:a16="http://schemas.microsoft.com/office/drawing/2014/main" id="{DE38206D-FF8B-4512-ABFC-E7A26BE05AE9}"/>
+              </a:ext>
+            </a:extLst>
+          </p:cNvPr>
+          <p:cNvSpPr txBox="1"/>
+          <p:nvPr/>
+        </p:nvSpPr>
+        <p:spPr>
+          <a:xfrm>
+            <a:off x="188535" y="1720840"/>
+            <a:ext cx="5907465" cy="4524315"/>
+          </a:xfrm>
+          <a:prstGeom prst="rect">
+            <a:avLst/>
+          </a:prstGeom>
+          <a:noFill/>
+        </p:spPr>
+        <p:txBody>
+          <a:bodyPr wrap="square" rtlCol="0">
+            <a:spAutoFit/>
+          </a:bodyPr>
+          <a:lstStyle/>
+          <a:p>
+            <a:r>
+              <a:rPr lang="en-US" sz="2400" b="1" i="0" dirty="0">
+                <a:solidFill>
+                  <a:srgbClr val="000080"/>
+                </a:solidFill>
+                <a:effectLst/>
+                <a:latin typeface="Menlo"/>
+              </a:rPr>
+              <a:t>public</a:t>
+            </a:r>
+            <a:r>
+              <a:rPr lang="en-US" sz="2400" b="0" i="0" dirty="0">
+                <a:solidFill>
+                  <a:srgbClr val="000000"/>
+                </a:solidFill>
+                <a:effectLst/>
+                <a:latin typeface="Menlo"/>
+              </a:rPr>
+              <a:t> </a:t>
+            </a:r>
+            <a:r>
+              <a:rPr lang="en-US" sz="2400" b="1" i="0" dirty="0">
+                <a:solidFill>
+                  <a:srgbClr val="000080"/>
+                </a:solidFill>
+                <a:effectLst/>
+                <a:latin typeface="Menlo"/>
+              </a:rPr>
+              <a:t>static</a:t>
+            </a:r>
+            <a:r>
+              <a:rPr lang="en-US" sz="2400" b="0" i="0" dirty="0">
+                <a:solidFill>
+                  <a:srgbClr val="000000"/>
+                </a:solidFill>
+                <a:effectLst/>
+                <a:latin typeface="Menlo"/>
+              </a:rPr>
+              <a:t> </a:t>
+            </a:r>
+            <a:r>
+              <a:rPr lang="en-US" sz="2400" b="1" i="0" dirty="0">
+                <a:solidFill>
+                  <a:srgbClr val="000080"/>
+                </a:solidFill>
+                <a:effectLst/>
+                <a:latin typeface="Menlo"/>
+              </a:rPr>
+              <a:t>void</a:t>
+            </a:r>
+            <a:r>
+              <a:rPr lang="en-US" sz="2400" b="0" i="0" dirty="0">
+                <a:solidFill>
+                  <a:srgbClr val="000000"/>
+                </a:solidFill>
+                <a:effectLst/>
+                <a:latin typeface="Menlo"/>
+              </a:rPr>
+              <a:t> </a:t>
+            </a:r>
+            <a:r>
+              <a:rPr lang="en-US" sz="2400" b="0" i="0" dirty="0">
+                <a:solidFill>
+                  <a:srgbClr val="900606"/>
+                </a:solidFill>
+                <a:effectLst/>
+                <a:latin typeface="Menlo"/>
+              </a:rPr>
+              <a:t>main</a:t>
+            </a:r>
+            <a:r>
+              <a:rPr lang="en-US" sz="2400" b="0" i="0" dirty="0">
+                <a:solidFill>
+                  <a:srgbClr val="000000"/>
+                </a:solidFill>
+                <a:effectLst/>
+                <a:latin typeface="Menlo"/>
+              </a:rPr>
+              <a:t>(String[] </a:t>
+            </a:r>
+            <a:r>
+              <a:rPr lang="en-US" sz="2400" b="0" i="0" dirty="0" err="1">
+                <a:solidFill>
+                  <a:srgbClr val="000000"/>
+                </a:solidFill>
+                <a:effectLst/>
+                <a:latin typeface="Menlo"/>
+              </a:rPr>
+              <a:t>args</a:t>
+            </a:r>
+            <a:r>
+              <a:rPr lang="en-US" sz="2400" b="0" i="0" dirty="0">
+                <a:solidFill>
+                  <a:srgbClr val="000000"/>
+                </a:solidFill>
+                <a:effectLst/>
+                <a:latin typeface="Menlo"/>
+              </a:rPr>
+              <a:t>) { </a:t>
+            </a:r>
+            <a:endParaRPr lang="uk-UA" sz="2400" b="0" i="0" dirty="0">
+              <a:solidFill>
+                <a:srgbClr val="000000"/>
+              </a:solidFill>
+              <a:effectLst/>
+              <a:latin typeface="Menlo"/>
+            </a:endParaRPr>
+          </a:p>
+          <a:p>
+            <a:r>
+              <a:rPr lang="en-US" sz="2400" b="0" i="0" dirty="0">
+                <a:solidFill>
+                  <a:srgbClr val="000000"/>
+                </a:solidFill>
+                <a:effectLst/>
+                <a:latin typeface="Menlo"/>
+              </a:rPr>
+              <a:t>List&lt;String&gt; people = </a:t>
+            </a:r>
+            <a:r>
+              <a:rPr lang="en-US" sz="2400" b="0" i="0" dirty="0" err="1">
+                <a:solidFill>
+                  <a:srgbClr val="000000"/>
+                </a:solidFill>
+                <a:effectLst/>
+                <a:latin typeface="Menlo"/>
+              </a:rPr>
+              <a:t>Arrays.</a:t>
+            </a:r>
+            <a:r>
+              <a:rPr lang="en-US" sz="2400" b="0" i="0" dirty="0" err="1">
+                <a:solidFill>
+                  <a:srgbClr val="900606"/>
+                </a:solidFill>
+                <a:effectLst/>
+                <a:latin typeface="Menlo"/>
+              </a:rPr>
+              <a:t>asList</a:t>
+            </a:r>
+            <a:r>
+              <a:rPr lang="en-US" sz="2400" b="0" i="0" dirty="0">
+                <a:solidFill>
+                  <a:srgbClr val="000000"/>
+                </a:solidFill>
+                <a:effectLst/>
+                <a:latin typeface="Menlo"/>
+              </a:rPr>
+              <a:t>( </a:t>
+            </a:r>
+            <a:endParaRPr lang="uk-UA" sz="2400" b="0" i="0" dirty="0">
+              <a:solidFill>
+                <a:srgbClr val="000000"/>
+              </a:solidFill>
+              <a:effectLst/>
+              <a:latin typeface="Menlo"/>
+            </a:endParaRPr>
+          </a:p>
+          <a:p>
+            <a:r>
+              <a:rPr lang="en-US" sz="2400" b="0" i="0" dirty="0">
+                <a:solidFill>
+                  <a:srgbClr val="008000"/>
+                </a:solidFill>
+                <a:effectLst/>
+                <a:latin typeface="Menlo"/>
+              </a:rPr>
+              <a:t>"Philip J. Fry"</a:t>
+            </a:r>
+            <a:r>
+              <a:rPr lang="en-US" sz="2400" b="0" i="0" dirty="0">
+                <a:solidFill>
+                  <a:srgbClr val="000000"/>
+                </a:solidFill>
+                <a:effectLst/>
+                <a:latin typeface="Menlo"/>
+              </a:rPr>
+              <a:t>, </a:t>
+            </a:r>
+            <a:r>
+              <a:rPr lang="en-US" sz="2400" b="0" i="0" dirty="0">
+                <a:solidFill>
+                  <a:srgbClr val="008000"/>
+                </a:solidFill>
+                <a:effectLst/>
+                <a:latin typeface="Menlo"/>
+              </a:rPr>
+              <a:t>"</a:t>
+            </a:r>
+            <a:r>
+              <a:rPr lang="en-US" sz="2400" b="0" i="0" dirty="0" err="1">
+                <a:solidFill>
+                  <a:srgbClr val="008000"/>
+                </a:solidFill>
+                <a:effectLst/>
+                <a:latin typeface="Menlo"/>
+              </a:rPr>
+              <a:t>Turanga</a:t>
+            </a:r>
+            <a:r>
+              <a:rPr lang="en-US" sz="2400" b="0" i="0" dirty="0">
+                <a:solidFill>
+                  <a:srgbClr val="008000"/>
+                </a:solidFill>
+                <a:effectLst/>
+                <a:latin typeface="Menlo"/>
+              </a:rPr>
+              <a:t> Leela"</a:t>
+            </a:r>
+            <a:r>
+              <a:rPr lang="en-US" sz="2400" b="0" i="0" dirty="0">
+                <a:solidFill>
+                  <a:srgbClr val="000000"/>
+                </a:solidFill>
+                <a:effectLst/>
+                <a:latin typeface="Menlo"/>
+              </a:rPr>
+              <a:t>, </a:t>
+            </a:r>
+            <a:endParaRPr lang="uk-UA" sz="2400" b="0" i="0" dirty="0">
+              <a:solidFill>
+                <a:srgbClr val="000000"/>
+              </a:solidFill>
+              <a:effectLst/>
+              <a:latin typeface="Menlo"/>
+            </a:endParaRPr>
+          </a:p>
+          <a:p>
+            <a:r>
+              <a:rPr lang="en-US" sz="2400" b="0" i="0" dirty="0">
+                <a:solidFill>
+                  <a:srgbClr val="008000"/>
+                </a:solidFill>
+                <a:effectLst/>
+                <a:latin typeface="Menlo"/>
+              </a:rPr>
+              <a:t>"Bender Bending Rodriguez"</a:t>
+            </a:r>
+            <a:r>
+              <a:rPr lang="en-US" sz="2400" b="0" i="0" dirty="0">
+                <a:solidFill>
+                  <a:srgbClr val="000000"/>
+                </a:solidFill>
+                <a:effectLst/>
+                <a:latin typeface="Menlo"/>
+              </a:rPr>
+              <a:t>, </a:t>
+            </a:r>
+            <a:endParaRPr lang="uk-UA" sz="2400" b="0" i="0" dirty="0">
+              <a:solidFill>
+                <a:srgbClr val="000000"/>
+              </a:solidFill>
+              <a:effectLst/>
+              <a:latin typeface="Menlo"/>
+            </a:endParaRPr>
+          </a:p>
+          <a:p>
+            <a:r>
+              <a:rPr lang="en-US" sz="2400" b="0" i="0" dirty="0">
+                <a:solidFill>
+                  <a:srgbClr val="008000"/>
+                </a:solidFill>
+                <a:effectLst/>
+                <a:latin typeface="Menlo"/>
+              </a:rPr>
+              <a:t>"Hubert Farnsworth"</a:t>
+            </a:r>
+            <a:r>
+              <a:rPr lang="en-US" sz="2400" b="0" i="0" dirty="0">
+                <a:solidFill>
+                  <a:srgbClr val="000000"/>
+                </a:solidFill>
+                <a:effectLst/>
+                <a:latin typeface="Menlo"/>
+              </a:rPr>
+              <a:t>, </a:t>
+            </a:r>
+            <a:r>
+              <a:rPr lang="en-US" sz="2400" b="0" i="0" dirty="0">
+                <a:solidFill>
+                  <a:srgbClr val="008000"/>
+                </a:solidFill>
+                <a:effectLst/>
+                <a:latin typeface="Menlo"/>
+              </a:rPr>
+              <a:t>"Hermes Conrad"</a:t>
+            </a:r>
+            <a:r>
+              <a:rPr lang="en-US" sz="2400" b="0" i="0" dirty="0">
+                <a:solidFill>
+                  <a:srgbClr val="000000"/>
+                </a:solidFill>
+                <a:effectLst/>
+                <a:latin typeface="Menlo"/>
+              </a:rPr>
+              <a:t>,</a:t>
+            </a:r>
+            <a:endParaRPr lang="uk-UA" sz="2400" b="0" i="0" dirty="0">
+              <a:solidFill>
+                <a:srgbClr val="000000"/>
+              </a:solidFill>
+              <a:effectLst/>
+              <a:latin typeface="Menlo"/>
+            </a:endParaRPr>
+          </a:p>
+          <a:p>
+            <a:r>
+              <a:rPr lang="en-US" sz="2400" b="0" i="0" dirty="0">
+                <a:solidFill>
+                  <a:srgbClr val="000000"/>
+                </a:solidFill>
+                <a:effectLst/>
+                <a:latin typeface="Menlo"/>
+              </a:rPr>
+              <a:t> </a:t>
+            </a:r>
+            <a:r>
+              <a:rPr lang="en-US" sz="2400" b="0" i="0" dirty="0">
+                <a:solidFill>
+                  <a:srgbClr val="008000"/>
+                </a:solidFill>
+                <a:effectLst/>
+                <a:latin typeface="Menlo"/>
+              </a:rPr>
+              <a:t>"John D. </a:t>
+            </a:r>
+            <a:r>
+              <a:rPr lang="en-US" sz="2400" b="0" i="0" dirty="0" err="1">
+                <a:solidFill>
+                  <a:srgbClr val="008000"/>
+                </a:solidFill>
+                <a:effectLst/>
+                <a:latin typeface="Menlo"/>
+              </a:rPr>
+              <a:t>Zoidberg</a:t>
+            </a:r>
+            <a:r>
+              <a:rPr lang="en-US" sz="2400" b="0" i="0" dirty="0">
+                <a:solidFill>
+                  <a:srgbClr val="008000"/>
+                </a:solidFill>
+                <a:effectLst/>
+                <a:latin typeface="Menlo"/>
+              </a:rPr>
+              <a:t>"</a:t>
+            </a:r>
+            <a:r>
+              <a:rPr lang="en-US" sz="2400" b="0" i="0" dirty="0">
+                <a:solidFill>
+                  <a:srgbClr val="000000"/>
+                </a:solidFill>
+                <a:effectLst/>
+                <a:latin typeface="Menlo"/>
+              </a:rPr>
+              <a:t>, </a:t>
+            </a:r>
+            <a:r>
+              <a:rPr lang="en-US" sz="2400" b="0" i="0" dirty="0">
+                <a:solidFill>
+                  <a:srgbClr val="008000"/>
+                </a:solidFill>
+                <a:effectLst/>
+                <a:latin typeface="Menlo"/>
+              </a:rPr>
+              <a:t>"Amy Wong"</a:t>
+            </a:r>
+            <a:r>
+              <a:rPr lang="en-US" sz="2400" b="0" i="0" dirty="0">
+                <a:solidFill>
+                  <a:srgbClr val="000000"/>
+                </a:solidFill>
+                <a:effectLst/>
+                <a:latin typeface="Menlo"/>
+              </a:rPr>
+              <a:t> ); </a:t>
+            </a:r>
+            <a:endParaRPr lang="uk-UA" sz="2400" b="0" i="0" dirty="0">
+              <a:solidFill>
+                <a:srgbClr val="000000"/>
+              </a:solidFill>
+              <a:effectLst/>
+              <a:latin typeface="Menlo"/>
+            </a:endParaRPr>
+          </a:p>
+          <a:p>
+            <a:r>
+              <a:rPr lang="en-US" sz="2400" b="0" i="0" dirty="0">
+                <a:solidFill>
+                  <a:srgbClr val="000000"/>
+                </a:solidFill>
+                <a:effectLst/>
+                <a:latin typeface="Menlo"/>
+              </a:rPr>
+              <a:t>String </a:t>
+            </a:r>
+            <a:r>
+              <a:rPr lang="en-US" sz="2400" b="0" i="0" dirty="0" err="1">
+                <a:solidFill>
+                  <a:srgbClr val="000000"/>
+                </a:solidFill>
+                <a:effectLst/>
+                <a:latin typeface="Menlo"/>
+              </a:rPr>
+              <a:t>peopleString</a:t>
+            </a:r>
+            <a:r>
+              <a:rPr lang="en-US" sz="2400" b="0" i="0" dirty="0">
+                <a:solidFill>
+                  <a:srgbClr val="000000"/>
+                </a:solidFill>
+                <a:effectLst/>
+                <a:latin typeface="Menlo"/>
+              </a:rPr>
+              <a:t> = </a:t>
+            </a:r>
+            <a:r>
+              <a:rPr lang="en-US" sz="2400" b="0" i="0" dirty="0" err="1">
+                <a:solidFill>
+                  <a:srgbClr val="000000"/>
+                </a:solidFill>
+                <a:effectLst/>
+                <a:latin typeface="Menlo"/>
+              </a:rPr>
+              <a:t>String.</a:t>
+            </a:r>
+            <a:r>
+              <a:rPr lang="en-US" sz="2400" b="0" i="0" dirty="0" err="1">
+                <a:solidFill>
+                  <a:srgbClr val="900606"/>
+                </a:solidFill>
+                <a:effectLst/>
+                <a:latin typeface="Menlo"/>
+              </a:rPr>
+              <a:t>join</a:t>
+            </a:r>
+            <a:r>
+              <a:rPr lang="en-US" sz="2400" b="0" i="0" dirty="0">
+                <a:solidFill>
+                  <a:srgbClr val="000000"/>
+                </a:solidFill>
+                <a:effectLst/>
+                <a:latin typeface="Menlo"/>
+              </a:rPr>
+              <a:t>(</a:t>
+            </a:r>
+            <a:r>
+              <a:rPr lang="en-US" sz="2400" b="0" i="0" dirty="0">
+                <a:solidFill>
+                  <a:srgbClr val="008000"/>
+                </a:solidFill>
+                <a:effectLst/>
+                <a:latin typeface="Menlo"/>
+              </a:rPr>
+              <a:t>"; "</a:t>
+            </a:r>
+            <a:r>
+              <a:rPr lang="en-US" sz="2400" b="0" i="0" dirty="0">
+                <a:solidFill>
+                  <a:srgbClr val="000000"/>
+                </a:solidFill>
+                <a:effectLst/>
+                <a:latin typeface="Menlo"/>
+              </a:rPr>
+              <a:t>, people);</a:t>
+            </a:r>
+            <a:endParaRPr lang="uk-UA" sz="2400" b="0" i="0" dirty="0">
+              <a:solidFill>
+                <a:srgbClr val="000000"/>
+              </a:solidFill>
+              <a:effectLst/>
+              <a:latin typeface="Menlo"/>
+            </a:endParaRPr>
+          </a:p>
+          <a:p>
+            <a:r>
+              <a:rPr lang="en-US" sz="2400" b="0" i="0" dirty="0">
+                <a:solidFill>
+                  <a:srgbClr val="000000"/>
+                </a:solidFill>
+                <a:effectLst/>
+                <a:latin typeface="Menlo"/>
+              </a:rPr>
+              <a:t> </a:t>
+            </a:r>
+            <a:r>
+              <a:rPr lang="en-US" sz="2400" b="0" i="0" dirty="0" err="1">
+                <a:solidFill>
+                  <a:srgbClr val="000000"/>
+                </a:solidFill>
+                <a:effectLst/>
+                <a:latin typeface="Menlo"/>
+              </a:rPr>
+              <a:t>System.out.</a:t>
+            </a:r>
+            <a:r>
+              <a:rPr lang="en-US" sz="2400" b="0" i="0" dirty="0" err="1">
+                <a:solidFill>
+                  <a:srgbClr val="900606"/>
+                </a:solidFill>
+                <a:effectLst/>
+                <a:latin typeface="Menlo"/>
+              </a:rPr>
+              <a:t>println</a:t>
+            </a:r>
+            <a:r>
+              <a:rPr lang="en-US" sz="2400" b="0" i="0" dirty="0">
+                <a:solidFill>
+                  <a:srgbClr val="000000"/>
+                </a:solidFill>
+                <a:effectLst/>
+                <a:latin typeface="Menlo"/>
+              </a:rPr>
+              <a:t>(</a:t>
+            </a:r>
+            <a:r>
+              <a:rPr lang="en-US" sz="2400" b="0" i="0" dirty="0" err="1">
+                <a:solidFill>
+                  <a:srgbClr val="000000"/>
+                </a:solidFill>
+                <a:effectLst/>
+                <a:latin typeface="Menlo"/>
+              </a:rPr>
+              <a:t>peopleString</a:t>
+            </a:r>
+            <a:r>
+              <a:rPr lang="en-US" sz="2400" b="0" i="0" dirty="0">
+                <a:solidFill>
+                  <a:srgbClr val="000000"/>
+                </a:solidFill>
+                <a:effectLst/>
+                <a:latin typeface="Menlo"/>
+              </a:rPr>
+              <a:t>); </a:t>
+            </a:r>
+            <a:endParaRPr lang="uk-UA" sz="2400" b="0" i="0" dirty="0">
+              <a:solidFill>
+                <a:srgbClr val="000000"/>
+              </a:solidFill>
+              <a:effectLst/>
+              <a:latin typeface="Menlo"/>
+            </a:endParaRPr>
+          </a:p>
+          <a:p>
+            <a:r>
+              <a:rPr lang="en-US" sz="2400" b="0" i="0" dirty="0">
+                <a:effectLst/>
+                <a:latin typeface="Menlo"/>
+              </a:rPr>
+              <a:t>/* </a:t>
+            </a:r>
+            <a:r>
+              <a:rPr lang="uk-UA" sz="2400" b="0" i="0" dirty="0">
+                <a:effectLst/>
+                <a:latin typeface="Menlo"/>
+              </a:rPr>
+              <a:t>Консоль: </a:t>
+            </a:r>
+            <a:r>
+              <a:rPr lang="en-US" sz="2400" b="0" i="0" dirty="0">
+                <a:effectLst/>
+                <a:latin typeface="Menlo"/>
+              </a:rPr>
+              <a:t>Philip J. Fry; </a:t>
+            </a:r>
+            <a:r>
+              <a:rPr lang="en-US" sz="2400" b="0" i="0" dirty="0" err="1">
+                <a:effectLst/>
+                <a:latin typeface="Menlo"/>
+              </a:rPr>
+              <a:t>Turanga</a:t>
+            </a:r>
+            <a:r>
+              <a:rPr lang="en-US" sz="2400" b="0" i="0" dirty="0">
+                <a:effectLst/>
+                <a:latin typeface="Menlo"/>
+              </a:rPr>
+              <a:t> Leela; Bender Bending Rodriguez; Hubert Farnsworth; Hermes Conrad; John D. </a:t>
+            </a:r>
+            <a:r>
+              <a:rPr lang="en-US" sz="2400" b="0" i="0" dirty="0" err="1">
+                <a:effectLst/>
+                <a:latin typeface="Menlo"/>
+              </a:rPr>
+              <a:t>Zoidberg</a:t>
+            </a:r>
+            <a:r>
+              <a:rPr lang="en-US" sz="2400" b="0" i="0" dirty="0">
+                <a:effectLst/>
+                <a:latin typeface="Menlo"/>
+              </a:rPr>
+              <a:t>; Amy Wong */</a:t>
+            </a:r>
+            <a:r>
+              <a:rPr lang="en-US" sz="2400" b="0" i="0" dirty="0">
+                <a:solidFill>
+                  <a:srgbClr val="000000"/>
+                </a:solidFill>
+                <a:effectLst/>
+                <a:latin typeface="Menlo"/>
+              </a:rPr>
+              <a:t> }</a:t>
+            </a:r>
+            <a:endParaRPr lang="uk-UA" sz="2400" dirty="0"/>
+          </a:p>
+        </p:txBody>
+      </p:sp>
+    </p:spTree>
+    <p:extLst>
+      <p:ext uri="{BB962C8B-B14F-4D97-AF65-F5344CB8AC3E}">
+        <p14:creationId xmlns:p14="http://schemas.microsoft.com/office/powerpoint/2010/main" val="1618522872"/>
+      </p:ext>
+    </p:extLst>
+  </p:cSld>
+  <p:clrMapOvr>
+    <a:masterClrMapping/>
+  </p:clrMapOvr>
+</p:sld>
+</file>
+
+<file path=ppt/slides/slide21.xml><?xml version="1.0" encoding="utf-8"?>
+<p:sld xmlns:a="http://schemas.openxmlformats.org/drawingml/2006/main" xmlns:r="http://schemas.openxmlformats.org/officeDocument/2006/relationships" xmlns:p="http://schemas.openxmlformats.org/presentationml/2006/main">
+  <p:cSld>
+    <p:spTree>
+      <p:nvGrpSpPr>
+        <p:cNvPr id="1" name=""/>
+        <p:cNvGrpSpPr/>
+        <p:nvPr/>
+      </p:nvGrpSpPr>
+      <p:grpSpPr>
+        <a:xfrm>
+          <a:off x="0" y="0"/>
+          <a:ext cx="0" cy="0"/>
+          <a:chOff x="0" y="0"/>
+          <a:chExt cx="0" cy="0"/>
+        </a:xfrm>
+      </p:grpSpPr>
+      <p:sp>
+        <p:nvSpPr>
+          <p:cNvPr id="3" name="TextBox 2">
+            <a:extLst>
+              <a:ext uri="{FF2B5EF4-FFF2-40B4-BE49-F238E27FC236}">
+                <a16:creationId xmlns:a16="http://schemas.microsoft.com/office/drawing/2014/main" id="{3EAA7D44-2E15-467B-B925-1B027419BAF8}"/>
+              </a:ext>
+            </a:extLst>
+          </p:cNvPr>
+          <p:cNvSpPr txBox="1"/>
+          <p:nvPr/>
+        </p:nvSpPr>
+        <p:spPr>
+          <a:xfrm>
+            <a:off x="0" y="145272"/>
+            <a:ext cx="12192000" cy="707886"/>
+          </a:xfrm>
+          <a:prstGeom prst="rect">
+            <a:avLst/>
+          </a:prstGeom>
+          <a:noFill/>
+        </p:spPr>
+        <p:txBody>
+          <a:bodyPr wrap="square">
+            <a:spAutoFit/>
+          </a:bodyPr>
+          <a:lstStyle/>
+          <a:p>
+            <a:pPr algn="ctr"/>
+            <a:r>
+              <a:rPr lang="uk-UA" sz="4000" dirty="0">
+                <a:latin typeface="Times New Roman" panose="02020603050405020304" pitchFamily="18" charset="0"/>
+                <a:cs typeface="Times New Roman" panose="02020603050405020304" pitchFamily="18" charset="0"/>
+              </a:rPr>
+              <a:t>Клас </a:t>
+            </a:r>
+            <a:r>
+              <a:rPr lang="en-US" sz="4000" dirty="0">
+                <a:latin typeface="Times New Roman" panose="02020603050405020304" pitchFamily="18" charset="0"/>
+                <a:cs typeface="Times New Roman" panose="02020603050405020304" pitchFamily="18" charset="0"/>
+              </a:rPr>
+              <a:t>String</a:t>
+            </a:r>
+            <a:r>
+              <a:rPr lang="ru-RU" sz="4000" dirty="0">
+                <a:latin typeface="Times New Roman" panose="02020603050405020304" pitchFamily="18" charset="0"/>
+                <a:cs typeface="Times New Roman" panose="02020603050405020304" pitchFamily="18" charset="0"/>
+              </a:rPr>
+              <a:t>. </a:t>
+            </a:r>
+            <a:r>
+              <a:rPr lang="ru-RU" sz="4000" dirty="0" err="1">
+                <a:latin typeface="Times New Roman" panose="02020603050405020304" pitchFamily="18" charset="0"/>
+                <a:cs typeface="Times New Roman" panose="02020603050405020304" pitchFamily="18" charset="0"/>
+              </a:rPr>
+              <a:t>Переведення</a:t>
+            </a:r>
+            <a:r>
+              <a:rPr lang="ru-RU" sz="4000" dirty="0">
+                <a:latin typeface="Times New Roman" panose="02020603050405020304" pitchFamily="18" charset="0"/>
+                <a:cs typeface="Times New Roman" panose="02020603050405020304" pitchFamily="18" charset="0"/>
+              </a:rPr>
+              <a:t> </a:t>
+            </a:r>
+            <a:r>
+              <a:rPr lang="ru-RU" sz="4000" dirty="0" err="1">
+                <a:latin typeface="Times New Roman" panose="02020603050405020304" pitchFamily="18" charset="0"/>
+                <a:cs typeface="Times New Roman" panose="02020603050405020304" pitchFamily="18" charset="0"/>
+              </a:rPr>
+              <a:t>об'єкта</a:t>
+            </a:r>
+            <a:r>
+              <a:rPr lang="ru-RU" sz="4000" dirty="0">
+                <a:latin typeface="Times New Roman" panose="02020603050405020304" pitchFamily="18" charset="0"/>
+                <a:cs typeface="Times New Roman" panose="02020603050405020304" pitchFamily="18" charset="0"/>
+              </a:rPr>
+              <a:t>/</a:t>
+            </a:r>
+            <a:r>
+              <a:rPr lang="ru-RU" sz="4000" dirty="0" err="1">
+                <a:latin typeface="Times New Roman" panose="02020603050405020304" pitchFamily="18" charset="0"/>
+                <a:cs typeface="Times New Roman" panose="02020603050405020304" pitchFamily="18" charset="0"/>
+              </a:rPr>
+              <a:t>примітиву</a:t>
+            </a:r>
+            <a:r>
+              <a:rPr lang="ru-RU" sz="4000" dirty="0">
+                <a:latin typeface="Times New Roman" panose="02020603050405020304" pitchFamily="18" charset="0"/>
+                <a:cs typeface="Times New Roman" panose="02020603050405020304" pitchFamily="18" charset="0"/>
+              </a:rPr>
+              <a:t> до рядка</a:t>
+            </a:r>
+            <a:endParaRPr lang="uk-UA" sz="4000" dirty="0">
+              <a:latin typeface="Times New Roman" panose="02020603050405020304" pitchFamily="18" charset="0"/>
+              <a:cs typeface="Times New Roman" panose="02020603050405020304" pitchFamily="18" charset="0"/>
+            </a:endParaRPr>
+          </a:p>
+        </p:txBody>
+      </p:sp>
+      <p:sp>
+        <p:nvSpPr>
+          <p:cNvPr id="9" name="TextBox 8">
+            <a:extLst>
+              <a:ext uri="{FF2B5EF4-FFF2-40B4-BE49-F238E27FC236}">
+                <a16:creationId xmlns:a16="http://schemas.microsoft.com/office/drawing/2014/main" id="{7EB124C7-32DB-4AC3-87C1-BEB5DFD2DC89}"/>
+              </a:ext>
+            </a:extLst>
+          </p:cNvPr>
+          <p:cNvSpPr txBox="1"/>
+          <p:nvPr/>
+        </p:nvSpPr>
+        <p:spPr>
+          <a:xfrm>
+            <a:off x="350363" y="6004842"/>
+            <a:ext cx="11491273" cy="707886"/>
+          </a:xfrm>
+          <a:prstGeom prst="rect">
+            <a:avLst/>
+          </a:prstGeom>
+          <a:noFill/>
+        </p:spPr>
+        <p:txBody>
+          <a:bodyPr wrap="square" rtlCol="0">
+            <a:spAutoFit/>
+          </a:bodyPr>
+          <a:lstStyle/>
+          <a:p>
+            <a:r>
+              <a:rPr lang="ru-RU" sz="2000" dirty="0"/>
+              <a:t>Для перекладу </a:t>
+            </a:r>
+            <a:r>
+              <a:rPr lang="ru-RU" sz="2000" dirty="0" err="1"/>
+              <a:t>екземпляра</a:t>
+            </a:r>
+            <a:r>
+              <a:rPr lang="ru-RU" sz="2000" dirty="0"/>
+              <a:t> будь-</a:t>
+            </a:r>
+            <a:r>
+              <a:rPr lang="ru-RU" sz="2000" dirty="0" err="1"/>
+              <a:t>якого</a:t>
+            </a:r>
+            <a:r>
+              <a:rPr lang="ru-RU" sz="2000" dirty="0"/>
+              <a:t> Java-</a:t>
+            </a:r>
+            <a:r>
+              <a:rPr lang="ru-RU" sz="2000" dirty="0" err="1"/>
+              <a:t>класу</a:t>
+            </a:r>
+            <a:r>
+              <a:rPr lang="ru-RU" sz="2000" dirty="0"/>
+              <a:t> </a:t>
+            </a:r>
+            <a:r>
+              <a:rPr lang="ru-RU" sz="2000" dirty="0" err="1"/>
+              <a:t>або</a:t>
+            </a:r>
+            <a:r>
+              <a:rPr lang="ru-RU" sz="2000" dirty="0"/>
+              <a:t> будь-</a:t>
+            </a:r>
+            <a:r>
+              <a:rPr lang="ru-RU" sz="2000" dirty="0" err="1"/>
+              <a:t>якого</a:t>
+            </a:r>
+            <a:r>
+              <a:rPr lang="ru-RU" sz="2000" dirty="0"/>
+              <a:t> </a:t>
+            </a:r>
+            <a:r>
+              <a:rPr lang="ru-RU" sz="2000" dirty="0" err="1"/>
+              <a:t>примітивного</a:t>
+            </a:r>
+            <a:r>
+              <a:rPr lang="ru-RU" sz="2000" dirty="0"/>
+              <a:t> типу </a:t>
+            </a:r>
+            <a:r>
+              <a:rPr lang="ru-RU" sz="2000" dirty="0" err="1"/>
+              <a:t>даних</a:t>
+            </a:r>
+            <a:r>
+              <a:rPr lang="ru-RU" sz="2000" dirty="0"/>
+              <a:t> до рядкового </a:t>
+            </a:r>
+            <a:r>
+              <a:rPr lang="ru-RU" sz="2000" dirty="0" err="1"/>
+              <a:t>подання</a:t>
+            </a:r>
+            <a:r>
+              <a:rPr lang="ru-RU" sz="2000" dirty="0"/>
+              <a:t> </a:t>
+            </a:r>
+            <a:r>
+              <a:rPr lang="ru-RU" sz="2000" dirty="0" err="1"/>
+              <a:t>можна</a:t>
+            </a:r>
+            <a:r>
+              <a:rPr lang="ru-RU" sz="2000" dirty="0"/>
+              <a:t> </a:t>
+            </a:r>
+            <a:r>
+              <a:rPr lang="ru-RU" sz="2000" dirty="0" err="1"/>
+              <a:t>використовувати</a:t>
+            </a:r>
+            <a:r>
+              <a:rPr lang="ru-RU" sz="2000" dirty="0"/>
+              <a:t> метод </a:t>
+            </a:r>
+            <a:r>
+              <a:rPr lang="ru-RU" sz="2000" dirty="0" err="1"/>
+              <a:t>String.valueOf</a:t>
+            </a:r>
+            <a:r>
+              <a:rPr lang="ru-RU" sz="2000" dirty="0"/>
+              <a:t>():</a:t>
+            </a:r>
+            <a:endParaRPr lang="uk-UA" sz="2000" dirty="0"/>
+          </a:p>
+        </p:txBody>
+      </p:sp>
+      <p:sp>
+        <p:nvSpPr>
+          <p:cNvPr id="10" name="TextBox 9">
+            <a:extLst>
+              <a:ext uri="{FF2B5EF4-FFF2-40B4-BE49-F238E27FC236}">
+                <a16:creationId xmlns:a16="http://schemas.microsoft.com/office/drawing/2014/main" id="{F78BA279-79B2-4F99-8C5A-5FED510073B5}"/>
+              </a:ext>
+            </a:extLst>
+          </p:cNvPr>
+          <p:cNvSpPr txBox="1"/>
+          <p:nvPr/>
+        </p:nvSpPr>
+        <p:spPr>
+          <a:xfrm>
+            <a:off x="7298819" y="950001"/>
+            <a:ext cx="4542817" cy="2554545"/>
+          </a:xfrm>
+          <a:prstGeom prst="rect">
+            <a:avLst/>
+          </a:prstGeom>
+          <a:noFill/>
+        </p:spPr>
+        <p:txBody>
+          <a:bodyPr wrap="square" rtlCol="0">
+            <a:spAutoFit/>
+          </a:bodyPr>
+          <a:lstStyle/>
+          <a:p>
+            <a:r>
+              <a:rPr lang="en-US" sz="2000" b="1" i="0" dirty="0">
+                <a:solidFill>
+                  <a:srgbClr val="000080"/>
+                </a:solidFill>
+                <a:effectLst/>
+                <a:latin typeface="Menlo"/>
+              </a:rPr>
+              <a:t>static</a:t>
+            </a:r>
+            <a:r>
+              <a:rPr lang="en-US" sz="2000" b="0" i="0" dirty="0">
+                <a:solidFill>
+                  <a:srgbClr val="000000"/>
+                </a:solidFill>
+                <a:effectLst/>
+                <a:latin typeface="Menlo"/>
+              </a:rPr>
+              <a:t> </a:t>
+            </a:r>
+            <a:r>
+              <a:rPr lang="en-US" sz="2000" b="1" i="0" dirty="0">
+                <a:solidFill>
+                  <a:srgbClr val="000080"/>
+                </a:solidFill>
+                <a:effectLst/>
+                <a:latin typeface="Menlo"/>
+              </a:rPr>
+              <a:t>class</a:t>
+            </a:r>
+            <a:r>
+              <a:rPr lang="en-US" sz="2000" b="0" i="0" dirty="0">
+                <a:solidFill>
+                  <a:srgbClr val="000000"/>
+                </a:solidFill>
+                <a:effectLst/>
+                <a:latin typeface="Menlo"/>
+              </a:rPr>
+              <a:t> Human { </a:t>
+            </a:r>
+            <a:endParaRPr lang="uk-UA" sz="2000" b="0" i="0" dirty="0">
+              <a:solidFill>
+                <a:srgbClr val="000000"/>
+              </a:solidFill>
+              <a:effectLst/>
+              <a:latin typeface="Menlo"/>
+            </a:endParaRPr>
+          </a:p>
+          <a:p>
+            <a:r>
+              <a:rPr lang="en-US" sz="2000" b="1" i="0" dirty="0">
+                <a:solidFill>
+                  <a:srgbClr val="000080"/>
+                </a:solidFill>
+                <a:effectLst/>
+                <a:latin typeface="Menlo"/>
+              </a:rPr>
+              <a:t>private</a:t>
+            </a:r>
+            <a:r>
+              <a:rPr lang="en-US" sz="2000" b="0" i="0" dirty="0">
+                <a:solidFill>
+                  <a:srgbClr val="000000"/>
+                </a:solidFill>
+                <a:effectLst/>
+                <a:latin typeface="Menlo"/>
+              </a:rPr>
+              <a:t> String name; </a:t>
+            </a:r>
+            <a:endParaRPr lang="uk-UA" sz="2000" b="0" i="0" dirty="0">
+              <a:solidFill>
+                <a:srgbClr val="000000"/>
+              </a:solidFill>
+              <a:effectLst/>
+              <a:latin typeface="Menlo"/>
+            </a:endParaRPr>
+          </a:p>
+          <a:p>
+            <a:r>
+              <a:rPr lang="en-US" sz="2000" b="1" i="0" dirty="0">
+                <a:solidFill>
+                  <a:srgbClr val="000080"/>
+                </a:solidFill>
+                <a:effectLst/>
+                <a:latin typeface="Menlo"/>
+              </a:rPr>
+              <a:t>public</a:t>
+            </a:r>
+            <a:r>
+              <a:rPr lang="en-US" sz="2000" b="0" i="0" dirty="0">
+                <a:solidFill>
+                  <a:srgbClr val="000000"/>
+                </a:solidFill>
+                <a:effectLst/>
+                <a:latin typeface="Menlo"/>
+              </a:rPr>
+              <a:t> Human(String name) {</a:t>
+            </a:r>
+            <a:endParaRPr lang="uk-UA" sz="2000" b="0" i="0" dirty="0">
+              <a:solidFill>
+                <a:srgbClr val="000000"/>
+              </a:solidFill>
+              <a:effectLst/>
+              <a:latin typeface="Menlo"/>
+            </a:endParaRPr>
+          </a:p>
+          <a:p>
+            <a:r>
+              <a:rPr lang="en-US" sz="2000" b="0" i="0" dirty="0">
+                <a:solidFill>
+                  <a:srgbClr val="000000"/>
+                </a:solidFill>
+                <a:effectLst/>
+                <a:latin typeface="Menlo"/>
+              </a:rPr>
+              <a:t> </a:t>
+            </a:r>
+            <a:r>
+              <a:rPr lang="en-US" sz="2000" b="1" i="0" dirty="0">
+                <a:solidFill>
+                  <a:srgbClr val="000080"/>
+                </a:solidFill>
+                <a:effectLst/>
+                <a:latin typeface="Menlo"/>
+              </a:rPr>
+              <a:t>this</a:t>
+            </a:r>
+            <a:r>
+              <a:rPr lang="en-US" sz="2000" b="0" i="0" dirty="0">
+                <a:solidFill>
+                  <a:srgbClr val="000000"/>
+                </a:solidFill>
+                <a:effectLst/>
+                <a:latin typeface="Menlo"/>
+              </a:rPr>
+              <a:t>.name = name; } </a:t>
+            </a:r>
+            <a:endParaRPr lang="uk-UA" sz="2000" b="0" i="0" dirty="0">
+              <a:solidFill>
+                <a:srgbClr val="000000"/>
+              </a:solidFill>
+              <a:effectLst/>
+              <a:latin typeface="Menlo"/>
+            </a:endParaRPr>
+          </a:p>
+          <a:p>
+            <a:r>
+              <a:rPr lang="en-US" sz="2000" b="0" i="0" dirty="0">
+                <a:solidFill>
+                  <a:srgbClr val="808000"/>
+                </a:solidFill>
+                <a:effectLst/>
+                <a:latin typeface="Menlo"/>
+              </a:rPr>
+              <a:t>@Override</a:t>
+            </a:r>
+            <a:r>
+              <a:rPr lang="en-US" sz="2000" b="0" i="0" dirty="0">
+                <a:solidFill>
+                  <a:srgbClr val="000000"/>
+                </a:solidFill>
+                <a:effectLst/>
+                <a:latin typeface="Menlo"/>
+              </a:rPr>
+              <a:t> </a:t>
+            </a:r>
+            <a:r>
+              <a:rPr lang="en-US" sz="2000" b="1" i="0" dirty="0">
+                <a:solidFill>
+                  <a:srgbClr val="000080"/>
+                </a:solidFill>
+                <a:effectLst/>
+                <a:latin typeface="Menlo"/>
+              </a:rPr>
+              <a:t>public</a:t>
+            </a:r>
+            <a:r>
+              <a:rPr lang="en-US" sz="2000" b="0" i="0" dirty="0">
+                <a:solidFill>
+                  <a:srgbClr val="000000"/>
+                </a:solidFill>
+                <a:effectLst/>
+                <a:latin typeface="Menlo"/>
+              </a:rPr>
+              <a:t> String </a:t>
+            </a:r>
+            <a:r>
+              <a:rPr lang="en-US" sz="2000" b="0" i="0" dirty="0" err="1">
+                <a:solidFill>
+                  <a:srgbClr val="900606"/>
+                </a:solidFill>
+                <a:effectLst/>
+                <a:latin typeface="Menlo"/>
+              </a:rPr>
+              <a:t>toString</a:t>
+            </a:r>
+            <a:r>
+              <a:rPr lang="en-US" sz="2000" b="0" i="0" dirty="0">
+                <a:solidFill>
+                  <a:srgbClr val="000000"/>
+                </a:solidFill>
+                <a:effectLst/>
+                <a:latin typeface="Menlo"/>
+              </a:rPr>
+              <a:t>() </a:t>
+            </a:r>
+            <a:endParaRPr lang="uk-UA" sz="2000" b="0" i="0" dirty="0">
+              <a:solidFill>
+                <a:srgbClr val="000000"/>
+              </a:solidFill>
+              <a:effectLst/>
+              <a:latin typeface="Menlo"/>
+            </a:endParaRPr>
+          </a:p>
+          <a:p>
+            <a:r>
+              <a:rPr lang="en-US" sz="2000" b="0" i="0" dirty="0">
+                <a:solidFill>
+                  <a:srgbClr val="000000"/>
+                </a:solidFill>
+                <a:effectLst/>
+                <a:latin typeface="Menlo"/>
+              </a:rPr>
+              <a:t>{ </a:t>
+            </a:r>
+            <a:r>
+              <a:rPr lang="en-US" sz="2000" b="1" i="0" dirty="0">
+                <a:solidFill>
+                  <a:srgbClr val="000080"/>
+                </a:solidFill>
+                <a:effectLst/>
+                <a:latin typeface="Menlo"/>
+              </a:rPr>
+              <a:t>return</a:t>
+            </a:r>
+            <a:r>
+              <a:rPr lang="en-US" sz="2000" b="0" i="0" dirty="0">
+                <a:solidFill>
+                  <a:srgbClr val="000000"/>
+                </a:solidFill>
+                <a:effectLst/>
+                <a:latin typeface="Menlo"/>
+              </a:rPr>
+              <a:t> </a:t>
+            </a:r>
+            <a:r>
+              <a:rPr lang="en-US" sz="2000" b="0" i="0" dirty="0">
+                <a:solidFill>
+                  <a:srgbClr val="008000"/>
+                </a:solidFill>
+                <a:effectLst/>
+                <a:latin typeface="Menlo"/>
+              </a:rPr>
+              <a:t>"</a:t>
+            </a:r>
+            <a:r>
+              <a:rPr lang="uk-UA" sz="2000" b="0" i="0" dirty="0" err="1">
+                <a:solidFill>
+                  <a:srgbClr val="008000"/>
+                </a:solidFill>
+                <a:effectLst/>
+                <a:latin typeface="Menlo"/>
+              </a:rPr>
+              <a:t>Человек</a:t>
+            </a:r>
+            <a:r>
+              <a:rPr lang="uk-UA" sz="2000" b="0" i="0" dirty="0">
+                <a:solidFill>
+                  <a:srgbClr val="008000"/>
+                </a:solidFill>
+                <a:effectLst/>
+                <a:latin typeface="Menlo"/>
+              </a:rPr>
+              <a:t> с </a:t>
+            </a:r>
+            <a:r>
+              <a:rPr lang="uk-UA" sz="2000" b="0" i="0" dirty="0" err="1">
+                <a:solidFill>
+                  <a:srgbClr val="008000"/>
+                </a:solidFill>
+                <a:effectLst/>
+                <a:latin typeface="Menlo"/>
+              </a:rPr>
+              <a:t>именем</a:t>
+            </a:r>
+            <a:r>
+              <a:rPr lang="uk-UA" sz="2000" b="0" i="0" dirty="0">
+                <a:solidFill>
+                  <a:srgbClr val="008000"/>
+                </a:solidFill>
+                <a:effectLst/>
+                <a:latin typeface="Menlo"/>
+              </a:rPr>
+              <a:t> "</a:t>
+            </a:r>
+            <a:r>
+              <a:rPr lang="uk-UA" sz="2000" b="0" i="0" dirty="0">
+                <a:solidFill>
+                  <a:srgbClr val="000000"/>
+                </a:solidFill>
+                <a:effectLst/>
+                <a:latin typeface="Menlo"/>
+              </a:rPr>
+              <a:t> + </a:t>
+            </a:r>
+            <a:r>
+              <a:rPr lang="en-US" sz="2000" b="0" i="0" dirty="0">
+                <a:solidFill>
+                  <a:srgbClr val="000000"/>
+                </a:solidFill>
+                <a:effectLst/>
+                <a:latin typeface="Menlo"/>
+              </a:rPr>
+              <a:t>name; } </a:t>
+            </a:r>
+            <a:endParaRPr lang="uk-UA" sz="2000" b="0" i="0" dirty="0">
+              <a:solidFill>
+                <a:srgbClr val="000000"/>
+              </a:solidFill>
+              <a:effectLst/>
+              <a:latin typeface="Menlo"/>
+            </a:endParaRPr>
+          </a:p>
+          <a:p>
+            <a:r>
+              <a:rPr lang="en-US" sz="2000" b="0" i="0" dirty="0">
+                <a:solidFill>
+                  <a:srgbClr val="000000"/>
+                </a:solidFill>
+                <a:effectLst/>
+                <a:latin typeface="Menlo"/>
+              </a:rPr>
+              <a:t>} </a:t>
+            </a:r>
+            <a:endParaRPr lang="uk-UA" sz="2000" b="0" i="0" dirty="0">
+              <a:solidFill>
+                <a:srgbClr val="000000"/>
+              </a:solidFill>
+              <a:effectLst/>
+              <a:latin typeface="Menlo"/>
+            </a:endParaRPr>
+          </a:p>
+          <a:p>
+            <a:endParaRPr lang="uk-UA" sz="2000" dirty="0"/>
+          </a:p>
+        </p:txBody>
+      </p:sp>
+      <p:sp>
+        <p:nvSpPr>
+          <p:cNvPr id="11" name="TextBox 10">
+            <a:extLst>
+              <a:ext uri="{FF2B5EF4-FFF2-40B4-BE49-F238E27FC236}">
+                <a16:creationId xmlns:a16="http://schemas.microsoft.com/office/drawing/2014/main" id="{82A7ACD2-A0DE-4015-A572-CCE24B1EA262}"/>
+              </a:ext>
+            </a:extLst>
+          </p:cNvPr>
+          <p:cNvSpPr txBox="1"/>
+          <p:nvPr/>
+        </p:nvSpPr>
+        <p:spPr>
+          <a:xfrm>
+            <a:off x="350363" y="950001"/>
+            <a:ext cx="4458878" cy="5632311"/>
+          </a:xfrm>
+          <a:prstGeom prst="rect">
+            <a:avLst/>
+          </a:prstGeom>
+          <a:noFill/>
+        </p:spPr>
+        <p:txBody>
+          <a:bodyPr wrap="square" rtlCol="0">
+            <a:spAutoFit/>
+          </a:bodyPr>
+          <a:lstStyle/>
+          <a:p>
+            <a:r>
+              <a:rPr lang="en-US" b="1" i="0" dirty="0">
+                <a:solidFill>
+                  <a:srgbClr val="000080"/>
+                </a:solidFill>
+                <a:effectLst/>
+                <a:latin typeface="Menlo"/>
+              </a:rPr>
+              <a:t>public</a:t>
+            </a:r>
+            <a:r>
+              <a:rPr lang="en-US" b="0" i="0" dirty="0">
+                <a:solidFill>
+                  <a:srgbClr val="000000"/>
+                </a:solidFill>
+                <a:effectLst/>
+                <a:latin typeface="Menlo"/>
+              </a:rPr>
+              <a:t> </a:t>
+            </a:r>
+            <a:r>
+              <a:rPr lang="en-US" b="1" i="0" dirty="0">
+                <a:solidFill>
+                  <a:srgbClr val="000080"/>
+                </a:solidFill>
+                <a:effectLst/>
+                <a:latin typeface="Menlo"/>
+              </a:rPr>
+              <a:t>class</a:t>
+            </a:r>
+            <a:r>
+              <a:rPr lang="en-US" b="0" i="0" dirty="0">
+                <a:solidFill>
+                  <a:srgbClr val="000000"/>
+                </a:solidFill>
+                <a:effectLst/>
+                <a:latin typeface="Menlo"/>
+              </a:rPr>
+              <a:t> </a:t>
+            </a:r>
+            <a:r>
+              <a:rPr lang="en-US" b="0" i="0" dirty="0" err="1">
+                <a:solidFill>
+                  <a:srgbClr val="000000"/>
+                </a:solidFill>
+                <a:effectLst/>
+                <a:latin typeface="Menlo"/>
+              </a:rPr>
+              <a:t>StringExamples</a:t>
+            </a:r>
+            <a:r>
+              <a:rPr lang="en-US" b="0" i="0" dirty="0">
+                <a:solidFill>
+                  <a:srgbClr val="000000"/>
+                </a:solidFill>
+                <a:effectLst/>
+                <a:latin typeface="Menlo"/>
+              </a:rPr>
+              <a:t> { </a:t>
+            </a:r>
+            <a:endParaRPr lang="uk-UA" b="0" i="0" dirty="0">
+              <a:solidFill>
+                <a:srgbClr val="000000"/>
+              </a:solidFill>
+              <a:effectLst/>
+              <a:latin typeface="Menlo"/>
+            </a:endParaRPr>
+          </a:p>
+          <a:p>
+            <a:r>
+              <a:rPr lang="en-US" b="1" i="0" dirty="0">
+                <a:solidFill>
+                  <a:srgbClr val="000080"/>
+                </a:solidFill>
+                <a:effectLst/>
+                <a:latin typeface="Menlo"/>
+              </a:rPr>
+              <a:t>public</a:t>
+            </a:r>
+            <a:r>
+              <a:rPr lang="en-US" b="0" i="0" dirty="0">
+                <a:solidFill>
+                  <a:srgbClr val="000000"/>
+                </a:solidFill>
+                <a:effectLst/>
+                <a:latin typeface="Menlo"/>
+              </a:rPr>
+              <a:t> </a:t>
+            </a:r>
+            <a:r>
+              <a:rPr lang="en-US" b="1" i="0" dirty="0">
+                <a:solidFill>
+                  <a:srgbClr val="000080"/>
+                </a:solidFill>
+                <a:effectLst/>
+                <a:latin typeface="Menlo"/>
+              </a:rPr>
+              <a:t>static</a:t>
+            </a:r>
+            <a:r>
+              <a:rPr lang="en-US" b="0" i="0" dirty="0">
+                <a:solidFill>
+                  <a:srgbClr val="000000"/>
+                </a:solidFill>
+                <a:effectLst/>
+                <a:latin typeface="Menlo"/>
+              </a:rPr>
+              <a:t> </a:t>
+            </a:r>
+            <a:r>
+              <a:rPr lang="en-US" b="1" i="0" dirty="0">
+                <a:solidFill>
+                  <a:srgbClr val="000080"/>
+                </a:solidFill>
+                <a:effectLst/>
+                <a:latin typeface="Menlo"/>
+              </a:rPr>
+              <a:t>void</a:t>
+            </a:r>
+            <a:r>
+              <a:rPr lang="en-US" b="0" i="0" dirty="0">
+                <a:solidFill>
+                  <a:srgbClr val="000000"/>
+                </a:solidFill>
+                <a:effectLst/>
+                <a:latin typeface="Menlo"/>
+              </a:rPr>
+              <a:t> </a:t>
+            </a:r>
+            <a:r>
+              <a:rPr lang="en-US" b="0" i="0" dirty="0">
+                <a:solidFill>
+                  <a:srgbClr val="900606"/>
+                </a:solidFill>
+                <a:effectLst/>
+                <a:latin typeface="Menlo"/>
+              </a:rPr>
+              <a:t>main</a:t>
+            </a:r>
+            <a:r>
+              <a:rPr lang="en-US" b="0" i="0" dirty="0">
+                <a:solidFill>
+                  <a:srgbClr val="000000"/>
+                </a:solidFill>
+                <a:effectLst/>
+                <a:latin typeface="Menlo"/>
+              </a:rPr>
+              <a:t>(String[] </a:t>
+            </a:r>
+            <a:r>
+              <a:rPr lang="en-US" b="0" i="0" dirty="0" err="1">
+                <a:solidFill>
+                  <a:srgbClr val="000000"/>
+                </a:solidFill>
+                <a:effectLst/>
+                <a:latin typeface="Menlo"/>
+              </a:rPr>
+              <a:t>args</a:t>
+            </a:r>
+            <a:r>
+              <a:rPr lang="en-US" b="0" i="0" dirty="0">
+                <a:solidFill>
+                  <a:srgbClr val="000000"/>
+                </a:solidFill>
+                <a:effectLst/>
+                <a:latin typeface="Menlo"/>
+              </a:rPr>
+              <a:t>) { </a:t>
+            </a:r>
+            <a:endParaRPr lang="uk-UA" b="0" i="0" dirty="0">
+              <a:solidFill>
+                <a:srgbClr val="000000"/>
+              </a:solidFill>
+              <a:effectLst/>
+              <a:latin typeface="Menlo"/>
+            </a:endParaRPr>
+          </a:p>
+          <a:p>
+            <a:r>
+              <a:rPr lang="en-US" b="0" i="0" dirty="0">
+                <a:solidFill>
+                  <a:srgbClr val="000000"/>
+                </a:solidFill>
+                <a:effectLst/>
+                <a:latin typeface="Menlo"/>
+              </a:rPr>
+              <a:t>String a = </a:t>
+            </a:r>
+            <a:r>
+              <a:rPr lang="en-US" b="0" i="0" dirty="0" err="1">
+                <a:solidFill>
+                  <a:srgbClr val="000000"/>
+                </a:solidFill>
+                <a:effectLst/>
+                <a:latin typeface="Menlo"/>
+              </a:rPr>
+              <a:t>String.</a:t>
+            </a:r>
+            <a:r>
+              <a:rPr lang="en-US" b="0" i="0" dirty="0" err="1">
+                <a:solidFill>
+                  <a:srgbClr val="900606"/>
+                </a:solidFill>
+                <a:effectLst/>
+                <a:latin typeface="Menlo"/>
+              </a:rPr>
+              <a:t>valueOf</a:t>
+            </a:r>
+            <a:r>
+              <a:rPr lang="en-US" b="0" i="0" dirty="0">
+                <a:solidFill>
+                  <a:srgbClr val="000000"/>
+                </a:solidFill>
+                <a:effectLst/>
+                <a:latin typeface="Menlo"/>
+              </a:rPr>
+              <a:t>(</a:t>
+            </a:r>
+            <a:r>
+              <a:rPr lang="en-US" b="0" i="0" dirty="0">
+                <a:solidFill>
+                  <a:srgbClr val="082C8B"/>
+                </a:solidFill>
+                <a:effectLst/>
+                <a:latin typeface="Menlo"/>
+              </a:rPr>
+              <a:t>1</a:t>
+            </a:r>
+            <a:r>
+              <a:rPr lang="en-US" b="0" i="0" dirty="0">
+                <a:solidFill>
+                  <a:srgbClr val="000000"/>
+                </a:solidFill>
+                <a:effectLst/>
+                <a:latin typeface="Menlo"/>
+              </a:rPr>
+              <a:t>); </a:t>
+            </a:r>
+            <a:endParaRPr lang="uk-UA" b="0" i="0" dirty="0">
+              <a:solidFill>
+                <a:srgbClr val="000000"/>
+              </a:solidFill>
+              <a:effectLst/>
+              <a:latin typeface="Menlo"/>
+            </a:endParaRPr>
+          </a:p>
+          <a:p>
+            <a:r>
+              <a:rPr lang="en-US" b="0" i="0" dirty="0">
+                <a:solidFill>
+                  <a:srgbClr val="000000"/>
+                </a:solidFill>
+                <a:effectLst/>
+                <a:latin typeface="Menlo"/>
+              </a:rPr>
+              <a:t>String b = </a:t>
+            </a:r>
+            <a:r>
+              <a:rPr lang="en-US" b="0" i="0" dirty="0" err="1">
+                <a:solidFill>
+                  <a:srgbClr val="000000"/>
+                </a:solidFill>
+                <a:effectLst/>
+                <a:latin typeface="Menlo"/>
+              </a:rPr>
+              <a:t>String.</a:t>
+            </a:r>
+            <a:r>
+              <a:rPr lang="en-US" b="0" i="0" dirty="0" err="1">
+                <a:solidFill>
+                  <a:srgbClr val="900606"/>
+                </a:solidFill>
+                <a:effectLst/>
+                <a:latin typeface="Menlo"/>
+              </a:rPr>
+              <a:t>valueOf</a:t>
+            </a:r>
+            <a:r>
+              <a:rPr lang="en-US" b="0" i="0" dirty="0">
+                <a:solidFill>
+                  <a:srgbClr val="000000"/>
+                </a:solidFill>
+                <a:effectLst/>
+                <a:latin typeface="Menlo"/>
+              </a:rPr>
+              <a:t>(</a:t>
+            </a:r>
+            <a:r>
+              <a:rPr lang="en-US" b="0" i="0" dirty="0">
+                <a:solidFill>
+                  <a:srgbClr val="082C8B"/>
+                </a:solidFill>
+                <a:effectLst/>
+                <a:latin typeface="Menlo"/>
+              </a:rPr>
+              <a:t>12.0D</a:t>
+            </a:r>
+            <a:r>
+              <a:rPr lang="en-US" b="0" i="0" dirty="0">
+                <a:solidFill>
+                  <a:srgbClr val="000000"/>
+                </a:solidFill>
+                <a:effectLst/>
+                <a:latin typeface="Menlo"/>
+              </a:rPr>
+              <a:t>); </a:t>
+            </a:r>
+            <a:endParaRPr lang="uk-UA" b="0" i="0" dirty="0">
+              <a:solidFill>
+                <a:srgbClr val="000000"/>
+              </a:solidFill>
+              <a:effectLst/>
+              <a:latin typeface="Menlo"/>
+            </a:endParaRPr>
+          </a:p>
+          <a:p>
+            <a:r>
+              <a:rPr lang="en-US" b="0" i="0" dirty="0">
+                <a:solidFill>
+                  <a:srgbClr val="000000"/>
+                </a:solidFill>
+                <a:effectLst/>
+                <a:latin typeface="Menlo"/>
+              </a:rPr>
+              <a:t>String c = </a:t>
+            </a:r>
+            <a:r>
+              <a:rPr lang="en-US" b="0" i="0" dirty="0" err="1">
+                <a:solidFill>
+                  <a:srgbClr val="000000"/>
+                </a:solidFill>
+                <a:effectLst/>
+                <a:latin typeface="Menlo"/>
+              </a:rPr>
+              <a:t>String.</a:t>
+            </a:r>
+            <a:r>
+              <a:rPr lang="en-US" b="0" i="0" dirty="0" err="1">
+                <a:solidFill>
+                  <a:srgbClr val="900606"/>
+                </a:solidFill>
+                <a:effectLst/>
+                <a:latin typeface="Menlo"/>
+              </a:rPr>
+              <a:t>valueOf</a:t>
+            </a:r>
+            <a:r>
+              <a:rPr lang="en-US" b="0" i="0" dirty="0">
+                <a:solidFill>
+                  <a:srgbClr val="000000"/>
+                </a:solidFill>
+                <a:effectLst/>
+                <a:latin typeface="Menlo"/>
+              </a:rPr>
+              <a:t>(</a:t>
+            </a:r>
+            <a:r>
+              <a:rPr lang="en-US" b="0" i="0" dirty="0">
+                <a:solidFill>
+                  <a:srgbClr val="082C8B"/>
+                </a:solidFill>
+                <a:effectLst/>
+                <a:latin typeface="Menlo"/>
+              </a:rPr>
+              <a:t>123.4F</a:t>
+            </a:r>
+            <a:r>
+              <a:rPr lang="en-US" b="0" i="0" dirty="0">
+                <a:solidFill>
+                  <a:srgbClr val="000000"/>
+                </a:solidFill>
+                <a:effectLst/>
+                <a:latin typeface="Menlo"/>
+              </a:rPr>
+              <a:t>); </a:t>
+            </a:r>
+            <a:endParaRPr lang="uk-UA" b="0" i="0" dirty="0">
+              <a:solidFill>
+                <a:srgbClr val="000000"/>
+              </a:solidFill>
+              <a:effectLst/>
+              <a:latin typeface="Menlo"/>
+            </a:endParaRPr>
+          </a:p>
+          <a:p>
+            <a:r>
+              <a:rPr lang="en-US" b="0" i="0" dirty="0">
+                <a:solidFill>
+                  <a:srgbClr val="000000"/>
+                </a:solidFill>
+                <a:effectLst/>
+                <a:latin typeface="Menlo"/>
+              </a:rPr>
+              <a:t>String d = </a:t>
+            </a:r>
+            <a:r>
+              <a:rPr lang="en-US" b="0" i="0" dirty="0" err="1">
+                <a:solidFill>
+                  <a:srgbClr val="000000"/>
+                </a:solidFill>
+                <a:effectLst/>
+                <a:latin typeface="Menlo"/>
+              </a:rPr>
+              <a:t>String.</a:t>
+            </a:r>
+            <a:r>
+              <a:rPr lang="en-US" b="0" i="0" dirty="0" err="1">
+                <a:solidFill>
+                  <a:srgbClr val="900606"/>
+                </a:solidFill>
+                <a:effectLst/>
+                <a:latin typeface="Menlo"/>
+              </a:rPr>
+              <a:t>valueOf</a:t>
+            </a:r>
+            <a:r>
+              <a:rPr lang="en-US" b="0" i="0" dirty="0">
+                <a:solidFill>
+                  <a:srgbClr val="000000"/>
+                </a:solidFill>
+                <a:effectLst/>
+                <a:latin typeface="Menlo"/>
+              </a:rPr>
+              <a:t>(</a:t>
+            </a:r>
+            <a:r>
+              <a:rPr lang="en-US" b="0" i="0" dirty="0">
+                <a:solidFill>
+                  <a:srgbClr val="082C8B"/>
+                </a:solidFill>
+                <a:effectLst/>
+                <a:latin typeface="Menlo"/>
+              </a:rPr>
+              <a:t>123456L</a:t>
+            </a:r>
+            <a:r>
+              <a:rPr lang="en-US" b="0" i="0" dirty="0">
+                <a:solidFill>
+                  <a:srgbClr val="000000"/>
+                </a:solidFill>
+                <a:effectLst/>
+                <a:latin typeface="Menlo"/>
+              </a:rPr>
+              <a:t>); </a:t>
+            </a:r>
+            <a:endParaRPr lang="uk-UA" b="0" i="0" dirty="0">
+              <a:solidFill>
+                <a:srgbClr val="000000"/>
+              </a:solidFill>
+              <a:effectLst/>
+              <a:latin typeface="Menlo"/>
+            </a:endParaRPr>
+          </a:p>
+          <a:p>
+            <a:r>
+              <a:rPr lang="en-US" b="0" i="0" dirty="0">
+                <a:solidFill>
+                  <a:srgbClr val="000000"/>
+                </a:solidFill>
+                <a:effectLst/>
+                <a:latin typeface="Menlo"/>
+              </a:rPr>
+              <a:t>String s = </a:t>
+            </a:r>
+            <a:r>
+              <a:rPr lang="en-US" b="0" i="0" dirty="0" err="1">
+                <a:solidFill>
+                  <a:srgbClr val="000000"/>
+                </a:solidFill>
+                <a:effectLst/>
+                <a:latin typeface="Menlo"/>
+              </a:rPr>
+              <a:t>String.</a:t>
+            </a:r>
+            <a:r>
+              <a:rPr lang="en-US" b="0" i="0" dirty="0" err="1">
+                <a:solidFill>
+                  <a:srgbClr val="900606"/>
+                </a:solidFill>
+                <a:effectLst/>
+                <a:latin typeface="Menlo"/>
+              </a:rPr>
+              <a:t>valueOf</a:t>
+            </a:r>
+            <a:r>
+              <a:rPr lang="en-US" b="0" i="0" dirty="0">
+                <a:solidFill>
+                  <a:srgbClr val="000000"/>
+                </a:solidFill>
+                <a:effectLst/>
+                <a:latin typeface="Menlo"/>
+              </a:rPr>
+              <a:t>(</a:t>
+            </a:r>
+            <a:r>
+              <a:rPr lang="en-US" b="0" i="0" dirty="0">
+                <a:solidFill>
+                  <a:srgbClr val="000080"/>
+                </a:solidFill>
+                <a:effectLst/>
+                <a:latin typeface="Menlo"/>
+              </a:rPr>
+              <a:t>true</a:t>
+            </a:r>
+            <a:r>
+              <a:rPr lang="en-US" b="0" i="0" dirty="0">
+                <a:solidFill>
+                  <a:srgbClr val="000000"/>
+                </a:solidFill>
+                <a:effectLst/>
+                <a:latin typeface="Menlo"/>
+              </a:rPr>
+              <a:t>); </a:t>
+            </a:r>
+            <a:endParaRPr lang="uk-UA" b="0" i="0" dirty="0">
+              <a:solidFill>
+                <a:srgbClr val="000000"/>
+              </a:solidFill>
+              <a:effectLst/>
+              <a:latin typeface="Menlo"/>
+            </a:endParaRPr>
+          </a:p>
+          <a:p>
+            <a:r>
+              <a:rPr lang="en-US" b="0" i="0" dirty="0">
+                <a:solidFill>
+                  <a:srgbClr val="000000"/>
+                </a:solidFill>
+                <a:effectLst/>
+                <a:latin typeface="Menlo"/>
+              </a:rPr>
+              <a:t>String human = </a:t>
+            </a:r>
+            <a:r>
+              <a:rPr lang="en-US" b="0" i="0" dirty="0" err="1">
+                <a:solidFill>
+                  <a:srgbClr val="000000"/>
+                </a:solidFill>
+                <a:effectLst/>
+                <a:latin typeface="Menlo"/>
+              </a:rPr>
+              <a:t>String.</a:t>
+            </a:r>
+            <a:r>
+              <a:rPr lang="en-US" b="0" i="0" dirty="0" err="1">
+                <a:solidFill>
+                  <a:srgbClr val="900606"/>
+                </a:solidFill>
+                <a:effectLst/>
+                <a:latin typeface="Menlo"/>
+              </a:rPr>
+              <a:t>valueOf</a:t>
+            </a:r>
+            <a:r>
+              <a:rPr lang="en-US" b="0" i="0" dirty="0">
+                <a:solidFill>
+                  <a:srgbClr val="000000"/>
+                </a:solidFill>
+                <a:effectLst/>
+                <a:latin typeface="Menlo"/>
+              </a:rPr>
+              <a:t>(</a:t>
+            </a:r>
+            <a:r>
+              <a:rPr lang="en-US" b="1" i="0" dirty="0">
+                <a:solidFill>
+                  <a:srgbClr val="000080"/>
+                </a:solidFill>
+                <a:effectLst/>
+                <a:latin typeface="Menlo"/>
+              </a:rPr>
+              <a:t>new</a:t>
+            </a:r>
+            <a:r>
+              <a:rPr lang="en-US" b="0" i="0" dirty="0">
+                <a:solidFill>
+                  <a:srgbClr val="000000"/>
+                </a:solidFill>
+                <a:effectLst/>
+                <a:latin typeface="Menlo"/>
+              </a:rPr>
+              <a:t> Human(</a:t>
+            </a:r>
+            <a:r>
+              <a:rPr lang="en-US" b="0" i="0" dirty="0">
+                <a:solidFill>
+                  <a:srgbClr val="008000"/>
+                </a:solidFill>
+                <a:effectLst/>
+                <a:latin typeface="Menlo"/>
+              </a:rPr>
+              <a:t>"Alex"</a:t>
+            </a:r>
+            <a:r>
+              <a:rPr lang="en-US" b="0" i="0" dirty="0">
+                <a:solidFill>
+                  <a:srgbClr val="000000"/>
+                </a:solidFill>
+                <a:effectLst/>
+                <a:latin typeface="Menlo"/>
+              </a:rPr>
+              <a:t>)); </a:t>
+            </a:r>
+            <a:endParaRPr lang="uk-UA" b="0" i="0" dirty="0">
+              <a:solidFill>
+                <a:srgbClr val="000000"/>
+              </a:solidFill>
+              <a:effectLst/>
+              <a:latin typeface="Menlo"/>
+            </a:endParaRPr>
+          </a:p>
+          <a:p>
+            <a:r>
+              <a:rPr lang="en-US" b="0" i="0" dirty="0" err="1">
+                <a:solidFill>
+                  <a:srgbClr val="000000"/>
+                </a:solidFill>
+                <a:effectLst/>
+                <a:latin typeface="Menlo"/>
+              </a:rPr>
+              <a:t>System.out.</a:t>
+            </a:r>
+            <a:r>
+              <a:rPr lang="en-US" b="0" i="0" dirty="0" err="1">
+                <a:solidFill>
+                  <a:srgbClr val="900606"/>
+                </a:solidFill>
+                <a:effectLst/>
+                <a:latin typeface="Menlo"/>
+              </a:rPr>
+              <a:t>println</a:t>
+            </a:r>
+            <a:r>
+              <a:rPr lang="en-US" b="0" i="0" dirty="0">
+                <a:solidFill>
+                  <a:srgbClr val="000000"/>
+                </a:solidFill>
+                <a:effectLst/>
+                <a:latin typeface="Menlo"/>
+              </a:rPr>
+              <a:t>(a); </a:t>
+            </a:r>
+            <a:endParaRPr lang="uk-UA" b="0" i="0" dirty="0">
+              <a:solidFill>
+                <a:srgbClr val="000000"/>
+              </a:solidFill>
+              <a:effectLst/>
+              <a:latin typeface="Menlo"/>
+            </a:endParaRPr>
+          </a:p>
+          <a:p>
+            <a:r>
+              <a:rPr lang="en-US" b="0" i="0" dirty="0" err="1">
+                <a:solidFill>
+                  <a:srgbClr val="000000"/>
+                </a:solidFill>
+                <a:effectLst/>
+                <a:latin typeface="Menlo"/>
+              </a:rPr>
+              <a:t>System.out.</a:t>
+            </a:r>
+            <a:r>
+              <a:rPr lang="en-US" b="0" i="0" dirty="0" err="1">
+                <a:solidFill>
+                  <a:srgbClr val="900606"/>
+                </a:solidFill>
+                <a:effectLst/>
+                <a:latin typeface="Menlo"/>
+              </a:rPr>
+              <a:t>println</a:t>
+            </a:r>
+            <a:r>
+              <a:rPr lang="en-US" b="0" i="0" dirty="0">
+                <a:solidFill>
+                  <a:srgbClr val="000000"/>
+                </a:solidFill>
+                <a:effectLst/>
+                <a:latin typeface="Menlo"/>
+              </a:rPr>
+              <a:t>(b); </a:t>
+            </a:r>
+            <a:endParaRPr lang="uk-UA" b="0" i="0" dirty="0">
+              <a:solidFill>
+                <a:srgbClr val="000000"/>
+              </a:solidFill>
+              <a:effectLst/>
+              <a:latin typeface="Menlo"/>
+            </a:endParaRPr>
+          </a:p>
+          <a:p>
+            <a:r>
+              <a:rPr lang="en-US" b="0" i="0" dirty="0" err="1">
+                <a:solidFill>
+                  <a:srgbClr val="000000"/>
+                </a:solidFill>
+                <a:effectLst/>
+                <a:latin typeface="Menlo"/>
+              </a:rPr>
+              <a:t>System.out.</a:t>
+            </a:r>
+            <a:r>
+              <a:rPr lang="en-US" b="0" i="0" dirty="0" err="1">
+                <a:solidFill>
+                  <a:srgbClr val="900606"/>
+                </a:solidFill>
+                <a:effectLst/>
+                <a:latin typeface="Menlo"/>
+              </a:rPr>
+              <a:t>println</a:t>
+            </a:r>
+            <a:r>
+              <a:rPr lang="en-US" b="0" i="0" dirty="0">
+                <a:solidFill>
+                  <a:srgbClr val="000000"/>
+                </a:solidFill>
+                <a:effectLst/>
+                <a:latin typeface="Menlo"/>
+              </a:rPr>
+              <a:t>(c); </a:t>
+            </a:r>
+            <a:endParaRPr lang="uk-UA" b="0" i="0" dirty="0">
+              <a:solidFill>
+                <a:srgbClr val="000000"/>
+              </a:solidFill>
+              <a:effectLst/>
+              <a:latin typeface="Menlo"/>
+            </a:endParaRPr>
+          </a:p>
+          <a:p>
+            <a:r>
+              <a:rPr lang="en-US" b="0" i="0" dirty="0" err="1">
+                <a:solidFill>
+                  <a:srgbClr val="000000"/>
+                </a:solidFill>
+                <a:effectLst/>
+                <a:latin typeface="Menlo"/>
+              </a:rPr>
+              <a:t>System.out.</a:t>
+            </a:r>
+            <a:r>
+              <a:rPr lang="en-US" b="0" i="0" dirty="0" err="1">
+                <a:solidFill>
+                  <a:srgbClr val="900606"/>
+                </a:solidFill>
+                <a:effectLst/>
+                <a:latin typeface="Menlo"/>
+              </a:rPr>
+              <a:t>println</a:t>
+            </a:r>
+            <a:r>
+              <a:rPr lang="en-US" b="0" i="0" dirty="0">
+                <a:solidFill>
+                  <a:srgbClr val="000000"/>
+                </a:solidFill>
+                <a:effectLst/>
+                <a:latin typeface="Menlo"/>
+              </a:rPr>
+              <a:t>(d); </a:t>
+            </a:r>
+            <a:endParaRPr lang="uk-UA" b="0" i="0" dirty="0">
+              <a:solidFill>
+                <a:srgbClr val="000000"/>
+              </a:solidFill>
+              <a:effectLst/>
+              <a:latin typeface="Menlo"/>
+            </a:endParaRPr>
+          </a:p>
+          <a:p>
+            <a:r>
+              <a:rPr lang="en-US" b="0" i="0" dirty="0" err="1">
+                <a:solidFill>
+                  <a:srgbClr val="000000"/>
+                </a:solidFill>
+                <a:effectLst/>
+                <a:latin typeface="Menlo"/>
+              </a:rPr>
+              <a:t>System.out.</a:t>
+            </a:r>
+            <a:r>
+              <a:rPr lang="en-US" b="0" i="0" dirty="0" err="1">
+                <a:solidFill>
+                  <a:srgbClr val="900606"/>
+                </a:solidFill>
+                <a:effectLst/>
+                <a:latin typeface="Menlo"/>
+              </a:rPr>
+              <a:t>println</a:t>
+            </a:r>
+            <a:r>
+              <a:rPr lang="en-US" b="0" i="0" dirty="0">
+                <a:solidFill>
+                  <a:srgbClr val="000000"/>
+                </a:solidFill>
+                <a:effectLst/>
+                <a:latin typeface="Menlo"/>
+              </a:rPr>
+              <a:t>(s); </a:t>
+            </a:r>
+            <a:endParaRPr lang="uk-UA" b="0" i="0" dirty="0">
+              <a:solidFill>
+                <a:srgbClr val="000000"/>
+              </a:solidFill>
+              <a:effectLst/>
+              <a:latin typeface="Menlo"/>
+            </a:endParaRPr>
+          </a:p>
+          <a:p>
+            <a:r>
+              <a:rPr lang="en-US" b="0" i="0" dirty="0" err="1">
+                <a:solidFill>
+                  <a:srgbClr val="000000"/>
+                </a:solidFill>
+                <a:effectLst/>
+                <a:latin typeface="Menlo"/>
+              </a:rPr>
+              <a:t>System.out.</a:t>
+            </a:r>
+            <a:r>
+              <a:rPr lang="en-US" b="0" i="0" dirty="0" err="1">
+                <a:solidFill>
+                  <a:srgbClr val="900606"/>
+                </a:solidFill>
+                <a:effectLst/>
+                <a:latin typeface="Menlo"/>
+              </a:rPr>
+              <a:t>println</a:t>
+            </a:r>
+            <a:r>
+              <a:rPr lang="en-US" b="0" i="0" dirty="0">
+                <a:solidFill>
+                  <a:srgbClr val="000000"/>
+                </a:solidFill>
+                <a:effectLst/>
+                <a:latin typeface="Menlo"/>
+              </a:rPr>
+              <a:t>(human); </a:t>
+            </a:r>
+            <a:endParaRPr lang="uk-UA" b="0" i="0" dirty="0">
+              <a:solidFill>
+                <a:srgbClr val="000000"/>
+              </a:solidFill>
+              <a:effectLst/>
+              <a:latin typeface="Menlo"/>
+            </a:endParaRPr>
+          </a:p>
+          <a:p>
+            <a:r>
+              <a:rPr lang="en-US" b="0" i="0" dirty="0">
+                <a:effectLst/>
+                <a:latin typeface="Menlo"/>
+              </a:rPr>
+              <a:t>/* </a:t>
+            </a:r>
+            <a:r>
+              <a:rPr lang="uk-UA" b="0" i="0" dirty="0">
+                <a:effectLst/>
+                <a:latin typeface="Menlo"/>
+              </a:rPr>
+              <a:t>Консоль: 1 12.0 123.4 123456 </a:t>
+            </a:r>
+            <a:r>
+              <a:rPr lang="en-US" b="0" i="0" dirty="0">
+                <a:effectLst/>
+                <a:latin typeface="Menlo"/>
+              </a:rPr>
+              <a:t>true </a:t>
+            </a:r>
+            <a:r>
+              <a:rPr lang="uk-UA" dirty="0">
+                <a:latin typeface="Menlo"/>
+              </a:rPr>
+              <a:t>Людина</a:t>
+            </a:r>
+            <a:r>
+              <a:rPr lang="uk-UA" b="0" i="0" dirty="0">
+                <a:effectLst/>
+                <a:latin typeface="Menlo"/>
+              </a:rPr>
+              <a:t> - </a:t>
+            </a:r>
+            <a:r>
+              <a:rPr lang="en-US" b="0" i="0" dirty="0">
+                <a:effectLst/>
+                <a:latin typeface="Menlo"/>
+              </a:rPr>
+              <a:t>Alex */</a:t>
+            </a:r>
+            <a:r>
+              <a:rPr lang="en-US" b="0" i="0" dirty="0">
+                <a:solidFill>
+                  <a:srgbClr val="000000"/>
+                </a:solidFill>
+                <a:effectLst/>
+                <a:latin typeface="Menlo"/>
+              </a:rPr>
+              <a:t> </a:t>
+            </a:r>
+            <a:endParaRPr lang="uk-UA" b="0" i="0" dirty="0">
+              <a:solidFill>
+                <a:srgbClr val="000000"/>
+              </a:solidFill>
+              <a:effectLst/>
+              <a:latin typeface="Menlo"/>
+            </a:endParaRPr>
+          </a:p>
+          <a:p>
+            <a:r>
+              <a:rPr lang="en-US" b="0" i="0" dirty="0">
+                <a:solidFill>
+                  <a:srgbClr val="000000"/>
+                </a:solidFill>
+                <a:effectLst/>
+                <a:latin typeface="Menlo"/>
+              </a:rPr>
+              <a:t>} }</a:t>
+            </a:r>
+            <a:endParaRPr lang="uk-UA" dirty="0"/>
+          </a:p>
+          <a:p>
+            <a:endParaRPr lang="uk-UA" b="0" i="0" dirty="0">
+              <a:solidFill>
+                <a:srgbClr val="000000"/>
+              </a:solidFill>
+              <a:effectLst/>
+              <a:latin typeface="Menlo"/>
+            </a:endParaRPr>
+          </a:p>
+          <a:p>
+            <a:endParaRPr lang="uk-UA" dirty="0"/>
+          </a:p>
+        </p:txBody>
+      </p:sp>
+    </p:spTree>
+    <p:extLst>
+      <p:ext uri="{BB962C8B-B14F-4D97-AF65-F5344CB8AC3E}">
+        <p14:creationId xmlns:p14="http://schemas.microsoft.com/office/powerpoint/2010/main" val="3818722539"/>
+      </p:ext>
+    </p:extLst>
+  </p:cSld>
+  <p:clrMapOvr>
+    <a:masterClrMapping/>
+  </p:clrMapOvr>
+</p:sld>
+</file>
+
+<file path=ppt/slides/slide22.xml><?xml version="1.0" encoding="utf-8"?>
+<p:sld xmlns:a="http://schemas.openxmlformats.org/drawingml/2006/main" xmlns:r="http://schemas.openxmlformats.org/officeDocument/2006/relationships" xmlns:p="http://schemas.openxmlformats.org/presentationml/2006/main">
+  <p:cSld>
+    <p:spTree>
+      <p:nvGrpSpPr>
+        <p:cNvPr id="1" name=""/>
+        <p:cNvGrpSpPr/>
+        <p:nvPr/>
+      </p:nvGrpSpPr>
+      <p:grpSpPr>
+        <a:xfrm>
+          <a:off x="0" y="0"/>
+          <a:ext cx="0" cy="0"/>
+          <a:chOff x="0" y="0"/>
+          <a:chExt cx="0" cy="0"/>
+        </a:xfrm>
+      </p:grpSpPr>
+      <p:sp>
+        <p:nvSpPr>
+          <p:cNvPr id="4" name="TextBox 3">
+            <a:extLst>
+              <a:ext uri="{FF2B5EF4-FFF2-40B4-BE49-F238E27FC236}">
+                <a16:creationId xmlns:a16="http://schemas.microsoft.com/office/drawing/2014/main" id="{4621916F-D2F5-4D86-AE5A-0F126B034DC5}"/>
+              </a:ext>
+            </a:extLst>
+          </p:cNvPr>
+          <p:cNvSpPr txBox="1"/>
+          <p:nvPr/>
+        </p:nvSpPr>
+        <p:spPr>
+          <a:xfrm>
+            <a:off x="5927888" y="3973429"/>
+            <a:ext cx="6094428" cy="2677656"/>
+          </a:xfrm>
+          <a:prstGeom prst="rect">
+            <a:avLst/>
+          </a:prstGeom>
+          <a:noFill/>
+        </p:spPr>
+        <p:txBody>
+          <a:bodyPr wrap="square">
+            <a:spAutoFit/>
+          </a:bodyPr>
+          <a:lstStyle/>
+          <a:p>
+            <a:r>
+              <a:rPr lang="uk-UA" sz="2400" dirty="0">
+                <a:latin typeface="Times New Roman" panose="02020603050405020304" pitchFamily="18" charset="0"/>
+                <a:cs typeface="Times New Roman" panose="02020603050405020304" pitchFamily="18" charset="0"/>
+              </a:rPr>
+              <a:t>Складаючи об'єкти класу </a:t>
+            </a:r>
+            <a:r>
+              <a:rPr lang="uk-UA" sz="2400" dirty="0" err="1">
+                <a:latin typeface="Times New Roman" panose="02020603050405020304" pitchFamily="18" charset="0"/>
+                <a:cs typeface="Times New Roman" panose="02020603050405020304" pitchFamily="18" charset="0"/>
+              </a:rPr>
+              <a:t>String</a:t>
+            </a:r>
+            <a:r>
+              <a:rPr lang="uk-UA" sz="2400" dirty="0">
+                <a:latin typeface="Times New Roman" panose="02020603050405020304" pitchFamily="18" charset="0"/>
+                <a:cs typeface="Times New Roman" panose="02020603050405020304" pitchFamily="18" charset="0"/>
+              </a:rPr>
+              <a:t> з об'єктами інших класів, ми наводимо останні до рядкового вигляду. Перетворення об'єктів інших класів до рядкового подання виконується через неявний виклик методу </a:t>
+            </a:r>
+            <a:r>
+              <a:rPr lang="uk-UA" sz="2400" dirty="0" err="1">
+                <a:latin typeface="Times New Roman" panose="02020603050405020304" pitchFamily="18" charset="0"/>
+                <a:cs typeface="Times New Roman" panose="02020603050405020304" pitchFamily="18" charset="0"/>
+              </a:rPr>
+              <a:t>toString</a:t>
+            </a:r>
+            <a:r>
+              <a:rPr lang="uk-UA" sz="2400" dirty="0">
+                <a:latin typeface="Times New Roman" panose="02020603050405020304" pitchFamily="18" charset="0"/>
+                <a:cs typeface="Times New Roman" panose="02020603050405020304" pitchFamily="18" charset="0"/>
+              </a:rPr>
+              <a:t> в об'єкті. Продемонструємо це на прикладі: </a:t>
+            </a:r>
+          </a:p>
+        </p:txBody>
+      </p:sp>
+      <p:sp>
+        <p:nvSpPr>
+          <p:cNvPr id="5" name="TextBox 4">
+            <a:extLst>
+              <a:ext uri="{FF2B5EF4-FFF2-40B4-BE49-F238E27FC236}">
+                <a16:creationId xmlns:a16="http://schemas.microsoft.com/office/drawing/2014/main" id="{934F8949-EEED-445D-91A6-D425A0566E70}"/>
+              </a:ext>
+            </a:extLst>
+          </p:cNvPr>
+          <p:cNvSpPr txBox="1"/>
+          <p:nvPr/>
+        </p:nvSpPr>
+        <p:spPr>
+          <a:xfrm>
+            <a:off x="-1571" y="93458"/>
+            <a:ext cx="12192000" cy="707886"/>
+          </a:xfrm>
+          <a:prstGeom prst="rect">
+            <a:avLst/>
+          </a:prstGeom>
+          <a:noFill/>
+        </p:spPr>
+        <p:txBody>
+          <a:bodyPr wrap="square">
+            <a:spAutoFit/>
+          </a:bodyPr>
+          <a:lstStyle/>
+          <a:p>
+            <a:pPr algn="ctr"/>
+            <a:r>
+              <a:rPr lang="uk-UA" sz="4000" dirty="0">
+                <a:latin typeface="Times New Roman" panose="02020603050405020304" pitchFamily="18" charset="0"/>
+                <a:cs typeface="Times New Roman" panose="02020603050405020304" pitchFamily="18" charset="0"/>
+              </a:rPr>
+              <a:t>Клас </a:t>
+            </a:r>
+            <a:r>
+              <a:rPr lang="en-US" sz="4000" dirty="0">
+                <a:latin typeface="Times New Roman" panose="02020603050405020304" pitchFamily="18" charset="0"/>
+                <a:cs typeface="Times New Roman" panose="02020603050405020304" pitchFamily="18" charset="0"/>
+              </a:rPr>
+              <a:t>String. </a:t>
+            </a:r>
+            <a:r>
+              <a:rPr lang="uk-UA" sz="4000" dirty="0">
+                <a:latin typeface="Times New Roman" panose="02020603050405020304" pitchFamily="18" charset="0"/>
+                <a:cs typeface="Times New Roman" panose="02020603050405020304" pitchFamily="18" charset="0"/>
+              </a:rPr>
+              <a:t>Додавання рядків. Об</a:t>
+            </a:r>
+            <a:r>
+              <a:rPr lang="en-US" sz="4000" dirty="0">
+                <a:latin typeface="Times New Roman" panose="02020603050405020304" pitchFamily="18" charset="0"/>
+                <a:cs typeface="Times New Roman" panose="02020603050405020304" pitchFamily="18" charset="0"/>
+              </a:rPr>
+              <a:t>`</a:t>
+            </a:r>
+            <a:r>
+              <a:rPr lang="uk-UA" sz="4000" dirty="0" err="1">
+                <a:latin typeface="Times New Roman" panose="02020603050405020304" pitchFamily="18" charset="0"/>
+                <a:cs typeface="Times New Roman" panose="02020603050405020304" pitchFamily="18" charset="0"/>
+              </a:rPr>
+              <a:t>єкти</a:t>
+            </a:r>
+            <a:r>
+              <a:rPr lang="en-US" sz="4000" dirty="0">
+                <a:latin typeface="Times New Roman" panose="02020603050405020304" pitchFamily="18" charset="0"/>
+                <a:cs typeface="Times New Roman" panose="02020603050405020304" pitchFamily="18" charset="0"/>
+              </a:rPr>
+              <a:t> </a:t>
+            </a:r>
+            <a:endParaRPr lang="uk-UA" sz="4000" dirty="0">
+              <a:latin typeface="Times New Roman" panose="02020603050405020304" pitchFamily="18" charset="0"/>
+              <a:cs typeface="Times New Roman" panose="02020603050405020304" pitchFamily="18" charset="0"/>
+            </a:endParaRPr>
+          </a:p>
+        </p:txBody>
+      </p:sp>
+      <p:sp>
+        <p:nvSpPr>
+          <p:cNvPr id="6" name="TextBox 5">
+            <a:extLst>
+              <a:ext uri="{FF2B5EF4-FFF2-40B4-BE49-F238E27FC236}">
+                <a16:creationId xmlns:a16="http://schemas.microsoft.com/office/drawing/2014/main" id="{6F11BCA2-CCC1-4135-9778-5921583A0F56}"/>
+              </a:ext>
+            </a:extLst>
+          </p:cNvPr>
+          <p:cNvSpPr txBox="1"/>
+          <p:nvPr/>
+        </p:nvSpPr>
+        <p:spPr>
+          <a:xfrm>
+            <a:off x="254524" y="801344"/>
+            <a:ext cx="10605154" cy="5632311"/>
+          </a:xfrm>
+          <a:prstGeom prst="rect">
+            <a:avLst/>
+          </a:prstGeom>
+          <a:noFill/>
+        </p:spPr>
+        <p:txBody>
+          <a:bodyPr wrap="square" rtlCol="0">
+            <a:spAutoFit/>
+          </a:bodyPr>
+          <a:lstStyle/>
+          <a:p>
+            <a:r>
+              <a:rPr lang="en-US" sz="2000" b="1" i="0" dirty="0">
+                <a:solidFill>
+                  <a:srgbClr val="000080"/>
+                </a:solidFill>
+                <a:effectLst/>
+                <a:latin typeface="Menlo"/>
+              </a:rPr>
+              <a:t>public</a:t>
+            </a:r>
+            <a:r>
+              <a:rPr lang="en-US" sz="2000" b="0" i="0" dirty="0">
+                <a:solidFill>
+                  <a:srgbClr val="000000"/>
+                </a:solidFill>
+                <a:effectLst/>
+                <a:latin typeface="Menlo"/>
+              </a:rPr>
+              <a:t> </a:t>
+            </a:r>
+            <a:r>
+              <a:rPr lang="en-US" sz="2000" b="1" i="0" dirty="0">
+                <a:solidFill>
+                  <a:srgbClr val="000080"/>
+                </a:solidFill>
+                <a:effectLst/>
+                <a:latin typeface="Menlo"/>
+              </a:rPr>
+              <a:t>class</a:t>
+            </a:r>
+            <a:r>
+              <a:rPr lang="en-US" sz="2000" b="0" i="0" dirty="0">
+                <a:solidFill>
+                  <a:srgbClr val="000000"/>
+                </a:solidFill>
+                <a:effectLst/>
+                <a:latin typeface="Menlo"/>
+              </a:rPr>
+              <a:t> </a:t>
+            </a:r>
+            <a:r>
+              <a:rPr lang="en-US" sz="2000" b="0" i="0" dirty="0" err="1">
+                <a:solidFill>
+                  <a:srgbClr val="000000"/>
+                </a:solidFill>
+                <a:effectLst/>
+                <a:latin typeface="Menlo"/>
+              </a:rPr>
+              <a:t>StringExamples</a:t>
+            </a:r>
+            <a:r>
+              <a:rPr lang="en-US" sz="2000" b="0" i="0" dirty="0">
+                <a:solidFill>
+                  <a:srgbClr val="000000"/>
+                </a:solidFill>
+                <a:effectLst/>
+                <a:latin typeface="Menlo"/>
+              </a:rPr>
+              <a:t> { </a:t>
+            </a:r>
+            <a:endParaRPr lang="uk-UA" sz="2000" b="0" i="0" dirty="0">
+              <a:solidFill>
+                <a:srgbClr val="000000"/>
+              </a:solidFill>
+              <a:effectLst/>
+              <a:latin typeface="Menlo"/>
+            </a:endParaRPr>
+          </a:p>
+          <a:p>
+            <a:r>
+              <a:rPr lang="en-US" sz="2000" b="1" i="0" dirty="0">
+                <a:solidFill>
+                  <a:srgbClr val="000080"/>
+                </a:solidFill>
+                <a:effectLst/>
+                <a:latin typeface="Menlo"/>
+              </a:rPr>
+              <a:t>	public</a:t>
+            </a:r>
+            <a:r>
+              <a:rPr lang="en-US" sz="2000" b="0" i="0" dirty="0">
+                <a:solidFill>
+                  <a:srgbClr val="000000"/>
+                </a:solidFill>
+                <a:effectLst/>
+                <a:latin typeface="Menlo"/>
+              </a:rPr>
+              <a:t> </a:t>
+            </a:r>
+            <a:r>
+              <a:rPr lang="en-US" sz="2000" b="1" i="0" dirty="0">
+                <a:solidFill>
+                  <a:srgbClr val="000080"/>
+                </a:solidFill>
+                <a:effectLst/>
+                <a:latin typeface="Menlo"/>
+              </a:rPr>
+              <a:t>static</a:t>
+            </a:r>
+            <a:r>
+              <a:rPr lang="en-US" sz="2000" b="0" i="0" dirty="0">
+                <a:solidFill>
+                  <a:srgbClr val="000000"/>
+                </a:solidFill>
+                <a:effectLst/>
+                <a:latin typeface="Menlo"/>
+              </a:rPr>
+              <a:t> </a:t>
+            </a:r>
+            <a:r>
+              <a:rPr lang="en-US" sz="2000" b="1" i="0" dirty="0">
+                <a:solidFill>
+                  <a:srgbClr val="000080"/>
+                </a:solidFill>
+                <a:effectLst/>
+                <a:latin typeface="Menlo"/>
+              </a:rPr>
+              <a:t>void</a:t>
+            </a:r>
+            <a:r>
+              <a:rPr lang="en-US" sz="2000" b="0" i="0" dirty="0">
+                <a:solidFill>
+                  <a:srgbClr val="000000"/>
+                </a:solidFill>
+                <a:effectLst/>
+                <a:latin typeface="Menlo"/>
+              </a:rPr>
+              <a:t> </a:t>
+            </a:r>
+            <a:r>
+              <a:rPr lang="en-US" sz="2000" b="0" i="0" dirty="0">
+                <a:solidFill>
+                  <a:srgbClr val="900606"/>
+                </a:solidFill>
+                <a:effectLst/>
+                <a:latin typeface="Menlo"/>
+              </a:rPr>
+              <a:t>main</a:t>
+            </a:r>
+            <a:r>
+              <a:rPr lang="en-US" sz="2000" b="0" i="0" dirty="0">
+                <a:solidFill>
+                  <a:srgbClr val="000000"/>
+                </a:solidFill>
+                <a:effectLst/>
+                <a:latin typeface="Menlo"/>
+              </a:rPr>
+              <a:t>(String[] </a:t>
+            </a:r>
+            <a:r>
+              <a:rPr lang="en-US" sz="2000" b="0" i="0" dirty="0" err="1">
+                <a:solidFill>
+                  <a:srgbClr val="000000"/>
+                </a:solidFill>
+                <a:effectLst/>
+                <a:latin typeface="Menlo"/>
+              </a:rPr>
+              <a:t>args</a:t>
+            </a:r>
+            <a:r>
+              <a:rPr lang="en-US" sz="2000" b="0" i="0" dirty="0">
+                <a:solidFill>
+                  <a:srgbClr val="000000"/>
+                </a:solidFill>
+                <a:effectLst/>
+                <a:latin typeface="Menlo"/>
+              </a:rPr>
+              <a:t>) { </a:t>
+            </a:r>
+            <a:endParaRPr lang="uk-UA" sz="2000" b="0" i="0" dirty="0">
+              <a:solidFill>
+                <a:srgbClr val="000000"/>
+              </a:solidFill>
+              <a:effectLst/>
+              <a:latin typeface="Menlo"/>
+            </a:endParaRPr>
+          </a:p>
+          <a:p>
+            <a:r>
+              <a:rPr lang="en-US" sz="2000" b="0" i="0" dirty="0">
+                <a:solidFill>
+                  <a:srgbClr val="000000"/>
+                </a:solidFill>
+                <a:effectLst/>
+                <a:latin typeface="Menlo"/>
+              </a:rPr>
+              <a:t>	Human max = </a:t>
+            </a:r>
+            <a:r>
+              <a:rPr lang="en-US" sz="2000" b="1" i="0" dirty="0">
+                <a:solidFill>
+                  <a:srgbClr val="000080"/>
+                </a:solidFill>
+                <a:effectLst/>
+                <a:latin typeface="Menlo"/>
+              </a:rPr>
+              <a:t>new</a:t>
+            </a:r>
+            <a:r>
+              <a:rPr lang="en-US" sz="2000" b="0" i="0" dirty="0">
+                <a:solidFill>
+                  <a:srgbClr val="000000"/>
+                </a:solidFill>
+                <a:effectLst/>
+                <a:latin typeface="Menlo"/>
+              </a:rPr>
+              <a:t> Human(</a:t>
+            </a:r>
+            <a:r>
+              <a:rPr lang="en-US" sz="2000" b="0" i="0" dirty="0">
+                <a:solidFill>
+                  <a:srgbClr val="008000"/>
+                </a:solidFill>
+                <a:effectLst/>
+                <a:latin typeface="Menlo"/>
+              </a:rPr>
+              <a:t>"</a:t>
+            </a:r>
+            <a:r>
+              <a:rPr lang="uk-UA" sz="2000" b="0" i="0" dirty="0">
+                <a:solidFill>
+                  <a:srgbClr val="008000"/>
+                </a:solidFill>
+                <a:effectLst/>
+                <a:latin typeface="Menlo"/>
+              </a:rPr>
+              <a:t>Макс"</a:t>
+            </a:r>
+            <a:r>
+              <a:rPr lang="uk-UA" sz="2000" b="0" i="0" dirty="0">
+                <a:solidFill>
+                  <a:srgbClr val="000000"/>
+                </a:solidFill>
+                <a:effectLst/>
+                <a:latin typeface="Menlo"/>
+              </a:rPr>
+              <a:t>); </a:t>
+            </a:r>
+          </a:p>
+          <a:p>
+            <a:r>
+              <a:rPr lang="en-US" sz="2000" b="0" i="0" dirty="0">
+                <a:solidFill>
+                  <a:srgbClr val="000000"/>
+                </a:solidFill>
+                <a:effectLst/>
+                <a:latin typeface="Menlo"/>
+              </a:rPr>
+              <a:t>	String out = </a:t>
+            </a:r>
+            <a:r>
+              <a:rPr lang="en-US" sz="2000" b="0" i="0" dirty="0">
+                <a:solidFill>
+                  <a:srgbClr val="008000"/>
+                </a:solidFill>
+                <a:effectLst/>
+                <a:latin typeface="Menlo"/>
+              </a:rPr>
+              <a:t>"Java </a:t>
+            </a:r>
+            <a:r>
+              <a:rPr lang="uk-UA" sz="2000" b="0" i="0" dirty="0">
+                <a:solidFill>
+                  <a:srgbClr val="008000"/>
+                </a:solidFill>
+                <a:effectLst/>
+                <a:latin typeface="Menlo"/>
+              </a:rPr>
+              <a:t>об</a:t>
+            </a:r>
+            <a:r>
+              <a:rPr lang="en-US" sz="2000" b="0" i="0" dirty="0">
+                <a:solidFill>
+                  <a:srgbClr val="008000"/>
+                </a:solidFill>
+                <a:effectLst/>
+                <a:latin typeface="Menlo"/>
+              </a:rPr>
+              <a:t>`</a:t>
+            </a:r>
+            <a:r>
+              <a:rPr lang="uk-UA" sz="2000" dirty="0" err="1">
+                <a:solidFill>
+                  <a:srgbClr val="008000"/>
+                </a:solidFill>
+                <a:latin typeface="Menlo"/>
+              </a:rPr>
+              <a:t>є</a:t>
+            </a:r>
+            <a:r>
+              <a:rPr lang="uk-UA" sz="2000" b="0" i="0" dirty="0" err="1">
+                <a:solidFill>
+                  <a:srgbClr val="008000"/>
+                </a:solidFill>
+                <a:effectLst/>
+                <a:latin typeface="Menlo"/>
+              </a:rPr>
+              <a:t>кт</a:t>
+            </a:r>
+            <a:r>
+              <a:rPr lang="uk-UA" sz="2000" b="0" i="0" dirty="0">
+                <a:solidFill>
+                  <a:srgbClr val="008000"/>
+                </a:solidFill>
+                <a:effectLst/>
+                <a:latin typeface="Menlo"/>
+              </a:rPr>
+              <a:t>: "</a:t>
+            </a:r>
+            <a:r>
+              <a:rPr lang="uk-UA" sz="2000" b="0" i="0" dirty="0">
+                <a:solidFill>
+                  <a:srgbClr val="000000"/>
+                </a:solidFill>
+                <a:effectLst/>
+                <a:latin typeface="Menlo"/>
+              </a:rPr>
+              <a:t> + </a:t>
+            </a:r>
+            <a:r>
+              <a:rPr lang="en-US" sz="2000" b="0" i="0" dirty="0">
+                <a:solidFill>
+                  <a:srgbClr val="000000"/>
+                </a:solidFill>
+                <a:effectLst/>
+                <a:latin typeface="Menlo"/>
+              </a:rPr>
+              <a:t>max; </a:t>
+            </a:r>
+            <a:r>
+              <a:rPr lang="en-US" sz="2000" b="0" i="0" dirty="0" err="1">
+                <a:solidFill>
+                  <a:srgbClr val="000000"/>
+                </a:solidFill>
+                <a:effectLst/>
+                <a:latin typeface="Menlo"/>
+              </a:rPr>
+              <a:t>System.out.</a:t>
+            </a:r>
+            <a:r>
+              <a:rPr lang="en-US" sz="2000" b="0" i="0" dirty="0" err="1">
+                <a:solidFill>
+                  <a:srgbClr val="900606"/>
+                </a:solidFill>
+                <a:effectLst/>
+                <a:latin typeface="Menlo"/>
+              </a:rPr>
+              <a:t>println</a:t>
+            </a:r>
+            <a:r>
+              <a:rPr lang="en-US" sz="2000" b="0" i="0" dirty="0">
+                <a:solidFill>
+                  <a:srgbClr val="000000"/>
+                </a:solidFill>
+                <a:effectLst/>
+                <a:latin typeface="Menlo"/>
+              </a:rPr>
+              <a:t>(out); </a:t>
+            </a:r>
+          </a:p>
+          <a:p>
+            <a:r>
+              <a:rPr lang="en-US" sz="2000" dirty="0">
+                <a:solidFill>
+                  <a:srgbClr val="000000"/>
+                </a:solidFill>
+                <a:latin typeface="Menlo"/>
+              </a:rPr>
+              <a:t>	</a:t>
+            </a:r>
+            <a:r>
+              <a:rPr lang="en-US" sz="2000" b="0" i="0" dirty="0">
+                <a:effectLst/>
+                <a:latin typeface="Menlo"/>
+              </a:rPr>
+              <a:t>// </a:t>
+            </a:r>
+            <a:r>
+              <a:rPr lang="uk-UA" sz="2000" b="0" i="0" dirty="0">
+                <a:effectLst/>
+                <a:latin typeface="Menlo"/>
+              </a:rPr>
+              <a:t>Консоль: </a:t>
+            </a:r>
+            <a:r>
+              <a:rPr lang="en-US" sz="2000" b="0" i="0" dirty="0">
+                <a:effectLst/>
+                <a:latin typeface="Menlo"/>
+              </a:rPr>
+              <a:t>Java </a:t>
+            </a:r>
+            <a:r>
+              <a:rPr lang="uk-UA" sz="2000" b="0" i="0" dirty="0">
+                <a:effectLst/>
+                <a:latin typeface="Menlo"/>
+              </a:rPr>
+              <a:t>об</a:t>
+            </a:r>
+            <a:r>
+              <a:rPr lang="en-US" sz="2000" b="0" i="0" dirty="0">
+                <a:effectLst/>
+                <a:latin typeface="Menlo"/>
+              </a:rPr>
+              <a:t>`</a:t>
+            </a:r>
+            <a:r>
+              <a:rPr lang="uk-UA" sz="2000" b="0" i="0" dirty="0" err="1">
+                <a:effectLst/>
+                <a:latin typeface="Menlo"/>
+              </a:rPr>
+              <a:t>єкт</a:t>
+            </a:r>
+            <a:r>
+              <a:rPr lang="uk-UA" sz="2000" b="0" i="0" dirty="0">
+                <a:effectLst/>
+                <a:latin typeface="Menlo"/>
+              </a:rPr>
+              <a:t>: Людина з </a:t>
+            </a:r>
+            <a:r>
+              <a:rPr lang="uk-UA" sz="2000" b="0" i="0" dirty="0" err="1">
+                <a:effectLst/>
+                <a:latin typeface="Menlo"/>
+              </a:rPr>
+              <a:t>ім</a:t>
+            </a:r>
+            <a:r>
+              <a:rPr lang="en-US" sz="2000" dirty="0">
+                <a:latin typeface="Menlo"/>
+              </a:rPr>
+              <a:t>`</a:t>
+            </a:r>
+            <a:r>
+              <a:rPr lang="uk-UA" sz="2000" dirty="0">
+                <a:latin typeface="Menlo"/>
+              </a:rPr>
+              <a:t>ям</a:t>
+            </a:r>
+            <a:r>
+              <a:rPr lang="uk-UA" sz="2000" b="0" i="0" dirty="0">
+                <a:effectLst/>
+                <a:latin typeface="Menlo"/>
+              </a:rPr>
+              <a:t> Макс</a:t>
+            </a:r>
+            <a:r>
+              <a:rPr lang="uk-UA" sz="2000" b="0" i="0" dirty="0">
+                <a:solidFill>
+                  <a:srgbClr val="000000"/>
+                </a:solidFill>
+                <a:effectLst/>
+                <a:latin typeface="Menlo"/>
+              </a:rPr>
+              <a:t> </a:t>
+            </a:r>
+          </a:p>
+          <a:p>
+            <a:r>
+              <a:rPr lang="uk-UA" sz="2000" b="0" i="0" dirty="0">
+                <a:solidFill>
+                  <a:srgbClr val="000000"/>
+                </a:solidFill>
+                <a:effectLst/>
+                <a:latin typeface="Menlo"/>
+              </a:rPr>
+              <a:t>} </a:t>
+            </a:r>
+          </a:p>
+          <a:p>
+            <a:r>
+              <a:rPr lang="en-US" sz="2000" b="1" i="0" dirty="0">
+                <a:solidFill>
+                  <a:srgbClr val="000080"/>
+                </a:solidFill>
+                <a:effectLst/>
+                <a:latin typeface="Menlo"/>
+              </a:rPr>
+              <a:t>static</a:t>
+            </a:r>
+            <a:r>
+              <a:rPr lang="en-US" sz="2000" b="0" i="0" dirty="0">
+                <a:solidFill>
+                  <a:srgbClr val="000000"/>
+                </a:solidFill>
+                <a:effectLst/>
+                <a:latin typeface="Menlo"/>
+              </a:rPr>
+              <a:t> </a:t>
+            </a:r>
+            <a:r>
+              <a:rPr lang="en-US" sz="2000" b="1" i="0" dirty="0">
+                <a:solidFill>
+                  <a:srgbClr val="000080"/>
+                </a:solidFill>
+                <a:effectLst/>
+                <a:latin typeface="Menlo"/>
+              </a:rPr>
+              <a:t>class</a:t>
+            </a:r>
+            <a:r>
+              <a:rPr lang="en-US" sz="2000" b="0" i="0" dirty="0">
+                <a:solidFill>
+                  <a:srgbClr val="000000"/>
+                </a:solidFill>
+                <a:effectLst/>
+                <a:latin typeface="Menlo"/>
+              </a:rPr>
+              <a:t> Human { </a:t>
+            </a:r>
+            <a:endParaRPr lang="uk-UA" sz="2000" b="0" i="0" dirty="0">
+              <a:solidFill>
+                <a:srgbClr val="000000"/>
+              </a:solidFill>
+              <a:effectLst/>
+              <a:latin typeface="Menlo"/>
+            </a:endParaRPr>
+          </a:p>
+          <a:p>
+            <a:r>
+              <a:rPr lang="uk-UA" sz="2000" b="1" i="0" dirty="0">
+                <a:solidFill>
+                  <a:srgbClr val="000080"/>
+                </a:solidFill>
+                <a:effectLst/>
+                <a:latin typeface="Menlo"/>
+              </a:rPr>
+              <a:t>	</a:t>
+            </a:r>
+            <a:r>
+              <a:rPr lang="en-US" sz="2000" b="1" i="0" dirty="0">
+                <a:solidFill>
+                  <a:srgbClr val="000080"/>
+                </a:solidFill>
+                <a:effectLst/>
+                <a:latin typeface="Menlo"/>
+              </a:rPr>
+              <a:t>private</a:t>
+            </a:r>
+            <a:r>
+              <a:rPr lang="en-US" sz="2000" b="0" i="0" dirty="0">
+                <a:solidFill>
+                  <a:srgbClr val="000000"/>
+                </a:solidFill>
+                <a:effectLst/>
+                <a:latin typeface="Menlo"/>
+              </a:rPr>
+              <a:t> String name; </a:t>
+            </a:r>
+            <a:endParaRPr lang="uk-UA" sz="2000" b="0" i="0" dirty="0">
+              <a:solidFill>
+                <a:srgbClr val="000000"/>
+              </a:solidFill>
+              <a:effectLst/>
+              <a:latin typeface="Menlo"/>
+            </a:endParaRPr>
+          </a:p>
+          <a:p>
+            <a:r>
+              <a:rPr lang="uk-UA" sz="2000" b="1" i="0" dirty="0">
+                <a:solidFill>
+                  <a:srgbClr val="000080"/>
+                </a:solidFill>
+                <a:effectLst/>
+                <a:latin typeface="Menlo"/>
+              </a:rPr>
+              <a:t>	</a:t>
+            </a:r>
+            <a:r>
+              <a:rPr lang="en-US" sz="2000" b="1" i="0" dirty="0">
+                <a:solidFill>
+                  <a:srgbClr val="000080"/>
+                </a:solidFill>
+                <a:effectLst/>
+                <a:latin typeface="Menlo"/>
+              </a:rPr>
+              <a:t>public</a:t>
+            </a:r>
+            <a:r>
+              <a:rPr lang="en-US" sz="2000" b="0" i="0" dirty="0">
+                <a:solidFill>
+                  <a:srgbClr val="000000"/>
+                </a:solidFill>
+                <a:effectLst/>
+                <a:latin typeface="Menlo"/>
+              </a:rPr>
+              <a:t> Human(String name) </a:t>
+            </a:r>
+            <a:endParaRPr lang="uk-UA" sz="2000" b="0" i="0" dirty="0">
+              <a:solidFill>
+                <a:srgbClr val="000000"/>
+              </a:solidFill>
+              <a:effectLst/>
+              <a:latin typeface="Menlo"/>
+            </a:endParaRPr>
+          </a:p>
+          <a:p>
+            <a:r>
+              <a:rPr lang="uk-UA" sz="2000" dirty="0">
+                <a:solidFill>
+                  <a:srgbClr val="000000"/>
+                </a:solidFill>
+                <a:latin typeface="Menlo"/>
+              </a:rPr>
+              <a:t>	</a:t>
+            </a:r>
+            <a:r>
+              <a:rPr lang="en-US" sz="2000" b="0" i="0" dirty="0">
+                <a:solidFill>
+                  <a:srgbClr val="000000"/>
+                </a:solidFill>
+                <a:effectLst/>
+                <a:latin typeface="Menlo"/>
+              </a:rPr>
+              <a:t>{ </a:t>
+            </a:r>
+          </a:p>
+          <a:p>
+            <a:r>
+              <a:rPr lang="en-US" sz="2000" dirty="0">
+                <a:solidFill>
+                  <a:srgbClr val="000000"/>
+                </a:solidFill>
+                <a:latin typeface="Menlo"/>
+              </a:rPr>
+              <a:t>		</a:t>
+            </a:r>
+            <a:r>
+              <a:rPr lang="en-US" sz="2000" b="1" i="0" dirty="0">
+                <a:solidFill>
+                  <a:srgbClr val="000080"/>
+                </a:solidFill>
+                <a:effectLst/>
+                <a:latin typeface="Menlo"/>
+              </a:rPr>
+              <a:t>this</a:t>
+            </a:r>
+            <a:r>
+              <a:rPr lang="en-US" sz="2000" b="0" i="0" dirty="0">
+                <a:solidFill>
+                  <a:srgbClr val="000000"/>
+                </a:solidFill>
+                <a:effectLst/>
+                <a:latin typeface="Menlo"/>
+              </a:rPr>
+              <a:t>.name = name; </a:t>
+            </a:r>
+          </a:p>
+          <a:p>
+            <a:r>
+              <a:rPr lang="en-US" sz="2000" dirty="0">
+                <a:solidFill>
+                  <a:srgbClr val="000000"/>
+                </a:solidFill>
+                <a:latin typeface="Menlo"/>
+              </a:rPr>
+              <a:t>	</a:t>
+            </a:r>
+            <a:r>
+              <a:rPr lang="en-US" sz="2000" b="0" i="0" dirty="0">
+                <a:solidFill>
+                  <a:srgbClr val="000000"/>
+                </a:solidFill>
+                <a:effectLst/>
+                <a:latin typeface="Menlo"/>
+              </a:rPr>
+              <a:t>}</a:t>
+            </a:r>
+            <a:endParaRPr lang="uk-UA" sz="2000" b="0" i="0" dirty="0">
+              <a:solidFill>
+                <a:srgbClr val="000000"/>
+              </a:solidFill>
+              <a:effectLst/>
+              <a:latin typeface="Menlo"/>
+            </a:endParaRPr>
+          </a:p>
+          <a:p>
+            <a:r>
+              <a:rPr lang="uk-UA" sz="2000" dirty="0">
+                <a:solidFill>
+                  <a:srgbClr val="000000"/>
+                </a:solidFill>
+                <a:latin typeface="Menlo"/>
+              </a:rPr>
+              <a:t>	</a:t>
+            </a:r>
+            <a:r>
+              <a:rPr lang="en-US" sz="2000" b="0" i="0" dirty="0">
+                <a:solidFill>
+                  <a:srgbClr val="808000"/>
+                </a:solidFill>
+                <a:effectLst/>
+                <a:latin typeface="Menlo"/>
+              </a:rPr>
+              <a:t>@Override</a:t>
+            </a:r>
+            <a:r>
+              <a:rPr lang="en-US" sz="2000" b="0" i="0" dirty="0">
+                <a:solidFill>
+                  <a:srgbClr val="000000"/>
+                </a:solidFill>
+                <a:effectLst/>
+                <a:latin typeface="Menlo"/>
+              </a:rPr>
+              <a:t> </a:t>
+            </a:r>
+            <a:r>
+              <a:rPr lang="en-US" sz="2000" b="1" i="0" dirty="0">
+                <a:solidFill>
+                  <a:srgbClr val="000080"/>
+                </a:solidFill>
+                <a:effectLst/>
+                <a:latin typeface="Menlo"/>
+              </a:rPr>
+              <a:t>public</a:t>
+            </a:r>
+            <a:r>
+              <a:rPr lang="en-US" sz="2000" b="0" i="0" dirty="0">
+                <a:solidFill>
+                  <a:srgbClr val="000000"/>
+                </a:solidFill>
+                <a:effectLst/>
+                <a:latin typeface="Menlo"/>
+              </a:rPr>
+              <a:t> String </a:t>
+            </a:r>
+            <a:r>
+              <a:rPr lang="en-US" sz="2000" b="0" i="0" dirty="0" err="1">
+                <a:solidFill>
+                  <a:srgbClr val="900606"/>
+                </a:solidFill>
+                <a:effectLst/>
+                <a:latin typeface="Menlo"/>
+              </a:rPr>
+              <a:t>toString</a:t>
+            </a:r>
+            <a:r>
+              <a:rPr lang="en-US" sz="2000" b="0" i="0" dirty="0">
+                <a:solidFill>
+                  <a:srgbClr val="000000"/>
+                </a:solidFill>
+                <a:effectLst/>
+                <a:latin typeface="Menlo"/>
+              </a:rPr>
+              <a:t>() </a:t>
+            </a:r>
+            <a:endParaRPr lang="uk-UA" sz="2000" b="0" i="0" dirty="0">
+              <a:solidFill>
+                <a:srgbClr val="000000"/>
+              </a:solidFill>
+              <a:effectLst/>
+              <a:latin typeface="Menlo"/>
+            </a:endParaRPr>
+          </a:p>
+          <a:p>
+            <a:r>
+              <a:rPr lang="uk-UA" sz="2000" dirty="0">
+                <a:solidFill>
+                  <a:srgbClr val="000000"/>
+                </a:solidFill>
+                <a:latin typeface="Menlo"/>
+              </a:rPr>
+              <a:t>	</a:t>
+            </a:r>
+            <a:r>
+              <a:rPr lang="en-US" sz="2000" b="0" i="0" dirty="0">
+                <a:solidFill>
+                  <a:srgbClr val="000000"/>
+                </a:solidFill>
+                <a:effectLst/>
+                <a:latin typeface="Menlo"/>
+              </a:rPr>
+              <a:t>{ </a:t>
+            </a:r>
+          </a:p>
+          <a:p>
+            <a:r>
+              <a:rPr lang="en-US" sz="2000" b="1" i="0" dirty="0">
+                <a:solidFill>
+                  <a:srgbClr val="000080"/>
+                </a:solidFill>
+                <a:effectLst/>
+                <a:latin typeface="Menlo"/>
+              </a:rPr>
+              <a:t>	return</a:t>
+            </a:r>
+            <a:r>
+              <a:rPr lang="en-US" sz="2000" b="0" i="0" dirty="0">
+                <a:solidFill>
+                  <a:srgbClr val="000000"/>
+                </a:solidFill>
+                <a:effectLst/>
+                <a:latin typeface="Menlo"/>
+              </a:rPr>
+              <a:t> </a:t>
+            </a:r>
+            <a:r>
+              <a:rPr lang="en-US" sz="2000" b="0" i="0" dirty="0">
+                <a:solidFill>
+                  <a:srgbClr val="008000"/>
+                </a:solidFill>
+                <a:effectLst/>
+                <a:latin typeface="Menlo"/>
+              </a:rPr>
+              <a:t>«</a:t>
+            </a:r>
+            <a:r>
+              <a:rPr lang="uk-UA" sz="2000" b="0" i="0" dirty="0">
+                <a:solidFill>
+                  <a:srgbClr val="008000"/>
+                </a:solidFill>
+                <a:effectLst/>
+                <a:latin typeface="Menlo"/>
+              </a:rPr>
+              <a:t>Людина з </a:t>
+            </a:r>
+            <a:r>
+              <a:rPr lang="uk-UA" sz="2000" dirty="0" err="1">
+                <a:solidFill>
+                  <a:srgbClr val="008000"/>
+                </a:solidFill>
+                <a:latin typeface="Menlo"/>
+              </a:rPr>
+              <a:t>і</a:t>
+            </a:r>
+            <a:r>
+              <a:rPr lang="uk-UA" sz="2000" b="0" i="0" dirty="0" err="1">
+                <a:solidFill>
+                  <a:srgbClr val="008000"/>
+                </a:solidFill>
+                <a:effectLst/>
+                <a:latin typeface="Menlo"/>
+              </a:rPr>
+              <a:t>м</a:t>
+            </a:r>
+            <a:r>
+              <a:rPr lang="en-US" sz="2000" b="0" i="0" dirty="0">
+                <a:solidFill>
+                  <a:srgbClr val="008000"/>
+                </a:solidFill>
+                <a:effectLst/>
+                <a:latin typeface="Menlo"/>
+              </a:rPr>
+              <a:t>`</a:t>
+            </a:r>
+            <a:r>
+              <a:rPr lang="uk-UA" sz="2000" dirty="0">
+                <a:solidFill>
+                  <a:srgbClr val="008000"/>
+                </a:solidFill>
+                <a:latin typeface="Menlo"/>
+              </a:rPr>
+              <a:t>я</a:t>
+            </a:r>
+            <a:r>
+              <a:rPr lang="uk-UA" sz="2000" b="0" i="0" dirty="0">
+                <a:solidFill>
+                  <a:srgbClr val="008000"/>
+                </a:solidFill>
+                <a:effectLst/>
+                <a:latin typeface="Menlo"/>
+              </a:rPr>
+              <a:t>м "</a:t>
+            </a:r>
+            <a:r>
+              <a:rPr lang="uk-UA" sz="2000" b="0" i="0" dirty="0">
+                <a:solidFill>
+                  <a:srgbClr val="000000"/>
+                </a:solidFill>
+                <a:effectLst/>
+                <a:latin typeface="Menlo"/>
+              </a:rPr>
+              <a:t> + </a:t>
+            </a:r>
+            <a:r>
+              <a:rPr lang="en-US" sz="2000" b="0" i="0" dirty="0">
+                <a:solidFill>
+                  <a:srgbClr val="000000"/>
+                </a:solidFill>
+                <a:effectLst/>
+                <a:latin typeface="Menlo"/>
+              </a:rPr>
+              <a:t>name; </a:t>
+            </a:r>
+          </a:p>
+          <a:p>
+            <a:r>
+              <a:rPr lang="en-US" sz="2000" b="0" i="0" dirty="0">
+                <a:solidFill>
+                  <a:srgbClr val="000000"/>
+                </a:solidFill>
+                <a:effectLst/>
+                <a:latin typeface="Menlo"/>
+              </a:rPr>
+              <a:t>	}</a:t>
+            </a:r>
+            <a:endParaRPr lang="uk-UA" sz="2000" b="0" i="0" dirty="0">
+              <a:solidFill>
+                <a:srgbClr val="000000"/>
+              </a:solidFill>
+              <a:effectLst/>
+              <a:latin typeface="Menlo"/>
+            </a:endParaRPr>
+          </a:p>
+          <a:p>
+            <a:r>
+              <a:rPr lang="en-US" sz="2000" b="0" i="0" dirty="0">
+                <a:solidFill>
+                  <a:srgbClr val="000000"/>
+                </a:solidFill>
+                <a:effectLst/>
+                <a:latin typeface="Menlo"/>
+              </a:rPr>
+              <a:t> } </a:t>
+            </a:r>
+            <a:endParaRPr lang="uk-UA" sz="2000" b="0" i="0" dirty="0">
+              <a:solidFill>
+                <a:srgbClr val="000000"/>
+              </a:solidFill>
+              <a:effectLst/>
+              <a:latin typeface="Menlo"/>
+            </a:endParaRPr>
+          </a:p>
+          <a:p>
+            <a:endParaRPr lang="uk-UA" sz="2000" dirty="0"/>
+          </a:p>
+        </p:txBody>
+      </p:sp>
+    </p:spTree>
+    <p:extLst>
+      <p:ext uri="{BB962C8B-B14F-4D97-AF65-F5344CB8AC3E}">
+        <p14:creationId xmlns:p14="http://schemas.microsoft.com/office/powerpoint/2010/main" val="3050747000"/>
       </p:ext>
     </p:extLst>
   </p:cSld>
@@ -23585,10 +23747,10 @@
       </p:grpSpPr>
       <p:sp>
         <p:nvSpPr>
-          <p:cNvPr id="4" name="TextBox 3">
+          <p:cNvPr id="3" name="TextBox 2">
             <a:extLst>
               <a:ext uri="{FF2B5EF4-FFF2-40B4-BE49-F238E27FC236}">
-                <a16:creationId xmlns:a16="http://schemas.microsoft.com/office/drawing/2014/main" id="{4621916F-D2F5-4D86-AE5A-0F126B034DC5}"/>
+                <a16:creationId xmlns:a16="http://schemas.microsoft.com/office/drawing/2014/main" id="{3EAA7D44-2E15-467B-B925-1B027419BAF8}"/>
               </a:ext>
             </a:extLst>
           </p:cNvPr>
@@ -23597,73 +23759,7 @@
         </p:nvSpPr>
         <p:spPr>
           <a:xfrm>
-            <a:off x="5927888" y="3973429"/>
-            <a:ext cx="6094428" cy="2677656"/>
-          </a:xfrm>
-          <a:prstGeom prst="rect">
-            <a:avLst/>
-          </a:prstGeom>
-          <a:noFill/>
-        </p:spPr>
-        <p:txBody>
-          <a:bodyPr wrap="square">
-            <a:spAutoFit/>
-          </a:bodyPr>
-          <a:lstStyle/>
-          <a:p>
-            <a:r>
-              <a:rPr lang="uk-UA" sz="2400" dirty="0">
-                <a:latin typeface="Times New Roman" panose="02020603050405020304" pitchFamily="18" charset="0"/>
-                <a:cs typeface="Times New Roman" panose="02020603050405020304" pitchFamily="18" charset="0"/>
-              </a:rPr>
-              <a:t>Складаючи об'єкти класу </a:t>
-            </a:r>
-            <a:r>
-              <a:rPr lang="uk-UA" sz="2400" dirty="0" err="1">
-                <a:latin typeface="Times New Roman" panose="02020603050405020304" pitchFamily="18" charset="0"/>
-                <a:cs typeface="Times New Roman" panose="02020603050405020304" pitchFamily="18" charset="0"/>
-              </a:rPr>
-              <a:t>String</a:t>
-            </a:r>
-            <a:r>
-              <a:rPr lang="uk-UA" sz="2400" dirty="0">
-                <a:latin typeface="Times New Roman" panose="02020603050405020304" pitchFamily="18" charset="0"/>
-                <a:cs typeface="Times New Roman" panose="02020603050405020304" pitchFamily="18" charset="0"/>
-              </a:rPr>
-              <a:t> з об'єктами інших класів, ми наводимо останні до рядкового вигляду. Перетворення об'єктів інших класів до рядкового подання виконується через неявний виклик методу </a:t>
-            </a:r>
-            <a:r>
-              <a:rPr lang="uk-UA" sz="2400" dirty="0" err="1">
-                <a:latin typeface="Times New Roman" panose="02020603050405020304" pitchFamily="18" charset="0"/>
-                <a:cs typeface="Times New Roman" panose="02020603050405020304" pitchFamily="18" charset="0"/>
-              </a:rPr>
-              <a:t>toString</a:t>
-            </a:r>
-            <a:r>
-              <a:rPr lang="uk-UA" sz="2400" dirty="0">
-                <a:latin typeface="Times New Roman" panose="02020603050405020304" pitchFamily="18" charset="0"/>
-                <a:cs typeface="Times New Roman" panose="02020603050405020304" pitchFamily="18" charset="0"/>
-              </a:rPr>
-              <a:t> в об'єкті. Продемонструємо це на прикладі: </a:t>
-            </a:r>
-          </a:p>
-        </p:txBody>
-      </p:sp>
-      <p:sp>
-        <p:nvSpPr>
-          <p:cNvPr id="5" name="TextBox 4">
-            <a:extLst>
-              <a:ext uri="{FF2B5EF4-FFF2-40B4-BE49-F238E27FC236}">
-                <a16:creationId xmlns:a16="http://schemas.microsoft.com/office/drawing/2014/main" id="{934F8949-EEED-445D-91A6-D425A0566E70}"/>
-              </a:ext>
-            </a:extLst>
-          </p:cNvPr>
-          <p:cNvSpPr txBox="1"/>
-          <p:nvPr/>
-        </p:nvSpPr>
-        <p:spPr>
-          <a:xfrm>
-            <a:off x="-1571" y="93458"/>
+            <a:off x="0" y="145272"/>
             <a:ext cx="12192000" cy="707886"/>
           </a:xfrm>
           <a:prstGeom prst="rect">
@@ -23690,28 +23786,14 @@
                 <a:latin typeface="Times New Roman" panose="02020603050405020304" pitchFamily="18" charset="0"/>
                 <a:cs typeface="Times New Roman" panose="02020603050405020304" pitchFamily="18" charset="0"/>
               </a:rPr>
-              <a:t>String. </a:t>
+              <a:t>String</a:t>
             </a:r>
             <a:r>
               <a:rPr lang="uk-UA" sz="4000" dirty="0">
                 <a:latin typeface="Times New Roman" panose="02020603050405020304" pitchFamily="18" charset="0"/>
                 <a:cs typeface="Times New Roman" panose="02020603050405020304" pitchFamily="18" charset="0"/>
               </a:rPr>
-              <a:t>Додавання рядків. Об</a:t>
-            </a:r>
-            <a:r>
-              <a:rPr lang="en-US" sz="4000" dirty="0">
-                <a:latin typeface="Times New Roman" panose="02020603050405020304" pitchFamily="18" charset="0"/>
-                <a:cs typeface="Times New Roman" panose="02020603050405020304" pitchFamily="18" charset="0"/>
-              </a:rPr>
-              <a:t>`</a:t>
-            </a:r>
-            <a:r>
-              <a:rPr lang="uk-UA" sz="4000" dirty="0" err="1">
-                <a:latin typeface="Times New Roman" panose="02020603050405020304" pitchFamily="18" charset="0"/>
-                <a:cs typeface="Times New Roman" panose="02020603050405020304" pitchFamily="18" charset="0"/>
-              </a:rPr>
-              <a:t>єкти</a:t>
+              <a:t>. Порівняння рядків</a:t>
             </a:r>
             <a:r>
               <a:rPr lang="en-US" sz="4000" dirty="0">
@@ -23729,10 +23811,10 @@
       </p:sp>
       <p:sp>
         <p:nvSpPr>
-          <p:cNvPr id="6" name="TextBox 5">
+          <p:cNvPr id="2" name="TextBox 1">
             <a:extLst>
               <a:ext uri="{FF2B5EF4-FFF2-40B4-BE49-F238E27FC236}">
-                <a16:creationId xmlns:a16="http://schemas.microsoft.com/office/drawing/2014/main" id="{6F11BCA2-CCC1-4135-9778-5921583A0F56}"/>
+                <a16:creationId xmlns:a16="http://schemas.microsoft.com/office/drawing/2014/main" id="{37253A66-33EB-4FB3-82D0-4959C77D3989}"/>
               </a:ext>
             </a:extLst>
           </p:cNvPr>
@@ -23741,8 +23823,8 @@
         </p:nvSpPr>
         <p:spPr>
           <a:xfrm>
-            <a:off x="254524" y="801344"/>
-            <a:ext cx="10605154" cy="5632311"/>
+            <a:off x="641023" y="1030509"/>
+            <a:ext cx="5646655" cy="707886"/>
           </a:xfrm>
           <a:prstGeom prst="rect">
             <a:avLst/>
@@ -23756,6 +23838,118 @@
           <a:lstStyle/>
           <a:p>
             <a:r>
+              <a:rPr lang="ru-RU" sz="2000" dirty="0">
+                <a:latin typeface="Times New Roman" panose="02020603050405020304" pitchFamily="18" charset="0"/>
+                <a:cs typeface="Times New Roman" panose="02020603050405020304" pitchFamily="18" charset="0"/>
+              </a:rPr>
+              <a:t>Для </a:t>
+            </a:r>
+            <a:r>
+              <a:rPr lang="ru-RU" sz="2000" dirty="0" err="1">
+                <a:latin typeface="Times New Roman" panose="02020603050405020304" pitchFamily="18" charset="0"/>
+                <a:cs typeface="Times New Roman" panose="02020603050405020304" pitchFamily="18" charset="0"/>
+              </a:rPr>
+              <a:t>порівняння</a:t>
+            </a:r>
+            <a:r>
+              <a:rPr lang="ru-RU" sz="2000" dirty="0">
+                <a:latin typeface="Times New Roman" panose="02020603050405020304" pitchFamily="18" charset="0"/>
+                <a:cs typeface="Times New Roman" panose="02020603050405020304" pitchFamily="18" charset="0"/>
+              </a:rPr>
+              <a:t> </a:t>
+            </a:r>
+            <a:r>
+              <a:rPr lang="ru-RU" sz="2000" dirty="0" err="1">
+                <a:latin typeface="Times New Roman" panose="02020603050405020304" pitchFamily="18" charset="0"/>
+                <a:cs typeface="Times New Roman" panose="02020603050405020304" pitchFamily="18" charset="0"/>
+              </a:rPr>
+              <a:t>рядків</a:t>
+            </a:r>
+            <a:r>
+              <a:rPr lang="ru-RU" sz="2000" dirty="0">
+                <a:latin typeface="Times New Roman" panose="02020603050405020304" pitchFamily="18" charset="0"/>
+                <a:cs typeface="Times New Roman" panose="02020603050405020304" pitchFamily="18" charset="0"/>
+              </a:rPr>
+              <a:t> </a:t>
+            </a:r>
+            <a:r>
+              <a:rPr lang="ru-RU" sz="2000" dirty="0" err="1">
+                <a:latin typeface="Times New Roman" panose="02020603050405020304" pitchFamily="18" charset="0"/>
+                <a:cs typeface="Times New Roman" panose="02020603050405020304" pitchFamily="18" charset="0"/>
+              </a:rPr>
+              <a:t>можна</a:t>
+            </a:r>
+            <a:r>
+              <a:rPr lang="ru-RU" sz="2000" dirty="0">
+                <a:latin typeface="Times New Roman" panose="02020603050405020304" pitchFamily="18" charset="0"/>
+                <a:cs typeface="Times New Roman" panose="02020603050405020304" pitchFamily="18" charset="0"/>
+              </a:rPr>
+              <a:t> </a:t>
+            </a:r>
+            <a:r>
+              <a:rPr lang="ru-RU" sz="2000" dirty="0" err="1">
+                <a:latin typeface="Times New Roman" panose="02020603050405020304" pitchFamily="18" charset="0"/>
+                <a:cs typeface="Times New Roman" panose="02020603050405020304" pitchFamily="18" charset="0"/>
+              </a:rPr>
+              <a:t>скористатися</a:t>
+            </a:r>
+            <a:r>
+              <a:rPr lang="ru-RU" sz="2000" dirty="0">
+                <a:latin typeface="Times New Roman" panose="02020603050405020304" pitchFamily="18" charset="0"/>
+                <a:cs typeface="Times New Roman" panose="02020603050405020304" pitchFamily="18" charset="0"/>
+              </a:rPr>
+              <a:t> методом </a:t>
+            </a:r>
+            <a:r>
+              <a:rPr lang="ru-RU" sz="2000" dirty="0" err="1">
+                <a:latin typeface="Times New Roman" panose="02020603050405020304" pitchFamily="18" charset="0"/>
+                <a:cs typeface="Times New Roman" panose="02020603050405020304" pitchFamily="18" charset="0"/>
+              </a:rPr>
+              <a:t>equals</a:t>
+            </a:r>
+            <a:r>
+              <a:rPr lang="ru-RU" sz="2000" dirty="0">
+                <a:latin typeface="Times New Roman" panose="02020603050405020304" pitchFamily="18" charset="0"/>
+                <a:cs typeface="Times New Roman" panose="02020603050405020304" pitchFamily="18" charset="0"/>
+              </a:rPr>
+              <a:t>():</a:t>
+            </a:r>
+            <a:endParaRPr lang="uk-UA" sz="2000" dirty="0">
+              <a:latin typeface="Times New Roman" panose="02020603050405020304" pitchFamily="18" charset="0"/>
+              <a:cs typeface="Times New Roman" panose="02020603050405020304" pitchFamily="18" charset="0"/>
+            </a:endParaRPr>
+          </a:p>
+        </p:txBody>
+      </p:sp>
+      <p:sp>
+        <p:nvSpPr>
+          <p:cNvPr id="5" name="TextBox 4">
+            <a:extLst>
+              <a:ext uri="{FF2B5EF4-FFF2-40B4-BE49-F238E27FC236}">
+                <a16:creationId xmlns:a16="http://schemas.microsoft.com/office/drawing/2014/main" id="{0A3ABEA2-38F5-4099-AA67-34812B665723}"/>
+              </a:ext>
+            </a:extLst>
+          </p:cNvPr>
+          <p:cNvSpPr txBox="1"/>
+          <p:nvPr/>
+        </p:nvSpPr>
+        <p:spPr>
+          <a:xfrm>
+            <a:off x="641022" y="1854191"/>
+            <a:ext cx="6391373" cy="1323439"/>
+          </a:xfrm>
+          <a:prstGeom prst="rect">
+            <a:avLst/>
+          </a:prstGeom>
+          <a:noFill/>
+        </p:spPr>
+        <p:txBody>
+          <a:bodyPr wrap="square">
+            <a:spAutoFit/>
+          </a:bodyPr>
+          <a:lstStyle/>
+          <a:p>
+            <a:r>
               <a:rPr lang="en-US" sz="2000" b="1" i="0" dirty="0">
                 <a:solidFill>
                   <a:srgbClr val="000080"/>
@@ -23783,7 +23977,7 @@
                 <a:effectLst/>
                 <a:latin typeface="Menlo"/>
               </a:rPr>
-              <a:t>class</a:t>
+              <a:t>static</a:t>
             </a:r>
             <a:r>
               <a:rPr lang="en-US" sz="2000" b="0" i="0" dirty="0">
@@ -23796,6 +23990,46 @@
               <a:t> </a:t>
             </a:r>
             <a:r>
+              <a:rPr lang="en-US" sz="2000" b="1" i="0" dirty="0">
+                <a:solidFill>
+                  <a:srgbClr val="000080"/>
+                </a:solidFill>
+                <a:effectLst/>
+                <a:latin typeface="Menlo"/>
+              </a:rPr>
+              <a:t>void</a:t>
+            </a:r>
+            <a:r>
+              <a:rPr lang="en-US" sz="2000" b="0" i="0" dirty="0">
+                <a:solidFill>
+                  <a:srgbClr val="000000"/>
+                </a:solidFill>
+                <a:effectLst/>
+                <a:latin typeface="Menlo"/>
+              </a:rPr>
+              <a:t> </a:t>
+            </a:r>
+            <a:r>
+              <a:rPr lang="en-US" sz="2000" b="0" i="0" dirty="0">
+                <a:solidFill>
+                  <a:srgbClr val="900606"/>
+                </a:solidFill>
+                <a:effectLst/>
+                <a:latin typeface="Menlo"/>
+              </a:rPr>
+              <a:t>main</a:t>
+            </a:r>
+            <a:r>
+              <a:rPr lang="en-US" sz="2000" b="0" i="0" dirty="0">
+                <a:solidFill>
+                  <a:srgbClr val="000000"/>
+                </a:solidFill>
+                <a:effectLst/>
+                <a:latin typeface="Menlo"/>
+              </a:rPr>
+              <a:t>(String[] </a:t>
+            </a:r>
+            <a:r>
               <a:rPr lang="en-US" sz="2000" b="0" i="0" dirty="0" err="1">
                 <a:solidFill>
                   <a:srgbClr val="000000"/>
@@ -23803,7 +24037,7 @@
                 <a:effectLst/>
                 <a:latin typeface="Menlo"/>
               </a:rPr>
-              <a:t>StringExamples</a:t>
+              <a:t>args</a:t>
             </a:r>
             <a:r>
               <a:rPr lang="en-US" sz="2000" b="0" i="0" dirty="0">
@@ -23813,7 +24047,7 @@
                 <a:effectLst/>
                 <a:latin typeface="Menlo"/>
               </a:rPr>
-              <a:t> { </a:t>
+              <a:t>) { </a:t>
             </a:r>
             <a:endParaRPr lang="uk-UA" sz="2000" b="0" i="0" dirty="0">
               <a:solidFill>
@@ -23825,14 +24059,14 @@
           </a:p>
           <a:p>
             <a:r>
-              <a:rPr lang="en-US" sz="2000" b="1" i="0" dirty="0">
-                <a:solidFill>
-                  <a:srgbClr val="000080"/>
-                </a:solidFill>
-                <a:effectLst/>
-                <a:latin typeface="Menlo"/>
-              </a:rPr>
-              <a:t>	public</a:t>
+              <a:rPr lang="uk-UA" sz="2000" b="0" i="0" dirty="0">
+                <a:solidFill>
+                  <a:srgbClr val="000000"/>
+                </a:solidFill>
+                <a:effectLst/>
+                <a:latin typeface="Menlo"/>
+              </a:rPr>
+              <a:t>	</a:t>
             </a:r>
             <a:r>
               <a:rPr lang="en-US" sz="2000" b="0" i="0" dirty="0">
@@ -23842,87 +24076,142 @@
                 <a:effectLst/>
                 <a:latin typeface="Menlo"/>
               </a:rPr>
+              <a:t>String x = </a:t>
+            </a:r>
+            <a:r>
+              <a:rPr lang="en-US" sz="2000" b="0" i="0" dirty="0">
+                <a:solidFill>
+                  <a:srgbClr val="008000"/>
+                </a:solidFill>
+                <a:effectLst/>
+                <a:latin typeface="Menlo"/>
+              </a:rPr>
+              <a:t>"Test String"</a:t>
+            </a:r>
+            <a:r>
+              <a:rPr lang="en-US" sz="2000" b="0" i="0" dirty="0">
+                <a:solidFill>
+                  <a:srgbClr val="000000"/>
+                </a:solidFill>
+                <a:effectLst/>
+                <a:latin typeface="Menlo"/>
+              </a:rPr>
+              <a:t>; </a:t>
+            </a:r>
+            <a:endParaRPr lang="uk-UA" sz="2000" dirty="0">
+              <a:solidFill>
+                <a:srgbClr val="000000"/>
+              </a:solidFill>
+              <a:latin typeface="Menlo"/>
+            </a:endParaRPr>
+          </a:p>
+          <a:p>
+            <a:r>
+              <a:rPr lang="uk-UA" sz="2000" b="0" i="0" dirty="0">
+                <a:solidFill>
+                  <a:srgbClr val="000000"/>
+                </a:solidFill>
+                <a:effectLst/>
+                <a:latin typeface="Menlo"/>
+              </a:rPr>
+              <a:t>	</a:t>
+            </a:r>
+            <a:r>
+              <a:rPr lang="en-US" sz="2000" b="0" i="0" dirty="0" err="1">
+                <a:solidFill>
+                  <a:srgbClr val="000000"/>
+                </a:solidFill>
+                <a:effectLst/>
+                <a:latin typeface="Menlo"/>
+              </a:rPr>
+              <a:t>System.out.</a:t>
+            </a:r>
+            <a:r>
+              <a:rPr lang="en-US" sz="2000" b="0" i="0" dirty="0" err="1">
+                <a:solidFill>
+                  <a:srgbClr val="900606"/>
+                </a:solidFill>
+                <a:effectLst/>
+                <a:latin typeface="Menlo"/>
+              </a:rPr>
+              <a:t>println</a:t>
+            </a:r>
+            <a:r>
+              <a:rPr lang="en-US" sz="2000" b="0" i="0" dirty="0">
+                <a:solidFill>
+                  <a:srgbClr val="000000"/>
+                </a:solidFill>
+                <a:effectLst/>
+                <a:latin typeface="Menlo"/>
+              </a:rPr>
+              <a:t>(</a:t>
+            </a:r>
+            <a:r>
+              <a:rPr lang="en-US" sz="2000" b="0" i="0" dirty="0">
+                <a:solidFill>
+                  <a:srgbClr val="008000"/>
+                </a:solidFill>
+                <a:effectLst/>
+                <a:latin typeface="Menlo"/>
+              </a:rPr>
+              <a:t>"Test </a:t>
+            </a:r>
+            <a:r>
+              <a:rPr lang="en-US" sz="2000" b="0" i="0" dirty="0" err="1">
+                <a:solidFill>
+                  <a:srgbClr val="008000"/>
+                </a:solidFill>
+                <a:effectLst/>
+                <a:latin typeface="Menlo"/>
+              </a:rPr>
+              <a:t>String"</a:t>
+            </a:r>
+            <a:r>
+              <a:rPr lang="en-US" sz="2000" b="0" i="0" dirty="0" err="1">
+                <a:solidFill>
+                  <a:srgbClr val="000000"/>
+                </a:solidFill>
+                <a:effectLst/>
+                <a:latin typeface="Menlo"/>
+              </a:rPr>
+              <a:t>.</a:t>
+            </a:r>
+            <a:r>
+              <a:rPr lang="en-US" sz="2000" b="0" i="0" dirty="0" err="1">
+                <a:solidFill>
+                  <a:srgbClr val="900606"/>
+                </a:solidFill>
+                <a:effectLst/>
+                <a:latin typeface="Menlo"/>
+              </a:rPr>
+              <a:t>equals</a:t>
+            </a:r>
+            <a:r>
+              <a:rPr lang="en-US" sz="2000" b="0" i="0" dirty="0">
+                <a:solidFill>
+                  <a:srgbClr val="000000"/>
+                </a:solidFill>
+                <a:effectLst/>
+                <a:latin typeface="Menlo"/>
+              </a:rPr>
+              <a:t>(x)); </a:t>
+            </a:r>
+            <a:r>
+              <a:rPr lang="en-US" sz="2000" b="0" i="0" dirty="0">
+                <a:effectLst/>
+                <a:latin typeface="Menlo"/>
+              </a:rPr>
+              <a:t>// true</a:t>
+            </a:r>
+            <a:r>
+              <a:rPr lang="en-US" sz="2000" b="0" i="0" dirty="0">
+                <a:solidFill>
+                  <a:srgbClr val="000000"/>
+                </a:solidFill>
+                <a:effectLst/>
+                <a:latin typeface="Menlo"/>
+              </a:rPr>
               <a:t> </a:t>
-            </a:r>
-            <a:r>
-              <a:rPr lang="en-US" sz="2000" b="1" i="0" dirty="0">
-                <a:solidFill>
-                  <a:srgbClr val="000080"/>
-                </a:solidFill>
-                <a:effectLst/>
-                <a:latin typeface="Menlo"/>
-              </a:rPr>
-              <a:t>static</a:t>
-            </a:r>
-            <a:r>
-              <a:rPr lang="en-US" sz="2000" b="0" i="0" dirty="0">
-                <a:solidFill>
-                  <a:srgbClr val="000000"/>
-                </a:solidFill>
-                <a:effectLst/>
-                <a:latin typeface="Menlo"/>
-              </a:rPr>
-              <a:t> </a:t>
-            </a:r>
-            <a:r>
-              <a:rPr lang="en-US" sz="2000" b="1" i="0" dirty="0">
-                <a:solidFill>
-                  <a:srgbClr val="000080"/>
-                </a:solidFill>
-                <a:effectLst/>
-                <a:latin typeface="Menlo"/>
-              </a:rPr>
-              <a:t>void</a:t>
-            </a:r>
-            <a:r>
-              <a:rPr lang="en-US" sz="2000" b="0" i="0" dirty="0">
-                <a:solidFill>
-                  <a:srgbClr val="000000"/>
-                </a:solidFill>
-                <a:effectLst/>
-                <a:latin typeface="Menlo"/>
-              </a:rPr>
-              <a:t> </a:t>
-            </a:r>
-            <a:r>
-              <a:rPr lang="en-US" sz="2000" b="0" i="0" dirty="0">
-                <a:solidFill>
-                  <a:srgbClr val="900606"/>
-                </a:solidFill>
-                <a:effectLst/>
-                <a:latin typeface="Menlo"/>
-              </a:rPr>
-              <a:t>main</a:t>
-            </a:r>
-            <a:r>
-              <a:rPr lang="en-US" sz="2000" b="0" i="0" dirty="0">
-                <a:solidFill>
-                  <a:srgbClr val="000000"/>
-                </a:solidFill>
-                <a:effectLst/>
-                <a:latin typeface="Menlo"/>
-              </a:rPr>
-              <a:t>(String[] </a:t>
-            </a:r>
-            <a:r>
-              <a:rPr lang="en-US" sz="2000" b="0" i="0" dirty="0" err="1">
-                <a:solidFill>
-                  <a:srgbClr val="000000"/>
-                </a:solidFill>
-                <a:effectLst/>
-                <a:latin typeface="Menlo"/>
-              </a:rPr>
-              <a:t>args</a:t>
-            </a:r>
-            <a:r>
-              <a:rPr lang="en-US" sz="2000" b="0" i="0" dirty="0">
-                <a:solidFill>
-                  <a:srgbClr val="000000"/>
-                </a:solidFill>
-                <a:effectLst/>
-                <a:latin typeface="Menlo"/>
-              </a:rPr>
-              <a:t>) { </a:t>
             </a:r>
             <a:endParaRPr lang="uk-UA" sz="2000" b="0" i="0" dirty="0">
               <a:solidFill>
@@ -23941,8 +24230,180 @@
                 <a:effectLst/>
                 <a:latin typeface="Menlo"/>
               </a:rPr>
-              <a:t>	Human max = </a:t>
-            </a:r>
+              <a:t>}</a:t>
+            </a:r>
+            <a:endParaRPr lang="uk-UA" sz="2000" dirty="0"/>
+          </a:p>
+        </p:txBody>
+      </p:sp>
+      <p:sp>
+        <p:nvSpPr>
+          <p:cNvPr id="6" name="TextBox 5">
+            <a:extLst>
+              <a:ext uri="{FF2B5EF4-FFF2-40B4-BE49-F238E27FC236}">
+                <a16:creationId xmlns:a16="http://schemas.microsoft.com/office/drawing/2014/main" id="{B1D46A61-3684-4BAD-A80C-F741717A9625}"/>
+              </a:ext>
+            </a:extLst>
+          </p:cNvPr>
+          <p:cNvSpPr txBox="1"/>
+          <p:nvPr/>
+        </p:nvSpPr>
+        <p:spPr>
+          <a:xfrm>
+            <a:off x="5533534" y="3095595"/>
+            <a:ext cx="6608190" cy="707886"/>
+          </a:xfrm>
+          <a:prstGeom prst="rect">
+            <a:avLst/>
+          </a:prstGeom>
+          <a:noFill/>
+        </p:spPr>
+        <p:txBody>
+          <a:bodyPr wrap="square" rtlCol="0">
+            <a:spAutoFit/>
+          </a:bodyPr>
+          <a:lstStyle/>
+          <a:p>
+            <a:r>
+              <a:rPr lang="ru-RU" sz="2000" dirty="0">
+                <a:latin typeface="Times New Roman" panose="02020603050405020304" pitchFamily="18" charset="0"/>
+                <a:cs typeface="Times New Roman" panose="02020603050405020304" pitchFamily="18" charset="0"/>
+              </a:rPr>
+              <a:t>Коли при </a:t>
+            </a:r>
+            <a:r>
+              <a:rPr lang="ru-RU" sz="2000" dirty="0" err="1">
+                <a:latin typeface="Times New Roman" panose="02020603050405020304" pitchFamily="18" charset="0"/>
+                <a:cs typeface="Times New Roman" panose="02020603050405020304" pitchFamily="18" charset="0"/>
+              </a:rPr>
+              <a:t>порівнянні</a:t>
+            </a:r>
+            <a:r>
+              <a:rPr lang="ru-RU" sz="2000" dirty="0">
+                <a:latin typeface="Times New Roman" panose="02020603050405020304" pitchFamily="18" charset="0"/>
+                <a:cs typeface="Times New Roman" panose="02020603050405020304" pitchFamily="18" charset="0"/>
+              </a:rPr>
+              <a:t> </a:t>
+            </a:r>
+            <a:r>
+              <a:rPr lang="ru-RU" sz="2000" dirty="0" err="1">
+                <a:latin typeface="Times New Roman" panose="02020603050405020304" pitchFamily="18" charset="0"/>
+                <a:cs typeface="Times New Roman" panose="02020603050405020304" pitchFamily="18" charset="0"/>
+              </a:rPr>
+              <a:t>рядків</a:t>
+            </a:r>
+            <a:r>
+              <a:rPr lang="ru-RU" sz="2000" dirty="0">
+                <a:latin typeface="Times New Roman" panose="02020603050405020304" pitchFamily="18" charset="0"/>
+                <a:cs typeface="Times New Roman" panose="02020603050405020304" pitchFamily="18" charset="0"/>
+              </a:rPr>
+              <a:t> нам не </a:t>
+            </a:r>
+            <a:r>
+              <a:rPr lang="ru-RU" sz="2000" dirty="0" err="1">
+                <a:latin typeface="Times New Roman" panose="02020603050405020304" pitchFamily="18" charset="0"/>
+                <a:cs typeface="Times New Roman" panose="02020603050405020304" pitchFamily="18" charset="0"/>
+              </a:rPr>
+              <a:t>важливий</a:t>
+            </a:r>
+            <a:r>
+              <a:rPr lang="ru-RU" sz="2000" dirty="0">
+                <a:latin typeface="Times New Roman" panose="02020603050405020304" pitchFamily="18" charset="0"/>
+                <a:cs typeface="Times New Roman" panose="02020603050405020304" pitchFamily="18" charset="0"/>
+              </a:rPr>
+              <a:t> </a:t>
+            </a:r>
+            <a:r>
+              <a:rPr lang="ru-RU" sz="2000" dirty="0" err="1">
+                <a:latin typeface="Times New Roman" panose="02020603050405020304" pitchFamily="18" charset="0"/>
+                <a:cs typeface="Times New Roman" panose="02020603050405020304" pitchFamily="18" charset="0"/>
+              </a:rPr>
+              <a:t>регістр</a:t>
+            </a:r>
+            <a:r>
+              <a:rPr lang="ru-RU" sz="2000" dirty="0">
+                <a:latin typeface="Times New Roman" panose="02020603050405020304" pitchFamily="18" charset="0"/>
+                <a:cs typeface="Times New Roman" panose="02020603050405020304" pitchFamily="18" charset="0"/>
+              </a:rPr>
+              <a:t>, </a:t>
+            </a:r>
+            <a:r>
+              <a:rPr lang="ru-RU" sz="2000" dirty="0" err="1">
+                <a:latin typeface="Times New Roman" panose="02020603050405020304" pitchFamily="18" charset="0"/>
+                <a:cs typeface="Times New Roman" panose="02020603050405020304" pitchFamily="18" charset="0"/>
+              </a:rPr>
+              <a:t>потрібно</a:t>
+            </a:r>
+            <a:r>
+              <a:rPr lang="ru-RU" sz="2000" dirty="0">
+                <a:latin typeface="Times New Roman" panose="02020603050405020304" pitchFamily="18" charset="0"/>
+                <a:cs typeface="Times New Roman" panose="02020603050405020304" pitchFamily="18" charset="0"/>
+              </a:rPr>
+              <a:t> </a:t>
+            </a:r>
+            <a:r>
+              <a:rPr lang="ru-RU" sz="2000" dirty="0" err="1">
+                <a:latin typeface="Times New Roman" panose="02020603050405020304" pitchFamily="18" charset="0"/>
+                <a:cs typeface="Times New Roman" panose="02020603050405020304" pitchFamily="18" charset="0"/>
+              </a:rPr>
+              <a:t>використовувати</a:t>
+            </a:r>
+            <a:r>
+              <a:rPr lang="ru-RU" sz="2000" dirty="0">
+                <a:latin typeface="Times New Roman" panose="02020603050405020304" pitchFamily="18" charset="0"/>
+                <a:cs typeface="Times New Roman" panose="02020603050405020304" pitchFamily="18" charset="0"/>
+              </a:rPr>
+              <a:t> метод </a:t>
+            </a:r>
+            <a:r>
+              <a:rPr lang="ru-RU" sz="2000" dirty="0" err="1">
+                <a:latin typeface="Times New Roman" panose="02020603050405020304" pitchFamily="18" charset="0"/>
+                <a:cs typeface="Times New Roman" panose="02020603050405020304" pitchFamily="18" charset="0"/>
+              </a:rPr>
+              <a:t>equalsIgnoreCase</a:t>
+            </a:r>
+            <a:r>
+              <a:rPr lang="ru-RU" sz="2000" dirty="0">
+                <a:latin typeface="Times New Roman" panose="02020603050405020304" pitchFamily="18" charset="0"/>
+                <a:cs typeface="Times New Roman" panose="02020603050405020304" pitchFamily="18" charset="0"/>
+              </a:rPr>
+              <a:t>():</a:t>
+            </a:r>
+            <a:endParaRPr lang="uk-UA" sz="2000" dirty="0">
+              <a:latin typeface="Times New Roman" panose="02020603050405020304" pitchFamily="18" charset="0"/>
+              <a:cs typeface="Times New Roman" panose="02020603050405020304" pitchFamily="18" charset="0"/>
+            </a:endParaRPr>
+          </a:p>
+        </p:txBody>
+      </p:sp>
+      <p:sp>
+        <p:nvSpPr>
+          <p:cNvPr id="8" name="TextBox 7">
+            <a:extLst>
+              <a:ext uri="{FF2B5EF4-FFF2-40B4-BE49-F238E27FC236}">
+                <a16:creationId xmlns:a16="http://schemas.microsoft.com/office/drawing/2014/main" id="{4141D373-0590-4782-AACE-8A09CF4895C9}"/>
+              </a:ext>
+            </a:extLst>
+          </p:cNvPr>
+          <p:cNvSpPr txBox="1"/>
+          <p:nvPr/>
+        </p:nvSpPr>
+        <p:spPr>
+          <a:xfrm>
+            <a:off x="4524867" y="4198983"/>
+            <a:ext cx="7423606" cy="1323439"/>
+          </a:xfrm>
+          <a:prstGeom prst="rect">
+            <a:avLst/>
+          </a:prstGeom>
+          <a:noFill/>
+        </p:spPr>
+        <p:txBody>
+          <a:bodyPr wrap="square">
+            <a:spAutoFit/>
+          </a:bodyPr>
+          <a:lstStyle/>
+          <a:p>
             <a:r>
               <a:rPr lang="en-US" sz="2000" b="1" i="0" dirty="0">
                 <a:solidFill>
@@ -23951,7 +24412,7 @@
                 <a:effectLst/>
                 <a:latin typeface="Menlo"/>
               </a:rPr>
-              <a:t>new</a:t>
+              <a:t>public</a:t>
             </a:r>
             <a:r>
               <a:rPr lang="en-US" sz="2000" b="0" i="0" dirty="0">
@@ -23961,40 +24422,38 @@
                 <a:effectLst/>
                 <a:latin typeface="Menlo"/>
               </a:rPr>
-              <a:t> Human(</a:t>
+              <a:t> </a:t>
+            </a:r>
+            <a:r>
+              <a:rPr lang="en-US" sz="2000" b="1" i="0" dirty="0">
+                <a:solidFill>
+                  <a:srgbClr val="000080"/>
+                </a:solidFill>
+                <a:effectLst/>
+                <a:latin typeface="Menlo"/>
+              </a:rPr>
+              <a:t>static</a:t>
             </a:r>
             <a:r>
               <a:rPr lang="en-US" sz="2000" b="0" i="0" dirty="0">
                 <a:solidFill>
-                  <a:srgbClr val="008000"/>
-                </a:solidFill>
-                <a:effectLst/>
-                <a:latin typeface="Menlo"/>
-              </a:rPr>
-              <a:t>"</a:t>
-            </a:r>
-            <a:r>
-              <a:rPr lang="uk-UA" sz="2000" b="0" i="0" dirty="0">
-                <a:solidFill>
-                  <a:srgbClr val="008000"/>
-                </a:solidFill>
-                <a:effectLst/>
-                <a:latin typeface="Menlo"/>
-              </a:rPr>
-              <a:t>Макс"</a:t>
-            </a:r>
-            <a:r>
-              <a:rPr lang="uk-UA" sz="2000" b="0" i="0" dirty="0">
-                <a:solidFill>
-                  <a:srgbClr val="000000"/>
-                </a:solidFill>
-                <a:effectLst/>
-                <a:latin typeface="Menlo"/>
-              </a:rPr>
-              <a:t>); </a:t>
-            </a:r>
-          </a:p>
-          <a:p>
+                  <a:srgbClr val="000000"/>
+                </a:solidFill>
+                <a:effectLst/>
+                <a:latin typeface="Menlo"/>
+              </a:rPr>
+              <a:t> </a:t>
+            </a:r>
+            <a:r>
+              <a:rPr lang="en-US" sz="2000" b="1" i="0" dirty="0">
+                <a:solidFill>
+                  <a:srgbClr val="000080"/>
+                </a:solidFill>
+                <a:effectLst/>
+                <a:latin typeface="Menlo"/>
+              </a:rPr>
+              <a:t>void</a:t>
+            </a:r>
             <a:r>
               <a:rPr lang="en-US" sz="2000" b="0" i="0" dirty="0">
                 <a:solidFill>
@@ -24003,76 +24462,37 @@
                 <a:effectLst/>
                 <a:latin typeface="Menlo"/>
               </a:rPr>
-              <a:t>	String out = </a:t>
+              <a:t> </a:t>
             </a:r>
             <a:r>
               <a:rPr lang="en-US" sz="2000" b="0" i="0" dirty="0">
                 <a:solidFill>
-                  <a:srgbClr val="008000"/>
-                </a:solidFill>
-                <a:effectLst/>
-                <a:latin typeface="Menlo"/>
-              </a:rPr>
-              <a:t>"Java </a:t>
-            </a:r>
-            <a:r>
-              <a:rPr lang="uk-UA" sz="2000" b="0" i="0" dirty="0">
-                <a:solidFill>
-                  <a:srgbClr val="008000"/>
-                </a:solidFill>
-                <a:effectLst/>
-                <a:latin typeface="Menlo"/>
-              </a:rPr>
-              <a:t>об</a:t>
+                  <a:srgbClr val="900606"/>
+                </a:solidFill>
+                <a:effectLst/>
+                <a:latin typeface="Menlo"/>
+              </a:rPr>
+              <a:t>main</a:t>
             </a:r>
             <a:r>
               <a:rPr lang="en-US" sz="2000" b="0" i="0" dirty="0">
                 <a:solidFill>
-                  <a:srgbClr val="008000"/>
-                </a:solidFill>
-                <a:effectLst/>
-                <a:latin typeface="Menlo"/>
-              </a:rPr>
-              <a:t>`</a:t>
-            </a:r>
-            <a:r>
-              <a:rPr lang="uk-UA" sz="2000" dirty="0" err="1">
-                <a:solidFill>
-                  <a:srgbClr val="008000"/>
-                </a:solidFill>
-                <a:latin typeface="Menlo"/>
-              </a:rPr>
-              <a:t>є</a:t>
-            </a:r>
-            <a:r>
-              <a:rPr lang="uk-UA" sz="2000" b="0" i="0" dirty="0" err="1">
-                <a:solidFill>
-                  <a:srgbClr val="008000"/>
-                </a:solidFill>
-                <a:effectLst/>
-                <a:latin typeface="Menlo"/>
-              </a:rPr>
-              <a:t>кт</a:t>
-            </a:r>
-            <a:r>
-              <a:rPr lang="uk-UA" sz="2000" b="0" i="0" dirty="0">
-                <a:solidFill>
-                  <a:srgbClr val="008000"/>
-                </a:solidFill>
-                <a:effectLst/>
-                <a:latin typeface="Menlo"/>
-              </a:rPr>
-              <a:t>: "</a:t>
-            </a:r>
-            <a:r>
-              <a:rPr lang="uk-UA" sz="2000" b="0" i="0" dirty="0">
-                <a:solidFill>
-                  <a:srgbClr val="000000"/>
-                </a:solidFill>
-                <a:effectLst/>
-                <a:latin typeface="Menlo"/>
-              </a:rPr>
-              <a:t> + </a:t>
+                  <a:srgbClr val="000000"/>
+                </a:solidFill>
+                <a:effectLst/>
+                <a:latin typeface="Menlo"/>
+              </a:rPr>
+              <a:t>(String[] </a:t>
+            </a:r>
+            <a:r>
+              <a:rPr lang="en-US" sz="2000" b="0" i="0" dirty="0" err="1">
+                <a:solidFill>
+                  <a:srgbClr val="000000"/>
+                </a:solidFill>
+                <a:effectLst/>
+                <a:latin typeface="Menlo"/>
+              </a:rPr>
+              <a:t>args</a:t>
             </a:r>
             <a:r>
               <a:rPr lang="en-US" sz="2000" b="0" i="0" dirty="0">
@@ -24082,187 +24502,7 @@
                 <a:effectLst/>
                 <a:latin typeface="Menlo"/>
               </a:rPr>
-              <a:t>max; </a:t>
-            </a:r>
-            <a:r>
-              <a:rPr lang="en-US" sz="2000" b="0" i="0" dirty="0" err="1">
-                <a:solidFill>
-                  <a:srgbClr val="000000"/>
-                </a:solidFill>
-                <a:effectLst/>
-                <a:latin typeface="Menlo"/>
-              </a:rPr>
-              <a:t>System.out.</a:t>
-            </a:r>
-            <a:r>
-              <a:rPr lang="en-US" sz="2000" b="0" i="0" dirty="0" err="1">
-                <a:solidFill>
-                  <a:srgbClr val="900606"/>
-                </a:solidFill>
-                <a:effectLst/>
-                <a:latin typeface="Menlo"/>
-              </a:rPr>
-              <a:t>println</a:t>
-            </a:r>
-            <a:r>
-              <a:rPr lang="en-US" sz="2000" b="0" i="0" dirty="0">
-                <a:solidFill>
-                  <a:srgbClr val="000000"/>
-                </a:solidFill>
-                <a:effectLst/>
-                <a:latin typeface="Menlo"/>
-              </a:rPr>
-              <a:t>(out); </a:t>
-            </a:r>
-          </a:p>
-          <a:p>
-            <a:r>
-              <a:rPr lang="en-US" sz="2000" dirty="0">
-                <a:solidFill>
-                  <a:srgbClr val="000000"/>
-                </a:solidFill>
-                <a:latin typeface="Menlo"/>
-              </a:rPr>
-              <a:t>	</a:t>
-            </a:r>
-            <a:r>
-              <a:rPr lang="en-US" sz="2000" b="0" i="0" dirty="0">
-                <a:effectLst/>
-                <a:latin typeface="Menlo"/>
-              </a:rPr>
-              <a:t>// </a:t>
-            </a:r>
-            <a:r>
-              <a:rPr lang="uk-UA" sz="2000" b="0" i="0" dirty="0">
-                <a:effectLst/>
-                <a:latin typeface="Menlo"/>
-              </a:rPr>
-              <a:t>Консоль: </a:t>
-            </a:r>
-            <a:r>
-              <a:rPr lang="en-US" sz="2000" b="0" i="0" dirty="0">
-                <a:effectLst/>
-                <a:latin typeface="Menlo"/>
-              </a:rPr>
-              <a:t>Java </a:t>
-            </a:r>
-            <a:r>
-              <a:rPr lang="uk-UA" sz="2000" b="0" i="0" dirty="0">
-                <a:effectLst/>
-                <a:latin typeface="Menlo"/>
-              </a:rPr>
-              <a:t>об</a:t>
-            </a:r>
-            <a:r>
-              <a:rPr lang="en-US" sz="2000" b="0" i="0" dirty="0">
-                <a:effectLst/>
-                <a:latin typeface="Menlo"/>
-              </a:rPr>
-              <a:t>`</a:t>
-            </a:r>
-            <a:r>
-              <a:rPr lang="uk-UA" sz="2000" b="0" i="0" dirty="0" err="1">
-                <a:effectLst/>
-                <a:latin typeface="Menlo"/>
-              </a:rPr>
-              <a:t>єкт</a:t>
-            </a:r>
-            <a:r>
-              <a:rPr lang="uk-UA" sz="2000" b="0" i="0" dirty="0">
-                <a:effectLst/>
-                <a:latin typeface="Menlo"/>
-              </a:rPr>
-              <a:t>: Людина з </a:t>
-            </a:r>
-            <a:r>
-              <a:rPr lang="uk-UA" sz="2000" b="0" i="0" dirty="0" err="1">
-                <a:effectLst/>
-                <a:latin typeface="Menlo"/>
-              </a:rPr>
-              <a:t>ім</a:t>
-            </a:r>
-            <a:r>
-              <a:rPr lang="en-US" sz="2000" dirty="0">
-                <a:latin typeface="Menlo"/>
-              </a:rPr>
-              <a:t>`</a:t>
-            </a:r>
-            <a:r>
-              <a:rPr lang="uk-UA" sz="2000" dirty="0">
-                <a:latin typeface="Menlo"/>
-              </a:rPr>
-              <a:t>ям</a:t>
-            </a:r>
-            <a:r>
-              <a:rPr lang="uk-UA" sz="2000" b="0" i="0" dirty="0">
-                <a:effectLst/>
-                <a:latin typeface="Menlo"/>
-              </a:rPr>
-              <a:t> Макс</a:t>
-            </a:r>
-            <a:r>
-              <a:rPr lang="uk-UA" sz="2000" b="0" i="0" dirty="0">
-                <a:solidFill>
-                  <a:srgbClr val="000000"/>
-                </a:solidFill>
-                <a:effectLst/>
-                <a:latin typeface="Menlo"/>
-              </a:rPr>
-              <a:t> </a:t>
-            </a:r>
-          </a:p>
-          <a:p>
-            <a:r>
-              <a:rPr lang="uk-UA" sz="2000" b="0" i="0" dirty="0">
-                <a:solidFill>
-                  <a:srgbClr val="000000"/>
-                </a:solidFill>
-                <a:effectLst/>
-                <a:latin typeface="Menlo"/>
-              </a:rPr>
-              <a:t>} </a:t>
-            </a:r>
-          </a:p>
-          <a:p>
-            <a:r>
-              <a:rPr lang="en-US" sz="2000" b="1" i="0" dirty="0">
-                <a:solidFill>
-                  <a:srgbClr val="000080"/>
-                </a:solidFill>
-                <a:effectLst/>
-                <a:latin typeface="Menlo"/>
-              </a:rPr>
-              <a:t>static</a:t>
-            </a:r>
-            <a:r>
-              <a:rPr lang="en-US" sz="2000" b="0" i="0" dirty="0">
-                <a:solidFill>
-                  <a:srgbClr val="000000"/>
-                </a:solidFill>
-                <a:effectLst/>
-                <a:latin typeface="Menlo"/>
-              </a:rPr>
-              <a:t> </a:t>
-            </a:r>
-            <a:r>
-              <a:rPr lang="en-US" sz="2000" b="1" i="0" dirty="0">
-                <a:solidFill>
-                  <a:srgbClr val="000080"/>
-                </a:solidFill>
-                <a:effectLst/>
-                <a:latin typeface="Menlo"/>
-              </a:rPr>
-              <a:t>class</a:t>
-            </a:r>
-            <a:r>
-              <a:rPr lang="en-US" sz="2000" b="0" i="0" dirty="0">
-                <a:solidFill>
-                  <a:srgbClr val="000000"/>
-                </a:solidFill>
-                <a:effectLst/>
-                <a:latin typeface="Menlo"/>
-              </a:rPr>
-              <a:t> Human { </a:t>
+              <a:t>) { </a:t>
             </a:r>
             <a:endParaRPr lang="uk-UA" sz="2000" b="0" i="0" dirty="0">
               <a:solidFill>
@@ -24274,9 +24514,9 @@
           </a:p>
           <a:p>
             <a:r>
-              <a:rPr lang="uk-UA" sz="2000" b="1" i="0" dirty="0">
-                <a:solidFill>
-                  <a:srgbClr val="000080"/>
+              <a:rPr lang="uk-UA" sz="2000" b="0" i="0" dirty="0">
+                <a:solidFill>
+                  <a:srgbClr val="000000"/>
                 </a:solidFill>
                 <a:effectLst/>
                 <a:latin typeface="Menlo"/>
@@ -24284,16 +24524,6 @@
               <a:t>	</a:t>
             </a:r>
             <a:r>
-              <a:rPr lang="en-US" sz="2000" b="1" i="0" dirty="0">
-                <a:solidFill>
-                  <a:srgbClr val="000080"/>
-                </a:solidFill>
-                <a:effectLst/>
-                <a:latin typeface="Menlo"/>
-              </a:rPr>
-              <a:t>private</a:t>
-            </a:r>
-            <a:r>
               <a:rPr lang="en-US" sz="2000" b="0" i="0" dirty="0">
                 <a:solidFill>
                   <a:srgbClr val="000000"/>
@@ -24301,7 +24531,27 @@
                 <a:effectLst/>
                 <a:latin typeface="Menlo"/>
               </a:rPr>
-              <a:t> String name; </a:t>
+              <a:t>String x = </a:t>
+            </a:r>
+            <a:r>
+              <a:rPr lang="en-US" sz="2000" b="0" i="0" dirty="0">
+                <a:solidFill>
+                  <a:srgbClr val="008000"/>
+                </a:solidFill>
+                <a:effectLst/>
+                <a:latin typeface="Menlo"/>
+              </a:rPr>
+              <a:t>"Test String"</a:t>
+            </a:r>
+            <a:r>
+              <a:rPr lang="en-US" sz="2000" b="0" i="0" dirty="0">
+                <a:solidFill>
+                  <a:srgbClr val="000000"/>
+                </a:solidFill>
+                <a:effectLst/>
+                <a:latin typeface="Menlo"/>
+              </a:rPr>
+              <a:t>; </a:t>
             </a:r>
             <a:endParaRPr lang="uk-UA" sz="2000" b="0" i="0" dirty="0">
               <a:solidFill>
@@ -24313,9 +24563,9 @@
           </a:p>
           <a:p>
             <a:r>
-              <a:rPr lang="uk-UA" sz="2000" b="1" i="0" dirty="0">
-                <a:solidFill>
-                  <a:srgbClr val="000080"/>
+              <a:rPr lang="uk-UA" sz="2000" b="0" i="0" dirty="0">
+                <a:solidFill>
+                  <a:srgbClr val="000000"/>
                 </a:solidFill>
                 <a:effectLst/>
                 <a:latin typeface="Menlo"/>
@@ -24323,14 +24573,24 @@
               <a:t>	</a:t>
             </a:r>
             <a:r>
-              <a:rPr lang="en-US" sz="2000" b="1" i="0" dirty="0">
-                <a:solidFill>
-                  <a:srgbClr val="000080"/>
-                </a:solidFill>
-                <a:effectLst/>
-                <a:latin typeface="Menlo"/>
-              </a:rPr>
-              <a:t>public</a:t>
+              <a:rPr lang="en-US" sz="2000" b="0" i="0" dirty="0" err="1">
+                <a:solidFill>
+                  <a:srgbClr val="000000"/>
+                </a:solidFill>
+                <a:effectLst/>
+                <a:latin typeface="Menlo"/>
+              </a:rPr>
+              <a:t>System.out.</a:t>
+            </a:r>
+            <a:r>
+              <a:rPr lang="en-US" sz="2000" b="0" i="0" dirty="0" err="1">
+                <a:solidFill>
+                  <a:srgbClr val="900606"/>
+                </a:solidFill>
+                <a:effectLst/>
+                <a:latin typeface="Menlo"/>
+              </a:rPr>
+              <a:t>println</a:t>
             </a:r>
             <a:r>
               <a:rPr lang="en-US" sz="2000" b="0" i="0" dirty="0">
@@ -24340,7 +24600,64 @@
                 <a:effectLst/>
                 <a:latin typeface="Menlo"/>
               </a:rPr>
-              <a:t> Human(String name) </a:t>
+              <a:t>(</a:t>
+            </a:r>
+            <a:r>
+              <a:rPr lang="en-US" sz="2000" b="0" i="0" dirty="0">
+                <a:solidFill>
+                  <a:srgbClr val="008000"/>
+                </a:solidFill>
+                <a:effectLst/>
+                <a:latin typeface="Menlo"/>
+              </a:rPr>
+              <a:t>"test string"</a:t>
+            </a:r>
+            <a:r>
+              <a:rPr lang="en-US" sz="2000" b="0" i="0" dirty="0">
+                <a:solidFill>
+                  <a:srgbClr val="000000"/>
+                </a:solidFill>
+                <a:effectLst/>
+                <a:latin typeface="Menlo"/>
+              </a:rPr>
+              <a:t>.</a:t>
+            </a:r>
+            <a:r>
+              <a:rPr lang="en-US" sz="2000" b="0" i="0" dirty="0" err="1">
+                <a:solidFill>
+                  <a:srgbClr val="900606"/>
+                </a:solidFill>
+                <a:effectLst/>
+                <a:latin typeface="Menlo"/>
+              </a:rPr>
+              <a:t>equalsIgnoreCase</a:t>
+            </a:r>
+            <a:r>
+              <a:rPr lang="en-US" sz="2000" b="0" i="0" dirty="0">
+                <a:solidFill>
+                  <a:srgbClr val="000000"/>
+                </a:solidFill>
+                <a:effectLst/>
+                <a:latin typeface="Menlo"/>
+              </a:rPr>
+              <a:t>(x)); </a:t>
+            </a:r>
+            <a:r>
+              <a:rPr lang="en-US" sz="2000" b="0" i="0" dirty="0">
+                <a:effectLst/>
+                <a:latin typeface="Menlo"/>
+              </a:rPr>
+              <a:t>// true</a:t>
+            </a:r>
+            <a:r>
+              <a:rPr lang="en-US" sz="2000" b="0" i="0" dirty="0">
+                <a:solidFill>
+                  <a:srgbClr val="000000"/>
+                </a:solidFill>
+                <a:effectLst/>
+                <a:latin typeface="Menlo"/>
+              </a:rPr>
+              <a:t> </a:t>
             </a:r>
             <a:endParaRPr lang="uk-UA" sz="2000" b="0" i="0" dirty="0">
               <a:solidFill>
@@ -24352,15 +24669,6 @@
           </a:p>
           <a:p>
             <a:r>
-              <a:rPr lang="uk-UA" sz="2000" dirty="0">
-                <a:solidFill>
-                  <a:srgbClr val="000000"/>
-                </a:solidFill>
-                <a:latin typeface="Menlo"/>
-              </a:rPr>
-              <a:t>	</a:t>
-            </a:r>
-            <a:r>
               <a:rPr lang="en-US" sz="2000" b="0" i="0" dirty="0">
                 <a:solidFill>
                   <a:srgbClr val="000000"/>
@@ -24368,316 +24676,8 @@
                 <a:effectLst/>
                 <a:latin typeface="Menlo"/>
               </a:rPr>
-              <a:t>{ </a:t>
-            </a:r>
-          </a:p>
-          <a:p>
-            <a:r>
-              <a:rPr lang="en-US" sz="2000" dirty="0">
-                <a:solidFill>
-                  <a:srgbClr val="000000"/>
-                </a:solidFill>
-                <a:latin typeface="Menlo"/>
-              </a:rPr>
-              <a:t>		</a:t>
-            </a:r>
-            <a:r>
-              <a:rPr lang="en-US" sz="2000" b="1" i="0" dirty="0">
-                <a:solidFill>
-                  <a:srgbClr val="000080"/>
-                </a:solidFill>
-                <a:effectLst/>
-                <a:latin typeface="Menlo"/>
-              </a:rPr>
-              <a:t>this</a:t>
-            </a:r>
-            <a:r>
-              <a:rPr lang="en-US" sz="2000" b="0" i="0" dirty="0">
-                <a:solidFill>
-                  <a:srgbClr val="000000"/>
-                </a:solidFill>
-                <a:effectLst/>
-                <a:latin typeface="Menlo"/>
-              </a:rPr>
-              <a:t>.name = name; </a:t>
-            </a:r>
-          </a:p>
-          <a:p>
-            <a:r>
-              <a:rPr lang="en-US" sz="2000" dirty="0">
-                <a:solidFill>
-                  <a:srgbClr val="000000"/>
-                </a:solidFill>
-                <a:latin typeface="Menlo"/>
-              </a:rPr>
-              <a:t>	</a:t>
-            </a:r>
-            <a:r>
-              <a:rPr lang="en-US" sz="2000" b="0" i="0" dirty="0">
-                <a:solidFill>
-                  <a:srgbClr val="000000"/>
-                </a:solidFill>
-                <a:effectLst/>
-                <a:latin typeface="Menlo"/>
-              </a:rPr>
               <a:t>}</a:t>
             </a:r>
-            <a:endParaRPr lang="uk-UA" sz="2000" b="0" i="0" dirty="0">
-              <a:solidFill>
-                <a:srgbClr val="000000"/>
-              </a:solidFill>
-              <a:effectLst/>
-              <a:latin typeface="Menlo"/>
-            </a:endParaRPr>
-          </a:p>
-          <a:p>
-            <a:r>
-              <a:rPr lang="uk-UA" sz="2000" dirty="0">
-                <a:solidFill>
-                  <a:srgbClr val="000000"/>
-                </a:solidFill>
-                <a:latin typeface="Menlo"/>
-              </a:rPr>
-              <a:t>	</a:t>
-            </a:r>
-            <a:r>
-              <a:rPr lang="en-US" sz="2000" b="0" i="0" dirty="0">
-                <a:solidFill>
-                  <a:srgbClr val="808000"/>
-                </a:solidFill>
-                <a:effectLst/>
-                <a:latin typeface="Menlo"/>
-              </a:rPr>
-              <a:t>@Override</a:t>
-            </a:r>
-            <a:r>
-              <a:rPr lang="en-US" sz="2000" b="0" i="0" dirty="0">
-                <a:solidFill>
-                  <a:srgbClr val="000000"/>
-                </a:solidFill>
-                <a:effectLst/>
-                <a:latin typeface="Menlo"/>
-              </a:rPr>
-              <a:t> </a:t>
-            </a:r>
-            <a:r>
-              <a:rPr lang="en-US" sz="2000" b="1" i="0" dirty="0">
-                <a:solidFill>
-                  <a:srgbClr val="000080"/>
-                </a:solidFill>
-                <a:effectLst/>
-                <a:latin typeface="Menlo"/>
-              </a:rPr>
-              <a:t>public</a:t>
-            </a:r>
-            <a:r>
-              <a:rPr lang="en-US" sz="2000" b="0" i="0" dirty="0">
-                <a:solidFill>
-                  <a:srgbClr val="000000"/>
-                </a:solidFill>
-                <a:effectLst/>
-                <a:latin typeface="Menlo"/>
-              </a:rPr>
-              <a:t> String </a:t>
-            </a:r>
-            <a:r>
-              <a:rPr lang="en-US" sz="2000" b="0" i="0" dirty="0" err="1">
-                <a:solidFill>
-                  <a:srgbClr val="900606"/>
-                </a:solidFill>
-                <a:effectLst/>
-                <a:latin typeface="Menlo"/>
-              </a:rPr>
-              <a:t>toString</a:t>
-            </a:r>
-            <a:r>
-              <a:rPr lang="en-US" sz="2000" b="0" i="0" dirty="0">
-                <a:solidFill>
-                  <a:srgbClr val="000000"/>
-                </a:solidFill>
-                <a:effectLst/>
-                <a:latin typeface="Menlo"/>
-              </a:rPr>
-              <a:t>() </a:t>
-            </a:r>
-            <a:endParaRPr lang="uk-UA" sz="2000" b="0" i="0" dirty="0">
-              <a:solidFill>
-                <a:srgbClr val="000000"/>
-              </a:solidFill>
-              <a:effectLst/>
-              <a:latin typeface="Menlo"/>
-            </a:endParaRPr>
-          </a:p>
-          <a:p>
-            <a:r>
-              <a:rPr lang="uk-UA" sz="2000" dirty="0">
-                <a:solidFill>
-                  <a:srgbClr val="000000"/>
-                </a:solidFill>
-                <a:latin typeface="Menlo"/>
-              </a:rPr>
-              <a:t>	</a:t>
-            </a:r>
-            <a:r>
-              <a:rPr lang="en-US" sz="2000" b="0" i="0" dirty="0">
-                <a:solidFill>
-                  <a:srgbClr val="000000"/>
-                </a:solidFill>
-                <a:effectLst/>
-                <a:latin typeface="Menlo"/>
-              </a:rPr>
-              <a:t>{ </a:t>
-            </a:r>
-          </a:p>
-          <a:p>
-            <a:r>
-              <a:rPr lang="en-US" sz="2000" b="1" i="0" dirty="0">
-                <a:solidFill>
-                  <a:srgbClr val="000080"/>
-                </a:solidFill>
-                <a:effectLst/>
-                <a:latin typeface="Menlo"/>
-              </a:rPr>
-              <a:t>	return</a:t>
-            </a:r>
-            <a:r>
-              <a:rPr lang="en-US" sz="2000" b="0" i="0" dirty="0">
-                <a:solidFill>
-                  <a:srgbClr val="000000"/>
-                </a:solidFill>
-                <a:effectLst/>
-                <a:latin typeface="Menlo"/>
-              </a:rPr>
-              <a:t> </a:t>
-            </a:r>
-            <a:r>
-              <a:rPr lang="en-US" sz="2000" b="0" i="0" dirty="0">
-                <a:solidFill>
-                  <a:srgbClr val="008000"/>
-                </a:solidFill>
-                <a:effectLst/>
-                <a:latin typeface="Menlo"/>
-              </a:rPr>
-              <a:t>«</a:t>
-            </a:r>
-            <a:r>
-              <a:rPr lang="uk-UA" sz="2000" b="0" i="0" dirty="0">
-                <a:solidFill>
-                  <a:srgbClr val="008000"/>
-                </a:solidFill>
-                <a:effectLst/>
-                <a:latin typeface="Menlo"/>
-              </a:rPr>
-              <a:t>Людина з </a:t>
-            </a:r>
-            <a:r>
-              <a:rPr lang="uk-UA" sz="2000" dirty="0" err="1">
-                <a:solidFill>
-                  <a:srgbClr val="008000"/>
-                </a:solidFill>
-                <a:latin typeface="Menlo"/>
-              </a:rPr>
-              <a:t>і</a:t>
-            </a:r>
-            <a:r>
-              <a:rPr lang="uk-UA" sz="2000" b="0" i="0" dirty="0" err="1">
-                <a:solidFill>
-                  <a:srgbClr val="008000"/>
-                </a:solidFill>
-                <a:effectLst/>
-                <a:latin typeface="Menlo"/>
-              </a:rPr>
-              <a:t>м</a:t>
-            </a:r>
-            <a:r>
-              <a:rPr lang="en-US" sz="2000" b="0" i="0" dirty="0">
-                <a:solidFill>
-                  <a:srgbClr val="008000"/>
-                </a:solidFill>
-                <a:effectLst/>
-                <a:latin typeface="Menlo"/>
-              </a:rPr>
-              <a:t>`</a:t>
-            </a:r>
-            <a:r>
-              <a:rPr lang="uk-UA" sz="2000" dirty="0">
-                <a:solidFill>
-                  <a:srgbClr val="008000"/>
-                </a:solidFill>
-                <a:latin typeface="Menlo"/>
-              </a:rPr>
-              <a:t>я</a:t>
-            </a:r>
-            <a:r>
-              <a:rPr lang="uk-UA" sz="2000" b="0" i="0" dirty="0">
-                <a:solidFill>
-                  <a:srgbClr val="008000"/>
-                </a:solidFill>
-                <a:effectLst/>
-                <a:latin typeface="Menlo"/>
-              </a:rPr>
-              <a:t>м "</a:t>
-            </a:r>
-            <a:r>
-              <a:rPr lang="uk-UA" sz="2000" b="0" i="0" dirty="0">
-                <a:solidFill>
-                  <a:srgbClr val="000000"/>
-                </a:solidFill>
-                <a:effectLst/>
-                <a:latin typeface="Menlo"/>
-              </a:rPr>
-              <a:t> + </a:t>
-            </a:r>
-            <a:r>
-              <a:rPr lang="en-US" sz="2000" b="0" i="0" dirty="0">
-                <a:solidFill>
-                  <a:srgbClr val="000000"/>
-                </a:solidFill>
-                <a:effectLst/>
-                <a:latin typeface="Menlo"/>
-              </a:rPr>
-              <a:t>name; </a:t>
-            </a:r>
-          </a:p>
-          <a:p>
-            <a:r>
-              <a:rPr lang="en-US" sz="2000" b="0" i="0" dirty="0">
-                <a:solidFill>
-                  <a:srgbClr val="000000"/>
-                </a:solidFill>
-                <a:effectLst/>
-                <a:latin typeface="Menlo"/>
-              </a:rPr>
-              <a:t>	}</a:t>
-            </a:r>
-            <a:endParaRPr lang="uk-UA" sz="2000" b="0" i="0" dirty="0">
-              <a:solidFill>
-                <a:srgbClr val="000000"/>
-              </a:solidFill>
-              <a:effectLst/>
-              <a:latin typeface="Menlo"/>
-            </a:endParaRPr>
-          </a:p>
-          <a:p>
-            <a:r>
-              <a:rPr lang="en-US" sz="2000" b="0" i="0" dirty="0">
-                <a:solidFill>
-                  <a:srgbClr val="000000"/>
-                </a:solidFill>
-                <a:effectLst/>
-                <a:latin typeface="Menlo"/>
-              </a:rPr>
-              <a:t> } </a:t>
-            </a:r>
-            <a:endParaRPr lang="uk-UA" sz="2000" b="0" i="0" dirty="0">
-              <a:solidFill>
-                <a:srgbClr val="000000"/>
-              </a:solidFill>
-              <a:effectLst/>
-              <a:latin typeface="Menlo"/>
-            </a:endParaRPr>
-          </a:p>
-          <a:p>
             <a:endParaRPr lang="uk-UA" sz="2000" dirty="0"/>
           </a:p>
         </p:txBody>
@@ -24685,7 +24685,7 @@
     </p:spTree>
     <p:extLst>
       <p:ext uri="{BB962C8B-B14F-4D97-AF65-F5344CB8AC3E}">
-        <p14:creationId xmlns:p14="http://schemas.microsoft.com/office/powerpoint/2010/main" val="3050747000"/>
+        <p14:creationId xmlns:p14="http://schemas.microsoft.com/office/powerpoint/2010/main" val="3345209452"/>
       </p:ext>
     </p:extLst>
   </p:cSld>

--- a/Java Урок 10.1 String. Random.pptx
+++ b/Java Урок 10.1 String. Random.pptx
@@ -218,7 +218,7 @@
           <a:p>
             <a:fld id="{790B794E-751A-4E07-B5B4-B69A0141DF43}" type="datetimeFigureOut">
               <a:rPr lang="uk-UA" smtClean="0"/>
-              <a:t>28.02.2024</a:t>
+              <a:t>01.03.2024</a:t>
             </a:fld>
             <a:endParaRPr lang="uk-UA"/>
           </a:p>
@@ -1155,7 +1155,7 @@
           <a:p>
             <a:fld id="{7339DC7A-DEAA-47BA-B575-6138C53BD45C}" type="datetimeFigureOut">
               <a:rPr lang="uk-UA" smtClean="0"/>
-              <a:t>28.02.2024</a:t>
+              <a:t>01.03.2024</a:t>
             </a:fld>
             <a:endParaRPr lang="uk-UA"/>
           </a:p>
@@ -1355,7 +1355,7 @@
           <a:p>
             <a:fld id="{7339DC7A-DEAA-47BA-B575-6138C53BD45C}" type="datetimeFigureOut">
               <a:rPr lang="uk-UA" smtClean="0"/>
-              <a:t>28.02.2024</a:t>
+              <a:t>01.03.2024</a:t>
             </a:fld>
             <a:endParaRPr lang="uk-UA"/>
           </a:p>
@@ -1565,7 +1565,7 @@
           <a:p>
             <a:fld id="{7339DC7A-DEAA-47BA-B575-6138C53BD45C}" type="datetimeFigureOut">
               <a:rPr lang="uk-UA" smtClean="0"/>
-              <a:t>28.02.2024</a:t>
+              <a:t>01.03.2024</a:t>
             </a:fld>
             <a:endParaRPr lang="uk-UA"/>
           </a:p>
@@ -1888,7 +1888,7 @@
           <a:p>
             <a:fld id="{7339DC7A-DEAA-47BA-B575-6138C53BD45C}" type="datetimeFigureOut">
               <a:rPr lang="uk-UA" smtClean="0"/>
-              <a:t>28.02.2024</a:t>
+              <a:t>01.03.2024</a:t>
             </a:fld>
             <a:endParaRPr lang="uk-UA"/>
           </a:p>
@@ -2164,7 +2164,7 @@
           <a:p>
             <a:fld id="{7339DC7A-DEAA-47BA-B575-6138C53BD45C}" type="datetimeFigureOut">
               <a:rPr lang="uk-UA" smtClean="0"/>
-              <a:t>28.02.2024</a:t>
+              <a:t>01.03.2024</a:t>
             </a:fld>
             <a:endParaRPr lang="uk-UA"/>
           </a:p>
@@ -2432,7 +2432,7 @@
           <a:p>
             <a:fld id="{7339DC7A-DEAA-47BA-B575-6138C53BD45C}" type="datetimeFigureOut">
               <a:rPr lang="uk-UA" smtClean="0"/>
-              <a:t>28.02.2024</a:t>
+              <a:t>01.03.2024</a:t>
             </a:fld>
             <a:endParaRPr lang="uk-UA"/>
           </a:p>
@@ -2847,7 +2847,7 @@
           <a:p>
             <a:fld id="{7339DC7A-DEAA-47BA-B575-6138C53BD45C}" type="datetimeFigureOut">
               <a:rPr lang="uk-UA" smtClean="0"/>
-              <a:t>28.02.2024</a:t>
+              <a:t>01.03.2024</a:t>
             </a:fld>
             <a:endParaRPr lang="uk-UA"/>
           </a:p>
@@ -2989,7 +2989,7 @@
           <a:p>
             <a:fld id="{7339DC7A-DEAA-47BA-B575-6138C53BD45C}" type="datetimeFigureOut">
               <a:rPr lang="uk-UA" smtClean="0"/>
-              <a:t>28.02.2024</a:t>
+              <a:t>01.03.2024</a:t>
             </a:fld>
             <a:endParaRPr lang="uk-UA"/>
           </a:p>
@@ -3102,7 +3102,7 @@
           <a:p>
             <a:fld id="{7339DC7A-DEAA-47BA-B575-6138C53BD45C}" type="datetimeFigureOut">
               <a:rPr lang="uk-UA" smtClean="0"/>
-              <a:t>28.02.2024</a:t>
+              <a:t>01.03.2024</a:t>
             </a:fld>
             <a:endParaRPr lang="uk-UA"/>
           </a:p>
@@ -3415,7 +3415,7 @@
           <a:p>
             <a:fld id="{7339DC7A-DEAA-47BA-B575-6138C53BD45C}" type="datetimeFigureOut">
               <a:rPr lang="uk-UA" smtClean="0"/>
-              <a:t>28.02.2024</a:t>
+              <a:t>01.03.2024</a:t>
             </a:fld>
             <a:endParaRPr lang="uk-UA"/>
           </a:p>
@@ -3704,7 +3704,7 @@
           <a:p>
             <a:fld id="{7339DC7A-DEAA-47BA-B575-6138C53BD45C}" type="datetimeFigureOut">
               <a:rPr lang="uk-UA" smtClean="0"/>
-              <a:t>28.02.2024</a:t>
+              <a:t>01.03.2024</a:t>
             </a:fld>
             <a:endParaRPr lang="uk-UA"/>
           </a:p>
@@ -3947,7 +3947,7 @@
           <a:p>
             <a:fld id="{7339DC7A-DEAA-47BA-B575-6138C53BD45C}" type="datetimeFigureOut">
               <a:rPr lang="uk-UA" smtClean="0"/>
-              <a:t>28.02.2024</a:t>
+              <a:t>01.03.2024</a:t>
             </a:fld>
             <a:endParaRPr lang="uk-UA"/>
           </a:p>
@@ -5201,7 +5201,7 @@
           <a:graphicData uri="http://schemas.openxmlformats.org/presentationml/2006/ole">
             <mc:AlternateContent xmlns:mc="http://schemas.openxmlformats.org/markup-compatibility/2006">
               <mc:Choice xmlns:v="urn:schemas-microsoft-com:vml" Requires="v">
-                <p:oleObj spid="_x0000_s1051" name="Visio" r:id="rId3" imgW="6010393" imgH="1609767" progId="Visio.Drawing.11">
+                <p:oleObj spid="_x0000_s1052" name="Visio" r:id="rId3" imgW="6010393" imgH="1609767" progId="Visio.Drawing.11">
                   <p:embed/>
                 </p:oleObj>
               </mc:Choice>
